--- a/Project_Presentation.pptx
+++ b/Project_Presentation.pptx
@@ -4,8 +4,11 @@
   <p:sldMasterIdLst>
     <p:sldMasterId id="2147483648" r:id="rId1"/>
   </p:sldMasterIdLst>
+  <p:notesMasterIdLst>
+    <p:notesMasterId r:id="rId17"/>
+  </p:notesMasterIdLst>
   <p:handoutMasterIdLst>
-    <p:handoutMasterId r:id="rId17"/>
+    <p:handoutMasterId r:id="rId18"/>
   </p:handoutMasterIdLst>
   <p:sldIdLst>
     <p:sldId id="256" r:id="rId2"/>
@@ -200,7 +203,7 @@
           <p:cNvPr id="2" name="Header Placeholder 1">
             <a:extLst>
               <a:ext uri="{FF2B5EF4-FFF2-40B4-BE49-F238E27FC236}">
-                <a16:creationId xmlns:a16="http://schemas.microsoft.com/office/drawing/2014/main" id="{B16AB048-A913-49DA-90E0-835A009063DE}"/>
+                <a16:creationId xmlns:a16="http://schemas.microsoft.com/office/drawing/2014/main" xmlns="" id="{B16AB048-A913-49DA-90E0-835A009063DE}"/>
               </a:ext>
             </a:extLst>
           </p:cNvPr>
@@ -244,7 +247,7 @@
           <p:cNvPr id="3" name="Date Placeholder 2">
             <a:extLst>
               <a:ext uri="{FF2B5EF4-FFF2-40B4-BE49-F238E27FC236}">
-                <a16:creationId xmlns:a16="http://schemas.microsoft.com/office/drawing/2014/main" id="{401F5596-3025-43CF-B0DB-BC8BEC066964}"/>
+                <a16:creationId xmlns:a16="http://schemas.microsoft.com/office/drawing/2014/main" xmlns="" id="{401F5596-3025-43CF-B0DB-BC8BEC066964}"/>
               </a:ext>
             </a:extLst>
           </p:cNvPr>
@@ -287,7 +290,7 @@
               <a:pPr>
                 <a:defRPr/>
               </a:pPr>
-              <a:t>2/19/2018</a:t>
+              <a:t>2/20/18</a:t>
             </a:fld>
             <a:endParaRPr lang="en-US" altLang="en-US"/>
           </a:p>
@@ -298,7 +301,7 @@
           <p:cNvPr id="4" name="Footer Placeholder 3">
             <a:extLst>
               <a:ext uri="{FF2B5EF4-FFF2-40B4-BE49-F238E27FC236}">
-                <a16:creationId xmlns:a16="http://schemas.microsoft.com/office/drawing/2014/main" id="{A11BD8DC-086C-46AA-AC0E-133342D5E048}"/>
+                <a16:creationId xmlns:a16="http://schemas.microsoft.com/office/drawing/2014/main" xmlns="" id="{A11BD8DC-086C-46AA-AC0E-133342D5E048}"/>
               </a:ext>
             </a:extLst>
           </p:cNvPr>
@@ -342,7 +345,7 @@
           <p:cNvPr id="5" name="Slide Number Placeholder 4">
             <a:extLst>
               <a:ext uri="{FF2B5EF4-FFF2-40B4-BE49-F238E27FC236}">
-                <a16:creationId xmlns:a16="http://schemas.microsoft.com/office/drawing/2014/main" id="{0AFCD401-93A3-4944-BC04-26F8FE190510}"/>
+                <a16:creationId xmlns:a16="http://schemas.microsoft.com/office/drawing/2014/main" xmlns="" id="{0AFCD401-93A3-4944-BC04-26F8FE190510}"/>
               </a:ext>
             </a:extLst>
           </p:cNvPr>
@@ -392,6 +395,356 @@
   </p:cSld>
   <p:clrMap bg1="lt1" tx1="dk1" bg2="lt2" tx2="dk2" accent1="accent1" accent2="accent2" accent3="accent3" accent4="accent4" accent5="accent5" accent6="accent6" hlink="hlink" folHlink="folHlink"/>
 </p:handoutMaster>
+</file>
+
+<file path=ppt/notesMasters/notesMaster1.xml><?xml version="1.0" encoding="utf-8"?>
+<p:notesMaster xmlns:a="http://schemas.openxmlformats.org/drawingml/2006/main" xmlns:r="http://schemas.openxmlformats.org/officeDocument/2006/relationships" xmlns:p="http://schemas.openxmlformats.org/presentationml/2006/main">
+  <p:cSld>
+    <p:bg>
+      <p:bgRef idx="1001">
+        <a:schemeClr val="bg1"/>
+      </p:bgRef>
+    </p:bg>
+    <p:spTree>
+      <p:nvGrpSpPr>
+        <p:cNvPr id="1" name=""/>
+        <p:cNvGrpSpPr/>
+        <p:nvPr/>
+      </p:nvGrpSpPr>
+      <p:grpSpPr>
+        <a:xfrm>
+          <a:off x="0" y="0"/>
+          <a:ext cx="0" cy="0"/>
+          <a:chOff x="0" y="0"/>
+          <a:chExt cx="0" cy="0"/>
+        </a:xfrm>
+      </p:grpSpPr>
+      <p:sp>
+        <p:nvSpPr>
+          <p:cNvPr id="2" name="Header Placeholder 1"/>
+          <p:cNvSpPr>
+            <a:spLocks noGrp="1"/>
+          </p:cNvSpPr>
+          <p:nvPr>
+            <p:ph type="hdr" sz="quarter"/>
+          </p:nvPr>
+        </p:nvSpPr>
+        <p:spPr>
+          <a:xfrm>
+            <a:off x="0" y="0"/>
+            <a:ext cx="2971800" cy="458788"/>
+          </a:xfrm>
+          <a:prstGeom prst="rect">
+            <a:avLst/>
+          </a:prstGeom>
+        </p:spPr>
+        <p:txBody>
+          <a:bodyPr vert="horz" lIns="91440" tIns="45720" rIns="91440" bIns="45720" rtlCol="0"/>
+          <a:lstStyle>
+            <a:lvl1pPr algn="l">
+              <a:defRPr sz="1200"/>
+            </a:lvl1pPr>
+          </a:lstStyle>
+          <a:p>
+            <a:endParaRPr lang="en-US"/>
+          </a:p>
+        </p:txBody>
+      </p:sp>
+      <p:sp>
+        <p:nvSpPr>
+          <p:cNvPr id="3" name="Date Placeholder 2"/>
+          <p:cNvSpPr>
+            <a:spLocks noGrp="1"/>
+          </p:cNvSpPr>
+          <p:nvPr>
+            <p:ph type="dt" idx="1"/>
+          </p:nvPr>
+        </p:nvSpPr>
+        <p:spPr>
+          <a:xfrm>
+            <a:off x="3884613" y="0"/>
+            <a:ext cx="2971800" cy="458788"/>
+          </a:xfrm>
+          <a:prstGeom prst="rect">
+            <a:avLst/>
+          </a:prstGeom>
+        </p:spPr>
+        <p:txBody>
+          <a:bodyPr vert="horz" lIns="91440" tIns="45720" rIns="91440" bIns="45720" rtlCol="0"/>
+          <a:lstStyle>
+            <a:lvl1pPr algn="r">
+              <a:defRPr sz="1200"/>
+            </a:lvl1pPr>
+          </a:lstStyle>
+          <a:p>
+            <a:fld id="{0C4808DC-92D8-4F47-969D-C830FDB59E9E}" type="datetimeFigureOut">
+              <a:rPr lang="en-US" smtClean="0"/>
+              <a:t>2/20/18</a:t>
+            </a:fld>
+            <a:endParaRPr lang="en-US"/>
+          </a:p>
+        </p:txBody>
+      </p:sp>
+      <p:sp>
+        <p:nvSpPr>
+          <p:cNvPr id="4" name="Slide Image Placeholder 3"/>
+          <p:cNvSpPr>
+            <a:spLocks noGrp="1" noRot="1" noChangeAspect="1"/>
+          </p:cNvSpPr>
+          <p:nvPr>
+            <p:ph type="sldImg" idx="2"/>
+          </p:nvPr>
+        </p:nvSpPr>
+        <p:spPr>
+          <a:xfrm>
+            <a:off x="1371600" y="1143000"/>
+            <a:ext cx="4114800" cy="3086100"/>
+          </a:xfrm>
+          <a:prstGeom prst="rect">
+            <a:avLst/>
+          </a:prstGeom>
+          <a:noFill/>
+          <a:ln w="12700">
+            <a:solidFill>
+              <a:prstClr val="black"/>
+            </a:solidFill>
+          </a:ln>
+        </p:spPr>
+        <p:txBody>
+          <a:bodyPr vert="horz" lIns="91440" tIns="45720" rIns="91440" bIns="45720" rtlCol="0" anchor="ctr"/>
+          <a:lstStyle/>
+          <a:p>
+            <a:endParaRPr lang="en-US"/>
+          </a:p>
+        </p:txBody>
+      </p:sp>
+      <p:sp>
+        <p:nvSpPr>
+          <p:cNvPr id="5" name="Notes Placeholder 4"/>
+          <p:cNvSpPr>
+            <a:spLocks noGrp="1"/>
+          </p:cNvSpPr>
+          <p:nvPr>
+            <p:ph type="body" sz="quarter" idx="3"/>
+          </p:nvPr>
+        </p:nvSpPr>
+        <p:spPr>
+          <a:xfrm>
+            <a:off x="685800" y="4400550"/>
+            <a:ext cx="5486400" cy="3600450"/>
+          </a:xfrm>
+          <a:prstGeom prst="rect">
+            <a:avLst/>
+          </a:prstGeom>
+        </p:spPr>
+        <p:txBody>
+          <a:bodyPr vert="horz" lIns="91440" tIns="45720" rIns="91440" bIns="45720" rtlCol="0"/>
+          <a:lstStyle/>
+          <a:p>
+            <a:pPr lvl="0"/>
+            <a:r>
+              <a:rPr lang="en-US" smtClean="0"/>
+              <a:t>Click to edit Master text styles</a:t>
+            </a:r>
+          </a:p>
+          <a:p>
+            <a:pPr lvl="1"/>
+            <a:r>
+              <a:rPr lang="en-US" smtClean="0"/>
+              <a:t>Second level</a:t>
+            </a:r>
+          </a:p>
+          <a:p>
+            <a:pPr lvl="2"/>
+            <a:r>
+              <a:rPr lang="en-US" smtClean="0"/>
+              <a:t>Third level</a:t>
+            </a:r>
+          </a:p>
+          <a:p>
+            <a:pPr lvl="3"/>
+            <a:r>
+              <a:rPr lang="en-US" smtClean="0"/>
+              <a:t>Fourth level</a:t>
+            </a:r>
+          </a:p>
+          <a:p>
+            <a:pPr lvl="4"/>
+            <a:r>
+              <a:rPr lang="en-US" smtClean="0"/>
+              <a:t>Fifth level</a:t>
+            </a:r>
+            <a:endParaRPr lang="en-US"/>
+          </a:p>
+        </p:txBody>
+      </p:sp>
+      <p:sp>
+        <p:nvSpPr>
+          <p:cNvPr id="6" name="Footer Placeholder 5"/>
+          <p:cNvSpPr>
+            <a:spLocks noGrp="1"/>
+          </p:cNvSpPr>
+          <p:nvPr>
+            <p:ph type="ftr" sz="quarter" idx="4"/>
+          </p:nvPr>
+        </p:nvSpPr>
+        <p:spPr>
+          <a:xfrm>
+            <a:off x="0" y="8685213"/>
+            <a:ext cx="2971800" cy="458787"/>
+          </a:xfrm>
+          <a:prstGeom prst="rect">
+            <a:avLst/>
+          </a:prstGeom>
+        </p:spPr>
+        <p:txBody>
+          <a:bodyPr vert="horz" lIns="91440" tIns="45720" rIns="91440" bIns="45720" rtlCol="0" anchor="b"/>
+          <a:lstStyle>
+            <a:lvl1pPr algn="l">
+              <a:defRPr sz="1200"/>
+            </a:lvl1pPr>
+          </a:lstStyle>
+          <a:p>
+            <a:endParaRPr lang="en-US"/>
+          </a:p>
+        </p:txBody>
+      </p:sp>
+      <p:sp>
+        <p:nvSpPr>
+          <p:cNvPr id="7" name="Slide Number Placeholder 6"/>
+          <p:cNvSpPr>
+            <a:spLocks noGrp="1"/>
+          </p:cNvSpPr>
+          <p:nvPr>
+            <p:ph type="sldNum" sz="quarter" idx="5"/>
+          </p:nvPr>
+        </p:nvSpPr>
+        <p:spPr>
+          <a:xfrm>
+            <a:off x="3884613" y="8685213"/>
+            <a:ext cx="2971800" cy="458787"/>
+          </a:xfrm>
+          <a:prstGeom prst="rect">
+            <a:avLst/>
+          </a:prstGeom>
+        </p:spPr>
+        <p:txBody>
+          <a:bodyPr vert="horz" lIns="91440" tIns="45720" rIns="91440" bIns="45720" rtlCol="0" anchor="b"/>
+          <a:lstStyle>
+            <a:lvl1pPr algn="r">
+              <a:defRPr sz="1200"/>
+            </a:lvl1pPr>
+          </a:lstStyle>
+          <a:p>
+            <a:fld id="{9CF3FEDD-17F9-4643-B61A-28696D747D4D}" type="slidenum">
+              <a:rPr lang="en-US" smtClean="0"/>
+              <a:t>‹#›</a:t>
+            </a:fld>
+            <a:endParaRPr lang="en-US"/>
+          </a:p>
+        </p:txBody>
+      </p:sp>
+    </p:spTree>
+    <p:extLst>
+      <p:ext uri="{BB962C8B-B14F-4D97-AF65-F5344CB8AC3E}">
+        <p14:creationId xmlns:p14="http://schemas.microsoft.com/office/powerpoint/2010/main" val="1585350349"/>
+      </p:ext>
+    </p:extLst>
+  </p:cSld>
+  <p:clrMap bg1="lt1" tx1="dk1" bg2="lt2" tx2="dk2" accent1="accent1" accent2="accent2" accent3="accent3" accent4="accent4" accent5="accent5" accent6="accent6" hlink="hlink" folHlink="folHlink"/>
+  <p:notesStyle>
+    <a:lvl1pPr marL="0" algn="l" defTabSz="914400" rtl="0" eaLnBrk="1" latinLnBrk="0" hangingPunct="1">
+      <a:defRPr sz="1200" kern="1200">
+        <a:solidFill>
+          <a:schemeClr val="tx1"/>
+        </a:solidFill>
+        <a:latin typeface="+mn-lt"/>
+        <a:ea typeface="+mn-ea"/>
+        <a:cs typeface="+mn-cs"/>
+      </a:defRPr>
+    </a:lvl1pPr>
+    <a:lvl2pPr marL="457200" algn="l" defTabSz="914400" rtl="0" eaLnBrk="1" latinLnBrk="0" hangingPunct="1">
+      <a:defRPr sz="1200" kern="1200">
+        <a:solidFill>
+          <a:schemeClr val="tx1"/>
+        </a:solidFill>
+        <a:latin typeface="+mn-lt"/>
+        <a:ea typeface="+mn-ea"/>
+        <a:cs typeface="+mn-cs"/>
+      </a:defRPr>
+    </a:lvl2pPr>
+    <a:lvl3pPr marL="914400" algn="l" defTabSz="914400" rtl="0" eaLnBrk="1" latinLnBrk="0" hangingPunct="1">
+      <a:defRPr sz="1200" kern="1200">
+        <a:solidFill>
+          <a:schemeClr val="tx1"/>
+        </a:solidFill>
+        <a:latin typeface="+mn-lt"/>
+        <a:ea typeface="+mn-ea"/>
+        <a:cs typeface="+mn-cs"/>
+      </a:defRPr>
+    </a:lvl3pPr>
+    <a:lvl4pPr marL="1371600" algn="l" defTabSz="914400" rtl="0" eaLnBrk="1" latinLnBrk="0" hangingPunct="1">
+      <a:defRPr sz="1200" kern="1200">
+        <a:solidFill>
+          <a:schemeClr val="tx1"/>
+        </a:solidFill>
+        <a:latin typeface="+mn-lt"/>
+        <a:ea typeface="+mn-ea"/>
+        <a:cs typeface="+mn-cs"/>
+      </a:defRPr>
+    </a:lvl4pPr>
+    <a:lvl5pPr marL="1828800" algn="l" defTabSz="914400" rtl="0" eaLnBrk="1" latinLnBrk="0" hangingPunct="1">
+      <a:defRPr sz="1200" kern="1200">
+        <a:solidFill>
+          <a:schemeClr val="tx1"/>
+        </a:solidFill>
+        <a:latin typeface="+mn-lt"/>
+        <a:ea typeface="+mn-ea"/>
+        <a:cs typeface="+mn-cs"/>
+      </a:defRPr>
+    </a:lvl5pPr>
+    <a:lvl6pPr marL="2286000" algn="l" defTabSz="914400" rtl="0" eaLnBrk="1" latinLnBrk="0" hangingPunct="1">
+      <a:defRPr sz="1200" kern="1200">
+        <a:solidFill>
+          <a:schemeClr val="tx1"/>
+        </a:solidFill>
+        <a:latin typeface="+mn-lt"/>
+        <a:ea typeface="+mn-ea"/>
+        <a:cs typeface="+mn-cs"/>
+      </a:defRPr>
+    </a:lvl6pPr>
+    <a:lvl7pPr marL="2743200" algn="l" defTabSz="914400" rtl="0" eaLnBrk="1" latinLnBrk="0" hangingPunct="1">
+      <a:defRPr sz="1200" kern="1200">
+        <a:solidFill>
+          <a:schemeClr val="tx1"/>
+        </a:solidFill>
+        <a:latin typeface="+mn-lt"/>
+        <a:ea typeface="+mn-ea"/>
+        <a:cs typeface="+mn-cs"/>
+      </a:defRPr>
+    </a:lvl7pPr>
+    <a:lvl8pPr marL="3200400" algn="l" defTabSz="914400" rtl="0" eaLnBrk="1" latinLnBrk="0" hangingPunct="1">
+      <a:defRPr sz="1200" kern="1200">
+        <a:solidFill>
+          <a:schemeClr val="tx1"/>
+        </a:solidFill>
+        <a:latin typeface="+mn-lt"/>
+        <a:ea typeface="+mn-ea"/>
+        <a:cs typeface="+mn-cs"/>
+      </a:defRPr>
+    </a:lvl8pPr>
+    <a:lvl9pPr marL="3657600" algn="l" defTabSz="914400" rtl="0" eaLnBrk="1" latinLnBrk="0" hangingPunct="1">
+      <a:defRPr sz="1200" kern="1200">
+        <a:solidFill>
+          <a:schemeClr val="tx1"/>
+        </a:solidFill>
+        <a:latin typeface="+mn-lt"/>
+        <a:ea typeface="+mn-ea"/>
+        <a:cs typeface="+mn-cs"/>
+      </a:defRPr>
+    </a:lvl9pPr>
+  </p:notesStyle>
+</p:notesMaster>
 </file>
 
 <file path=ppt/slideLayouts/slideLayout1.xml><?xml version="1.0" encoding="utf-8"?>
@@ -850,7 +1203,7 @@
           <p:cNvPr id="1026" name="Rectangle 2">
             <a:extLst>
               <a:ext uri="{FF2B5EF4-FFF2-40B4-BE49-F238E27FC236}">
-                <a16:creationId xmlns:a16="http://schemas.microsoft.com/office/drawing/2014/main" id="{8B1FF5CF-FDA6-4795-91D8-16A2073299D1}"/>
+                <a16:creationId xmlns:a16="http://schemas.microsoft.com/office/drawing/2014/main" xmlns="" id="{8B1FF5CF-FDA6-4795-91D8-16A2073299D1}"/>
               </a:ext>
             </a:extLst>
           </p:cNvPr>
@@ -914,7 +1267,7 @@
           <p:cNvPr id="1027" name="Rectangle 3">
             <a:extLst>
               <a:ext uri="{FF2B5EF4-FFF2-40B4-BE49-F238E27FC236}">
-                <a16:creationId xmlns:a16="http://schemas.microsoft.com/office/drawing/2014/main" id="{B7A6C5CE-4C87-4F94-830B-328D870C8BAB}"/>
+                <a16:creationId xmlns:a16="http://schemas.microsoft.com/office/drawing/2014/main" xmlns="" id="{B7A6C5CE-4C87-4F94-830B-328D870C8BAB}"/>
               </a:ext>
             </a:extLst>
           </p:cNvPr>
@@ -1449,7 +1802,7 @@
           <p:cNvPr id="6146" name="Title 3">
             <a:extLst>
               <a:ext uri="{FF2B5EF4-FFF2-40B4-BE49-F238E27FC236}">
-                <a16:creationId xmlns:a16="http://schemas.microsoft.com/office/drawing/2014/main" id="{6BBFCAC1-F401-46D0-AC76-F0502D76D52F}"/>
+                <a16:creationId xmlns:a16="http://schemas.microsoft.com/office/drawing/2014/main" xmlns="" id="{6BBFCAC1-F401-46D0-AC76-F0502D76D52F}"/>
               </a:ext>
             </a:extLst>
           </p:cNvPr>
@@ -1487,7 +1840,7 @@
           <p:cNvPr id="6147" name="Content Placeholder 4">
             <a:extLst>
               <a:ext uri="{FF2B5EF4-FFF2-40B4-BE49-F238E27FC236}">
-                <a16:creationId xmlns:a16="http://schemas.microsoft.com/office/drawing/2014/main" id="{2DDDEC13-44FA-4E43-A000-7C203E1992D3}"/>
+                <a16:creationId xmlns:a16="http://schemas.microsoft.com/office/drawing/2014/main" xmlns="" id="{2DDDEC13-44FA-4E43-A000-7C203E1992D3}"/>
               </a:ext>
             </a:extLst>
           </p:cNvPr>
@@ -1525,7 +1878,7 @@
           <p:cNvPr id="4" name="TextBox 3">
             <a:extLst>
               <a:ext uri="{FF2B5EF4-FFF2-40B4-BE49-F238E27FC236}">
-                <a16:creationId xmlns:a16="http://schemas.microsoft.com/office/drawing/2014/main" id="{1A81AC01-4569-447C-B3F7-F0419CBB26F2}"/>
+                <a16:creationId xmlns:a16="http://schemas.microsoft.com/office/drawing/2014/main" xmlns="" id="{1A81AC01-4569-447C-B3F7-F0419CBB26F2}"/>
               </a:ext>
             </a:extLst>
           </p:cNvPr>
@@ -1594,7 +1947,7 @@
           <p:cNvPr id="2" name="Title 1">
             <a:extLst>
               <a:ext uri="{FF2B5EF4-FFF2-40B4-BE49-F238E27FC236}">
-                <a16:creationId xmlns:a16="http://schemas.microsoft.com/office/drawing/2014/main" id="{BF62106B-D441-4FFB-8D88-81817CCA6293}"/>
+                <a16:creationId xmlns:a16="http://schemas.microsoft.com/office/drawing/2014/main" xmlns="" id="{BF62106B-D441-4FFB-8D88-81817CCA6293}"/>
               </a:ext>
             </a:extLst>
           </p:cNvPr>
@@ -1628,7 +1981,7 @@
           <p:cNvPr id="3" name="Content Placeholder 2">
             <a:extLst>
               <a:ext uri="{FF2B5EF4-FFF2-40B4-BE49-F238E27FC236}">
-                <a16:creationId xmlns:a16="http://schemas.microsoft.com/office/drawing/2014/main" id="{8C4EBC72-014C-4D69-8DF1-447F04A2D370}"/>
+                <a16:creationId xmlns:a16="http://schemas.microsoft.com/office/drawing/2014/main" xmlns="" id="{8C4EBC72-014C-4D69-8DF1-447F04A2D370}"/>
               </a:ext>
             </a:extLst>
           </p:cNvPr>
@@ -1718,7 +2071,7 @@
           <p:cNvPr id="8" name="Title 1">
             <a:extLst>
               <a:ext uri="{FF2B5EF4-FFF2-40B4-BE49-F238E27FC236}">
-                <a16:creationId xmlns:a16="http://schemas.microsoft.com/office/drawing/2014/main" id="{46C1E06C-F6D0-42DF-915D-D2B102CC54E0}"/>
+                <a16:creationId xmlns:a16="http://schemas.microsoft.com/office/drawing/2014/main" xmlns="" id="{46C1E06C-F6D0-42DF-915D-D2B102CC54E0}"/>
               </a:ext>
             </a:extLst>
           </p:cNvPr>
@@ -1751,7 +2104,7 @@
           <p:cNvPr id="9" name="Picture 8">
             <a:extLst>
               <a:ext uri="{FF2B5EF4-FFF2-40B4-BE49-F238E27FC236}">
-                <a16:creationId xmlns:a16="http://schemas.microsoft.com/office/drawing/2014/main" id="{A599ADC7-A836-4B2A-AF91-95A394D35277}"/>
+                <a16:creationId xmlns:a16="http://schemas.microsoft.com/office/drawing/2014/main" xmlns="" id="{A599ADC7-A836-4B2A-AF91-95A394D35277}"/>
               </a:ext>
             </a:extLst>
           </p:cNvPr>
@@ -1786,7 +2139,7 @@
           <p:cNvPr id="10" name="Content Placeholder 4">
             <a:extLst>
               <a:ext uri="{FF2B5EF4-FFF2-40B4-BE49-F238E27FC236}">
-                <a16:creationId xmlns:a16="http://schemas.microsoft.com/office/drawing/2014/main" id="{8E92EB32-AD04-4DF8-A598-77FD724645A1}"/>
+                <a16:creationId xmlns:a16="http://schemas.microsoft.com/office/drawing/2014/main" xmlns="" id="{8E92EB32-AD04-4DF8-A598-77FD724645A1}"/>
               </a:ext>
             </a:extLst>
           </p:cNvPr>
@@ -1874,7 +2227,7 @@
           <p:cNvPr id="11" name="Title 1">
             <a:extLst>
               <a:ext uri="{FF2B5EF4-FFF2-40B4-BE49-F238E27FC236}">
-                <a16:creationId xmlns:a16="http://schemas.microsoft.com/office/drawing/2014/main" id="{E547E493-93A5-422C-BD2D-C4995DB53C30}"/>
+                <a16:creationId xmlns:a16="http://schemas.microsoft.com/office/drawing/2014/main" xmlns="" id="{E547E493-93A5-422C-BD2D-C4995DB53C30}"/>
               </a:ext>
             </a:extLst>
           </p:cNvPr>
@@ -1907,7 +2260,7 @@
           <p:cNvPr id="12" name="Picture 11">
             <a:extLst>
               <a:ext uri="{FF2B5EF4-FFF2-40B4-BE49-F238E27FC236}">
-                <a16:creationId xmlns:a16="http://schemas.microsoft.com/office/drawing/2014/main" id="{9A13477A-BDA6-49ED-AF2B-D81DF33CC844}"/>
+                <a16:creationId xmlns:a16="http://schemas.microsoft.com/office/drawing/2014/main" xmlns="" id="{9A13477A-BDA6-49ED-AF2B-D81DF33CC844}"/>
               </a:ext>
             </a:extLst>
           </p:cNvPr>
@@ -1942,7 +2295,7 @@
           <p:cNvPr id="13" name="Picture 12">
             <a:extLst>
               <a:ext uri="{FF2B5EF4-FFF2-40B4-BE49-F238E27FC236}">
-                <a16:creationId xmlns:a16="http://schemas.microsoft.com/office/drawing/2014/main" id="{993ADBAE-E730-42A1-A09B-426CB55358B5}"/>
+                <a16:creationId xmlns:a16="http://schemas.microsoft.com/office/drawing/2014/main" xmlns="" id="{993ADBAE-E730-42A1-A09B-426CB55358B5}"/>
               </a:ext>
             </a:extLst>
           </p:cNvPr>
@@ -2007,7 +2360,7 @@
           <p:cNvPr id="2" name="Title 1">
             <a:extLst>
               <a:ext uri="{FF2B5EF4-FFF2-40B4-BE49-F238E27FC236}">
-                <a16:creationId xmlns:a16="http://schemas.microsoft.com/office/drawing/2014/main" id="{8337EBD2-590F-42C6-A538-AC8FB8DFF446}"/>
+                <a16:creationId xmlns:a16="http://schemas.microsoft.com/office/drawing/2014/main" xmlns="" id="{8337EBD2-590F-42C6-A538-AC8FB8DFF446}"/>
               </a:ext>
             </a:extLst>
           </p:cNvPr>
@@ -2035,7 +2388,7 @@
           <p:cNvPr id="3" name="Content Placeholder 2">
             <a:extLst>
               <a:ext uri="{FF2B5EF4-FFF2-40B4-BE49-F238E27FC236}">
-                <a16:creationId xmlns:a16="http://schemas.microsoft.com/office/drawing/2014/main" id="{0AFA2BE3-EB81-4810-B75C-A388BC23003D}"/>
+                <a16:creationId xmlns:a16="http://schemas.microsoft.com/office/drawing/2014/main" xmlns="" id="{0AFA2BE3-EB81-4810-B75C-A388BC23003D}"/>
               </a:ext>
             </a:extLst>
           </p:cNvPr>
@@ -2103,7 +2456,7 @@
           <p:cNvPr id="5" name="Picture 4">
             <a:extLst>
               <a:ext uri="{FF2B5EF4-FFF2-40B4-BE49-F238E27FC236}">
-                <a16:creationId xmlns:a16="http://schemas.microsoft.com/office/drawing/2014/main" id="{525A0FD9-ECDD-4335-9530-9BD0A4C5F097}"/>
+                <a16:creationId xmlns:a16="http://schemas.microsoft.com/office/drawing/2014/main" xmlns="" id="{525A0FD9-ECDD-4335-9530-9BD0A4C5F097}"/>
               </a:ext>
             </a:extLst>
           </p:cNvPr>
@@ -2126,7 +2479,7 @@
         </p:blipFill>
         <p:spPr>
           <a:xfrm>
-            <a:off x="8028384" y="3429000"/>
+            <a:off x="5380660" y="2965594"/>
             <a:ext cx="3567256" cy="3240360"/>
           </a:xfrm>
           <a:prstGeom prst="rect">
@@ -2139,7 +2492,7 @@
           <p:cNvPr id="6" name="TextBox 5">
             <a:extLst>
               <a:ext uri="{FF2B5EF4-FFF2-40B4-BE49-F238E27FC236}">
-                <a16:creationId xmlns:a16="http://schemas.microsoft.com/office/drawing/2014/main" id="{4CCF35BA-CB29-4F07-A734-EAC2C9FE4738}"/>
+                <a16:creationId xmlns:a16="http://schemas.microsoft.com/office/drawing/2014/main" xmlns="" id="{4CCF35BA-CB29-4F07-A734-EAC2C9FE4738}"/>
               </a:ext>
             </a:extLst>
           </p:cNvPr>
@@ -2221,7 +2574,7 @@
           <p:cNvPr id="6" name="Title 1">
             <a:extLst>
               <a:ext uri="{FF2B5EF4-FFF2-40B4-BE49-F238E27FC236}">
-                <a16:creationId xmlns:a16="http://schemas.microsoft.com/office/drawing/2014/main" id="{DE609E90-CD1F-468D-AF38-2E0B2F74EBBD}"/>
+                <a16:creationId xmlns:a16="http://schemas.microsoft.com/office/drawing/2014/main" xmlns="" id="{DE609E90-CD1F-468D-AF38-2E0B2F74EBBD}"/>
               </a:ext>
             </a:extLst>
           </p:cNvPr>
@@ -2255,7 +2608,7 @@
           <p:cNvPr id="8" name="Content Placeholder 7">
             <a:extLst>
               <a:ext uri="{FF2B5EF4-FFF2-40B4-BE49-F238E27FC236}">
-                <a16:creationId xmlns:a16="http://schemas.microsoft.com/office/drawing/2014/main" id="{918E6451-3817-4ED2-B6D1-E14E1F30BABB}"/>
+                <a16:creationId xmlns:a16="http://schemas.microsoft.com/office/drawing/2014/main" xmlns="" id="{918E6451-3817-4ED2-B6D1-E14E1F30BABB}"/>
               </a:ext>
             </a:extLst>
           </p:cNvPr>
@@ -2310,7 +2663,7 @@
           <p:cNvPr id="5" name="Content Placeholder 4">
             <a:extLst>
               <a:ext uri="{FF2B5EF4-FFF2-40B4-BE49-F238E27FC236}">
-                <a16:creationId xmlns:a16="http://schemas.microsoft.com/office/drawing/2014/main" id="{66234280-0498-4428-A3D4-92A4A59BF4DC}"/>
+                <a16:creationId xmlns:a16="http://schemas.microsoft.com/office/drawing/2014/main" xmlns="" id="{66234280-0498-4428-A3D4-92A4A59BF4DC}"/>
               </a:ext>
             </a:extLst>
           </p:cNvPr>
@@ -2335,7 +2688,7 @@
           <p:cNvPr id="8" name="Title 1">
             <a:extLst>
               <a:ext uri="{FF2B5EF4-FFF2-40B4-BE49-F238E27FC236}">
-                <a16:creationId xmlns:a16="http://schemas.microsoft.com/office/drawing/2014/main" id="{D4654CCC-B0EF-42B4-B2FA-D99337952855}"/>
+                <a16:creationId xmlns:a16="http://schemas.microsoft.com/office/drawing/2014/main" xmlns="" id="{D4654CCC-B0EF-42B4-B2FA-D99337952855}"/>
               </a:ext>
             </a:extLst>
           </p:cNvPr>
@@ -2398,7 +2751,7 @@
           <p:cNvPr id="6" name="Title 1">
             <a:extLst>
               <a:ext uri="{FF2B5EF4-FFF2-40B4-BE49-F238E27FC236}">
-                <a16:creationId xmlns:a16="http://schemas.microsoft.com/office/drawing/2014/main" id="{2B32BC2E-5489-4F73-ACBD-798202018D56}"/>
+                <a16:creationId xmlns:a16="http://schemas.microsoft.com/office/drawing/2014/main" xmlns="" id="{2B32BC2E-5489-4F73-ACBD-798202018D56}"/>
               </a:ext>
             </a:extLst>
           </p:cNvPr>
@@ -2436,7 +2789,7 @@
           <p:cNvPr id="7" name="Content Placeholder 2">
             <a:extLst>
               <a:ext uri="{FF2B5EF4-FFF2-40B4-BE49-F238E27FC236}">
-                <a16:creationId xmlns:a16="http://schemas.microsoft.com/office/drawing/2014/main" id="{9F73BA0A-F967-4716-BA89-C94457F7626C}"/>
+                <a16:creationId xmlns:a16="http://schemas.microsoft.com/office/drawing/2014/main" xmlns="" id="{9F73BA0A-F967-4716-BA89-C94457F7626C}"/>
               </a:ext>
             </a:extLst>
           </p:cNvPr>
@@ -2562,7 +2915,7 @@
           <p:cNvPr id="4" name="Title 1">
             <a:extLst>
               <a:ext uri="{FF2B5EF4-FFF2-40B4-BE49-F238E27FC236}">
-                <a16:creationId xmlns:a16="http://schemas.microsoft.com/office/drawing/2014/main" id="{4E21328E-07E0-4568-8387-F3F4781A0DA0}"/>
+                <a16:creationId xmlns:a16="http://schemas.microsoft.com/office/drawing/2014/main" xmlns="" id="{4E21328E-07E0-4568-8387-F3F4781A0DA0}"/>
               </a:ext>
             </a:extLst>
           </p:cNvPr>
@@ -2596,7 +2949,7 @@
           <p:cNvPr id="5" name="Content Placeholder 2">
             <a:extLst>
               <a:ext uri="{FF2B5EF4-FFF2-40B4-BE49-F238E27FC236}">
-                <a16:creationId xmlns:a16="http://schemas.microsoft.com/office/drawing/2014/main" id="{EACB1058-5448-4ACF-A949-5D0EFFBDCAD7}"/>
+                <a16:creationId xmlns:a16="http://schemas.microsoft.com/office/drawing/2014/main" xmlns="" id="{EACB1058-5448-4ACF-A949-5D0EFFBDCAD7}"/>
               </a:ext>
             </a:extLst>
           </p:cNvPr>
@@ -2684,7 +3037,7 @@
           <p:cNvPr id="2" name="Title 1">
             <a:extLst>
               <a:ext uri="{FF2B5EF4-FFF2-40B4-BE49-F238E27FC236}">
-                <a16:creationId xmlns:a16="http://schemas.microsoft.com/office/drawing/2014/main" id="{2479FF92-8823-435E-B20C-166A27C10983}"/>
+                <a16:creationId xmlns:a16="http://schemas.microsoft.com/office/drawing/2014/main" xmlns="" id="{2479FF92-8823-435E-B20C-166A27C10983}"/>
               </a:ext>
             </a:extLst>
           </p:cNvPr>
@@ -2718,7 +3071,7 @@
           <p:cNvPr id="3" name="Content Placeholder 2">
             <a:extLst>
               <a:ext uri="{FF2B5EF4-FFF2-40B4-BE49-F238E27FC236}">
-                <a16:creationId xmlns:a16="http://schemas.microsoft.com/office/drawing/2014/main" id="{97C7A3B7-2D1B-4BF2-BEC4-C8EC150C96AD}"/>
+                <a16:creationId xmlns:a16="http://schemas.microsoft.com/office/drawing/2014/main" xmlns="" id="{97C7A3B7-2D1B-4BF2-BEC4-C8EC150C96AD}"/>
               </a:ext>
             </a:extLst>
           </p:cNvPr>
@@ -2802,7 +3155,7 @@
           <p:cNvPr id="2" name="Title 1">
             <a:extLst>
               <a:ext uri="{FF2B5EF4-FFF2-40B4-BE49-F238E27FC236}">
-                <a16:creationId xmlns:a16="http://schemas.microsoft.com/office/drawing/2014/main" id="{3D7EC106-E692-49D2-9050-83392D5FA321}"/>
+                <a16:creationId xmlns:a16="http://schemas.microsoft.com/office/drawing/2014/main" xmlns="" id="{3D7EC106-E692-49D2-9050-83392D5FA321}"/>
               </a:ext>
             </a:extLst>
           </p:cNvPr>
@@ -2827,81 +3180,10 @@
       </p:sp>
       <p:pic>
         <p:nvPicPr>
-          <p:cNvPr id="9" name="Content Placeholder 3">
-            <a:extLst>
-              <a:ext uri="{FF2B5EF4-FFF2-40B4-BE49-F238E27FC236}">
-                <a16:creationId xmlns:a16="http://schemas.microsoft.com/office/drawing/2014/main" id="{99C48C84-72ED-48CB-B6A5-C61DA9C43FFE}"/>
-              </a:ext>
-            </a:extLst>
-          </p:cNvPr>
-          <p:cNvPicPr>
-            <a:picLocks noGrp="1" noChangeAspect="1"/>
-          </p:cNvPicPr>
-          <p:nvPr>
-            <p:ph idx="1"/>
-          </p:nvPr>
-        </p:nvPicPr>
-        <p:blipFill>
-          <a:blip r:embed="rId2">
-            <a:extLst>
-              <a:ext uri="{28A0092B-C50C-407E-A947-70E740481C1C}">
-                <a14:useLocalDpi xmlns:a14="http://schemas.microsoft.com/office/drawing/2010/main" val="0"/>
-              </a:ext>
-            </a:extLst>
-          </a:blip>
-          <a:stretch>
-            <a:fillRect/>
-          </a:stretch>
-        </p:blipFill>
-        <p:spPr>
-          <a:xfrm>
-            <a:off x="183555" y="1583077"/>
-            <a:ext cx="2634629" cy="4192916"/>
-          </a:xfrm>
-        </p:spPr>
-      </p:pic>
-      <p:pic>
-        <p:nvPicPr>
-          <p:cNvPr id="10" name="Picture 9">
-            <a:extLst>
-              <a:ext uri="{FF2B5EF4-FFF2-40B4-BE49-F238E27FC236}">
-                <a16:creationId xmlns:a16="http://schemas.microsoft.com/office/drawing/2014/main" id="{029FD276-7F27-4582-9379-74FF0721A939}"/>
-              </a:ext>
-            </a:extLst>
-          </p:cNvPr>
-          <p:cNvPicPr>
-            <a:picLocks noChangeAspect="1"/>
-          </p:cNvPicPr>
-          <p:nvPr/>
-        </p:nvPicPr>
-        <p:blipFill>
-          <a:blip r:embed="rId3">
-            <a:extLst>
-              <a:ext uri="{28A0092B-C50C-407E-A947-70E740481C1C}">
-                <a14:useLocalDpi xmlns:a14="http://schemas.microsoft.com/office/drawing/2010/main" val="0"/>
-              </a:ext>
-            </a:extLst>
-          </a:blip>
-          <a:stretch>
-            <a:fillRect/>
-          </a:stretch>
-        </p:blipFill>
-        <p:spPr>
-          <a:xfrm>
-            <a:off x="2771800" y="1476804"/>
-            <a:ext cx="4418925" cy="4531430"/>
-          </a:xfrm>
-          <a:prstGeom prst="rect">
-            <a:avLst/>
-          </a:prstGeom>
-        </p:spPr>
-      </p:pic>
-      <p:pic>
-        <p:nvPicPr>
           <p:cNvPr id="11" name="Picture 10">
             <a:extLst>
               <a:ext uri="{FF2B5EF4-FFF2-40B4-BE49-F238E27FC236}">
-                <a16:creationId xmlns:a16="http://schemas.microsoft.com/office/drawing/2014/main" id="{43F0391C-BC1A-461C-B88D-9B4FD19C409E}"/>
+                <a16:creationId xmlns:a16="http://schemas.microsoft.com/office/drawing/2014/main" xmlns="" id="{43F0391C-BC1A-461C-B88D-9B4FD19C409E}"/>
               </a:ext>
             </a:extLst>
           </p:cNvPr>
@@ -2911,7 +3193,7 @@
           <p:nvPr/>
         </p:nvPicPr>
         <p:blipFill rotWithShape="1">
-          <a:blip r:embed="rId4">
+          <a:blip r:embed="rId2">
             <a:extLst>
               <a:ext uri="{28A0092B-C50C-407E-A947-70E740481C1C}">
                 <a14:useLocalDpi xmlns:a14="http://schemas.microsoft.com/office/drawing/2010/main" val="0"/>
@@ -2923,7 +3205,7 @@
         </p:blipFill>
         <p:spPr>
           <a:xfrm>
-            <a:off x="7239705" y="3474581"/>
+            <a:off x="4464909" y="1647806"/>
             <a:ext cx="4506372" cy="2962627"/>
           </a:xfrm>
           <a:prstGeom prst="rect">
@@ -2936,7 +3218,7 @@
           <p:cNvPr id="12" name="Picture 11">
             <a:extLst>
               <a:ext uri="{FF2B5EF4-FFF2-40B4-BE49-F238E27FC236}">
-                <a16:creationId xmlns:a16="http://schemas.microsoft.com/office/drawing/2014/main" id="{94E17713-1ABB-4DA5-89AB-C372335146C5}"/>
+                <a16:creationId xmlns:a16="http://schemas.microsoft.com/office/drawing/2014/main" xmlns="" id="{94E17713-1ABB-4DA5-89AB-C372335146C5}"/>
               </a:ext>
             </a:extLst>
           </p:cNvPr>
@@ -2946,7 +3228,7 @@
           <p:nvPr/>
         </p:nvPicPr>
         <p:blipFill rotWithShape="1">
-          <a:blip r:embed="rId5">
+          <a:blip r:embed="rId3">
             <a:extLst>
               <a:ext uri="{28A0092B-C50C-407E-A947-70E740481C1C}">
                 <a14:useLocalDpi xmlns:a14="http://schemas.microsoft.com/office/drawing/2010/main" val="0"/>
@@ -2958,7 +3240,7 @@
         </p:blipFill>
         <p:spPr>
           <a:xfrm>
-            <a:off x="7211827" y="442879"/>
+            <a:off x="0" y="1710436"/>
             <a:ext cx="4495021" cy="2920890"/>
           </a:xfrm>
           <a:prstGeom prst="rect">
@@ -3001,7 +3283,7 @@
           <p:cNvPr id="2" name="Title 1">
             <a:extLst>
               <a:ext uri="{FF2B5EF4-FFF2-40B4-BE49-F238E27FC236}">
-                <a16:creationId xmlns:a16="http://schemas.microsoft.com/office/drawing/2014/main" id="{B90941B0-3CBF-410D-BEFA-8E55FA194E95}"/>
+                <a16:creationId xmlns:a16="http://schemas.microsoft.com/office/drawing/2014/main" xmlns="" id="{B90941B0-3CBF-410D-BEFA-8E55FA194E95}"/>
               </a:ext>
             </a:extLst>
           </p:cNvPr>
@@ -3035,7 +3317,7 @@
           <p:cNvPr id="3" name="Content Placeholder 2">
             <a:extLst>
               <a:ext uri="{FF2B5EF4-FFF2-40B4-BE49-F238E27FC236}">
-                <a16:creationId xmlns:a16="http://schemas.microsoft.com/office/drawing/2014/main" id="{ED2A8254-0DA7-4E87-99A9-A6257F4EA657}"/>
+                <a16:creationId xmlns:a16="http://schemas.microsoft.com/office/drawing/2014/main" xmlns="" id="{ED2A8254-0DA7-4E87-99A9-A6257F4EA657}"/>
               </a:ext>
             </a:extLst>
           </p:cNvPr>
@@ -3599,7 +3881,7 @@
           <p:cNvPr id="2" name="Title 1">
             <a:extLst>
               <a:ext uri="{FF2B5EF4-FFF2-40B4-BE49-F238E27FC236}">
-                <a16:creationId xmlns:a16="http://schemas.microsoft.com/office/drawing/2014/main" id="{4F68F921-DCC7-41F0-A948-79674EC30944}"/>
+                <a16:creationId xmlns:a16="http://schemas.microsoft.com/office/drawing/2014/main" xmlns="" id="{4F68F921-DCC7-41F0-A948-79674EC30944}"/>
               </a:ext>
             </a:extLst>
           </p:cNvPr>
@@ -3628,7 +3910,7 @@
           <p:cNvPr id="3" name="Content Placeholder 2">
             <a:extLst>
               <a:ext uri="{FF2B5EF4-FFF2-40B4-BE49-F238E27FC236}">
-                <a16:creationId xmlns:a16="http://schemas.microsoft.com/office/drawing/2014/main" id="{147D2E11-8D1C-48DD-9087-B3D9EDEE85B7}"/>
+                <a16:creationId xmlns:a16="http://schemas.microsoft.com/office/drawing/2014/main" xmlns="" id="{147D2E11-8D1C-48DD-9087-B3D9EDEE85B7}"/>
               </a:ext>
             </a:extLst>
           </p:cNvPr>
@@ -3960,7 +4242,7 @@
           <p:cNvPr id="2" name="Title 1">
             <a:extLst>
               <a:ext uri="{FF2B5EF4-FFF2-40B4-BE49-F238E27FC236}">
-                <a16:creationId xmlns:a16="http://schemas.microsoft.com/office/drawing/2014/main" id="{FB8E9D33-A137-4B30-A956-910E9332E368}"/>
+                <a16:creationId xmlns:a16="http://schemas.microsoft.com/office/drawing/2014/main" xmlns="" id="{FB8E9D33-A137-4B30-A956-910E9332E368}"/>
               </a:ext>
             </a:extLst>
           </p:cNvPr>
@@ -3993,7 +4275,7 @@
           <p:cNvPr id="3" name="Content Placeholder 2">
             <a:extLst>
               <a:ext uri="{FF2B5EF4-FFF2-40B4-BE49-F238E27FC236}">
-                <a16:creationId xmlns:a16="http://schemas.microsoft.com/office/drawing/2014/main" id="{08721A7C-3C64-44D4-B50B-30BE60BB241A}"/>
+                <a16:creationId xmlns:a16="http://schemas.microsoft.com/office/drawing/2014/main" xmlns="" id="{08721A7C-3C64-44D4-B50B-30BE60BB241A}"/>
               </a:ext>
             </a:extLst>
           </p:cNvPr>
@@ -4077,7 +4359,7 @@
           <p:cNvPr id="2" name="Title 1">
             <a:extLst>
               <a:ext uri="{FF2B5EF4-FFF2-40B4-BE49-F238E27FC236}">
-                <a16:creationId xmlns:a16="http://schemas.microsoft.com/office/drawing/2014/main" id="{CD6C926E-FBF1-4FE8-9EF2-7D767547D139}"/>
+                <a16:creationId xmlns:a16="http://schemas.microsoft.com/office/drawing/2014/main" xmlns="" id="{CD6C926E-FBF1-4FE8-9EF2-7D767547D139}"/>
               </a:ext>
             </a:extLst>
           </p:cNvPr>
@@ -4088,7 +4370,12 @@
             <p:ph type="title"/>
           </p:nvPr>
         </p:nvSpPr>
-        <p:spPr/>
+        <p:spPr>
+          <a:xfrm>
+            <a:off x="409156" y="447505"/>
+            <a:ext cx="7772400" cy="1143000"/>
+          </a:xfrm>
+        </p:spPr>
         <p:txBody>
           <a:bodyPr/>
           <a:lstStyle/>
@@ -4105,7 +4392,7 @@
           <p:cNvPr id="3" name="Content Placeholder 2">
             <a:extLst>
               <a:ext uri="{FF2B5EF4-FFF2-40B4-BE49-F238E27FC236}">
-                <a16:creationId xmlns:a16="http://schemas.microsoft.com/office/drawing/2014/main" id="{2467A8A3-E96E-4793-BDE3-AF1C4C8A4F43}"/>
+                <a16:creationId xmlns:a16="http://schemas.microsoft.com/office/drawing/2014/main" xmlns="" id="{2467A8A3-E96E-4793-BDE3-AF1C4C8A4F43}"/>
               </a:ext>
             </a:extLst>
           </p:cNvPr>
@@ -4116,24 +4403,491 @@
             <p:ph idx="1"/>
           </p:nvPr>
         </p:nvSpPr>
-        <p:spPr/>
+        <p:spPr>
+          <a:xfrm>
+            <a:off x="179512" y="1736613"/>
+            <a:ext cx="7772400" cy="3888432"/>
+          </a:xfrm>
+        </p:spPr>
         <p:txBody>
           <a:bodyPr/>
           <a:lstStyle/>
           <a:p>
             <a:r>
-              <a:rPr lang="en-GB" dirty="0"/>
-              <a:t>Tachometer</a:t>
-            </a:r>
-          </a:p>
-          <a:p>
-            <a:r>
-              <a:rPr lang="en-GB" dirty="0"/>
-              <a:t>…</a:t>
-            </a:r>
+              <a:rPr lang="en-GB" dirty="0" smtClean="0"/>
+              <a:t>Tachometer measures rate of rotation</a:t>
+            </a:r>
+          </a:p>
+          <a:p>
+            <a:endParaRPr lang="en-GB" dirty="0"/>
+          </a:p>
+          <a:p>
+            <a:r>
+              <a:rPr lang="en-GB" dirty="0" smtClean="0"/>
+              <a:t>Tipp-Ex® point on rim</a:t>
+            </a:r>
+          </a:p>
+          <a:p>
+            <a:endParaRPr lang="en-GB" dirty="0"/>
+          </a:p>
+          <a:p>
+            <a:r>
+              <a:rPr lang="en-GB" dirty="0" smtClean="0"/>
+              <a:t>One byte of data recorded every rotation</a:t>
+            </a:r>
+          </a:p>
+          <a:p>
+            <a:endParaRPr lang="en-GB" dirty="0"/>
+          </a:p>
+          <a:p>
+            <a:r>
+              <a:rPr lang="en-GB" dirty="0" smtClean="0"/>
+              <a:t>Byte in the form: </a:t>
+            </a:r>
+            <a:r>
+              <a:rPr lang="fi-FI" dirty="0"/>
+              <a:t>0D020001014DA6560000</a:t>
+            </a:r>
+            <a:endParaRPr lang="en-GB" dirty="0" smtClean="0"/>
+          </a:p>
+          <a:p>
+            <a:endParaRPr lang="en-GB" dirty="0"/>
+          </a:p>
+          <a:p>
+            <a:endParaRPr lang="en-GB" dirty="0"/>
+          </a:p>
+          <a:p>
+            <a:endParaRPr lang="en-GB" dirty="0"/>
           </a:p>
         </p:txBody>
       </p:sp>
+      <p:grpSp>
+        <p:nvGrpSpPr>
+          <p:cNvPr id="22" name="Group 21"/>
+          <p:cNvGrpSpPr/>
+          <p:nvPr/>
+        </p:nvGrpSpPr>
+        <p:grpSpPr>
+          <a:xfrm>
+            <a:off x="6084168" y="-171400"/>
+            <a:ext cx="2853377" cy="4032448"/>
+            <a:chOff x="5148064" y="812648"/>
+            <a:chExt cx="3148156" cy="4400162"/>
+          </a:xfrm>
+        </p:grpSpPr>
+        <p:grpSp>
+          <p:nvGrpSpPr>
+            <p:cNvPr id="21" name="Group 20"/>
+            <p:cNvGrpSpPr/>
+            <p:nvPr/>
+          </p:nvGrpSpPr>
+          <p:grpSpPr>
+            <a:xfrm>
+              <a:off x="5148064" y="2780928"/>
+              <a:ext cx="3148156" cy="2431882"/>
+              <a:chOff x="4147592" y="1307735"/>
+              <a:chExt cx="3148156" cy="2431882"/>
+            </a:xfrm>
+          </p:grpSpPr>
+          <p:sp>
+            <p:nvSpPr>
+              <p:cNvPr id="13" name="Can 12"/>
+              <p:cNvSpPr/>
+              <p:nvPr/>
+            </p:nvSpPr>
+            <p:spPr bwMode="auto">
+              <a:xfrm rot="15318964">
+                <a:off x="6312602" y="1556259"/>
+                <a:ext cx="139220" cy="1827072"/>
+              </a:xfrm>
+              <a:prstGeom prst="can">
+                <a:avLst/>
+              </a:prstGeom>
+              <a:solidFill>
+                <a:srgbClr val="AC8201"/>
+              </a:solidFill>
+              <a:ln w="9525" cap="flat" cmpd="sng" algn="ctr">
+                <a:solidFill>
+                  <a:schemeClr val="tx1"/>
+                </a:solidFill>
+                <a:prstDash val="solid"/>
+                <a:round/>
+                <a:headEnd type="none" w="med" len="med"/>
+                <a:tailEnd type="none" w="med" len="med"/>
+              </a:ln>
+              <a:effectLst/>
+            </p:spPr>
+            <p:txBody>
+              <a:bodyPr vert="horz" wrap="square" lIns="91440" tIns="45720" rIns="91440" bIns="45720" numCol="1" rtlCol="0" anchor="t" anchorCtr="0" compatLnSpc="1">
+                <a:prstTxWarp prst="textNoShape">
+                  <a:avLst/>
+                </a:prstTxWarp>
+              </a:bodyPr>
+              <a:lstStyle/>
+              <a:p>
+                <a:pPr marL="0" marR="0" indent="0" algn="l" defTabSz="914400" rtl="0" eaLnBrk="1" fontAlgn="base" latinLnBrk="0" hangingPunct="1">
+                  <a:lnSpc>
+                    <a:spcPct val="100000"/>
+                  </a:lnSpc>
+                  <a:spcBef>
+                    <a:spcPct val="0"/>
+                  </a:spcBef>
+                  <a:spcAft>
+                    <a:spcPct val="0"/>
+                  </a:spcAft>
+                  <a:buClrTx/>
+                  <a:buSzTx/>
+                  <a:buFontTx/>
+                  <a:buNone/>
+                  <a:tabLst/>
+                </a:pPr>
+                <a:endParaRPr kumimoji="0" lang="en-US" sz="2800" b="1" i="0" u="none" strike="noStrike" cap="none" normalizeH="0" baseline="0" smtClean="0">
+                  <a:ln>
+                    <a:noFill/>
+                  </a:ln>
+                  <a:solidFill>
+                    <a:schemeClr val="tx1"/>
+                  </a:solidFill>
+                  <a:effectLst/>
+                  <a:latin typeface="Arial" charset="0"/>
+                </a:endParaRPr>
+              </a:p>
+            </p:txBody>
+          </p:sp>
+          <p:sp>
+            <p:nvSpPr>
+              <p:cNvPr id="4" name="Oval 3"/>
+              <p:cNvSpPr/>
+              <p:nvPr/>
+            </p:nvSpPr>
+            <p:spPr bwMode="auto">
+              <a:xfrm>
+                <a:off x="4644008" y="1556792"/>
+                <a:ext cx="2232248" cy="2151112"/>
+              </a:xfrm>
+              <a:prstGeom prst="ellipse">
+                <a:avLst/>
+              </a:prstGeom>
+              <a:solidFill>
+                <a:srgbClr val="AC8201"/>
+              </a:solidFill>
+              <a:ln w="9525" cap="flat" cmpd="sng" algn="ctr">
+                <a:solidFill>
+                  <a:schemeClr val="tx1"/>
+                </a:solidFill>
+                <a:prstDash val="solid"/>
+                <a:round/>
+                <a:headEnd type="none" w="med" len="med"/>
+                <a:tailEnd type="none" w="med" len="med"/>
+              </a:ln>
+              <a:effectLst/>
+            </p:spPr>
+            <p:txBody>
+              <a:bodyPr vert="horz" wrap="square" lIns="91440" tIns="45720" rIns="91440" bIns="45720" numCol="1" rtlCol="0" anchor="t" anchorCtr="0" compatLnSpc="1">
+                <a:prstTxWarp prst="textNoShape">
+                  <a:avLst/>
+                </a:prstTxWarp>
+              </a:bodyPr>
+              <a:lstStyle/>
+              <a:p>
+                <a:pPr marL="0" marR="0" indent="0" algn="l" defTabSz="914400" rtl="0" eaLnBrk="1" fontAlgn="base" latinLnBrk="0" hangingPunct="1">
+                  <a:lnSpc>
+                    <a:spcPct val="100000"/>
+                  </a:lnSpc>
+                  <a:spcBef>
+                    <a:spcPct val="0"/>
+                  </a:spcBef>
+                  <a:spcAft>
+                    <a:spcPct val="0"/>
+                  </a:spcAft>
+                  <a:buClrTx/>
+                  <a:buSzTx/>
+                  <a:buFontTx/>
+                  <a:buNone/>
+                  <a:tabLst/>
+                </a:pPr>
+                <a:endParaRPr kumimoji="0" lang="en-US" sz="2800" b="1" i="0" u="none" strike="noStrike" cap="none" normalizeH="0" baseline="0" smtClean="0">
+                  <a:ln>
+                    <a:noFill/>
+                  </a:ln>
+                  <a:solidFill>
+                    <a:schemeClr val="tx1"/>
+                  </a:solidFill>
+                  <a:effectLst/>
+                  <a:latin typeface="Arial" charset="0"/>
+                </a:endParaRPr>
+              </a:p>
+            </p:txBody>
+          </p:sp>
+          <p:sp>
+            <p:nvSpPr>
+              <p:cNvPr id="18" name="Oval 17"/>
+              <p:cNvSpPr/>
+              <p:nvPr/>
+            </p:nvSpPr>
+            <p:spPr bwMode="auto">
+              <a:xfrm>
+                <a:off x="4562811" y="1588505"/>
+                <a:ext cx="2232248" cy="2151112"/>
+              </a:xfrm>
+              <a:prstGeom prst="ellipse">
+                <a:avLst/>
+              </a:prstGeom>
+              <a:solidFill>
+                <a:srgbClr val="AC8201"/>
+              </a:solidFill>
+              <a:ln w="9525" cap="flat" cmpd="sng" algn="ctr">
+                <a:solidFill>
+                  <a:schemeClr val="tx1"/>
+                </a:solidFill>
+                <a:prstDash val="solid"/>
+                <a:round/>
+                <a:headEnd type="none" w="med" len="med"/>
+                <a:tailEnd type="none" w="med" len="med"/>
+              </a:ln>
+              <a:effectLst/>
+            </p:spPr>
+            <p:txBody>
+              <a:bodyPr vert="horz" wrap="square" lIns="91440" tIns="45720" rIns="91440" bIns="45720" numCol="1" rtlCol="0" anchor="t" anchorCtr="0" compatLnSpc="1">
+                <a:prstTxWarp prst="textNoShape">
+                  <a:avLst/>
+                </a:prstTxWarp>
+              </a:bodyPr>
+              <a:lstStyle/>
+              <a:p>
+                <a:pPr marL="0" marR="0" indent="0" algn="l" defTabSz="914400" rtl="0" eaLnBrk="1" fontAlgn="base" latinLnBrk="0" hangingPunct="1">
+                  <a:lnSpc>
+                    <a:spcPct val="100000"/>
+                  </a:lnSpc>
+                  <a:spcBef>
+                    <a:spcPct val="0"/>
+                  </a:spcBef>
+                  <a:spcAft>
+                    <a:spcPct val="0"/>
+                  </a:spcAft>
+                  <a:buClrTx/>
+                  <a:buSzTx/>
+                  <a:buFontTx/>
+                  <a:buNone/>
+                  <a:tabLst/>
+                </a:pPr>
+                <a:endParaRPr kumimoji="0" lang="en-US" sz="2800" b="1" i="0" u="none" strike="noStrike" cap="none" normalizeH="0" baseline="0" smtClean="0">
+                  <a:ln>
+                    <a:noFill/>
+                  </a:ln>
+                  <a:solidFill>
+                    <a:schemeClr val="tx1"/>
+                  </a:solidFill>
+                  <a:effectLst/>
+                  <a:latin typeface="Arial" charset="0"/>
+                </a:endParaRPr>
+              </a:p>
+            </p:txBody>
+          </p:sp>
+          <p:sp>
+            <p:nvSpPr>
+              <p:cNvPr id="9" name="Rectangle 8"/>
+              <p:cNvSpPr/>
+              <p:nvPr/>
+            </p:nvSpPr>
+            <p:spPr bwMode="auto">
+              <a:xfrm>
+                <a:off x="5613097" y="1576150"/>
+                <a:ext cx="252028" cy="288032"/>
+              </a:xfrm>
+              <a:prstGeom prst="rect">
+                <a:avLst/>
+              </a:prstGeom>
+              <a:solidFill>
+                <a:srgbClr val="FFFFFE"/>
+              </a:solidFill>
+              <a:ln w="9525" cap="flat" cmpd="sng" algn="ctr">
+                <a:solidFill>
+                  <a:schemeClr val="tx1"/>
+                </a:solidFill>
+                <a:prstDash val="solid"/>
+                <a:round/>
+                <a:headEnd type="none" w="med" len="med"/>
+                <a:tailEnd type="none" w="med" len="med"/>
+              </a:ln>
+              <a:effectLst/>
+            </p:spPr>
+            <p:txBody>
+              <a:bodyPr vert="horz" wrap="square" lIns="91440" tIns="45720" rIns="91440" bIns="45720" numCol="1" rtlCol="0" anchor="t" anchorCtr="0" compatLnSpc="1">
+                <a:prstTxWarp prst="textNoShape">
+                  <a:avLst/>
+                </a:prstTxWarp>
+              </a:bodyPr>
+              <a:lstStyle/>
+              <a:p>
+                <a:pPr marL="0" marR="0" indent="0" algn="l" defTabSz="914400" rtl="0" eaLnBrk="1" fontAlgn="base" latinLnBrk="0" hangingPunct="1">
+                  <a:lnSpc>
+                    <a:spcPct val="100000"/>
+                  </a:lnSpc>
+                  <a:spcBef>
+                    <a:spcPct val="0"/>
+                  </a:spcBef>
+                  <a:spcAft>
+                    <a:spcPct val="0"/>
+                  </a:spcAft>
+                  <a:buClrTx/>
+                  <a:buSzTx/>
+                  <a:buFontTx/>
+                  <a:buNone/>
+                  <a:tabLst/>
+                </a:pPr>
+                <a:endParaRPr kumimoji="0" lang="en-US" sz="2800" b="1" i="0" u="none" strike="noStrike" cap="none" normalizeH="0" baseline="0" smtClean="0">
+                  <a:ln>
+                    <a:noFill/>
+                  </a:ln>
+                  <a:solidFill>
+                    <a:schemeClr val="tx1"/>
+                  </a:solidFill>
+                  <a:effectLst/>
+                  <a:latin typeface="Arial" charset="0"/>
+                </a:endParaRPr>
+              </a:p>
+            </p:txBody>
+          </p:sp>
+          <p:sp>
+            <p:nvSpPr>
+              <p:cNvPr id="12" name="Can 11"/>
+              <p:cNvSpPr/>
+              <p:nvPr/>
+            </p:nvSpPr>
+            <p:spPr bwMode="auto">
+              <a:xfrm rot="15318964">
+                <a:off x="4880431" y="2046415"/>
+                <a:ext cx="134884" cy="1600562"/>
+              </a:xfrm>
+              <a:prstGeom prst="can">
+                <a:avLst/>
+              </a:prstGeom>
+              <a:solidFill>
+                <a:srgbClr val="AC8201"/>
+              </a:solidFill>
+              <a:ln w="9525" cap="flat" cmpd="sng" algn="ctr">
+                <a:solidFill>
+                  <a:schemeClr val="tx1"/>
+                </a:solidFill>
+                <a:prstDash val="solid"/>
+                <a:round/>
+                <a:headEnd type="none" w="med" len="med"/>
+                <a:tailEnd type="none" w="med" len="med"/>
+              </a:ln>
+              <a:effectLst/>
+            </p:spPr>
+            <p:txBody>
+              <a:bodyPr vert="horz" wrap="square" lIns="91440" tIns="45720" rIns="91440" bIns="45720" numCol="1" rtlCol="0" anchor="t" anchorCtr="0" compatLnSpc="1">
+                <a:prstTxWarp prst="textNoShape">
+                  <a:avLst/>
+                </a:prstTxWarp>
+              </a:bodyPr>
+              <a:lstStyle/>
+              <a:p>
+                <a:pPr marL="0" marR="0" indent="0" algn="l" defTabSz="914400" rtl="0" eaLnBrk="1" fontAlgn="base" latinLnBrk="0" hangingPunct="1">
+                  <a:lnSpc>
+                    <a:spcPct val="100000"/>
+                  </a:lnSpc>
+                  <a:spcBef>
+                    <a:spcPct val="0"/>
+                  </a:spcBef>
+                  <a:spcAft>
+                    <a:spcPct val="0"/>
+                  </a:spcAft>
+                  <a:buClrTx/>
+                  <a:buSzTx/>
+                  <a:buFontTx/>
+                  <a:buNone/>
+                  <a:tabLst/>
+                </a:pPr>
+                <a:endParaRPr kumimoji="0" lang="en-US" sz="2800" b="1" i="0" u="none" strike="noStrike" cap="none" normalizeH="0" baseline="0" smtClean="0">
+                  <a:ln>
+                    <a:noFill/>
+                  </a:ln>
+                  <a:solidFill>
+                    <a:schemeClr val="tx1"/>
+                  </a:solidFill>
+                  <a:effectLst/>
+                  <a:latin typeface="Arial" charset="0"/>
+                </a:endParaRPr>
+              </a:p>
+            </p:txBody>
+          </p:sp>
+          <p:cxnSp>
+            <p:nvCxnSpPr>
+              <p:cNvPr id="17" name="Straight Connector 16"/>
+              <p:cNvCxnSpPr>
+                <a:endCxn id="9" idx="0"/>
+              </p:cNvCxnSpPr>
+              <p:nvPr/>
+            </p:nvCxnSpPr>
+            <p:spPr bwMode="auto">
+              <a:xfrm>
+                <a:off x="5739111" y="1307735"/>
+                <a:ext cx="0" cy="268415"/>
+              </a:xfrm>
+              <a:prstGeom prst="line">
+                <a:avLst/>
+              </a:prstGeom>
+              <a:solidFill>
+                <a:schemeClr val="accent1"/>
+              </a:solidFill>
+              <a:ln w="9525" cap="flat" cmpd="sng" algn="ctr">
+                <a:solidFill>
+                  <a:srgbClr val="FF0000"/>
+                </a:solidFill>
+                <a:prstDash val="solid"/>
+                <a:round/>
+                <a:headEnd type="none" w="med" len="med"/>
+                <a:tailEnd type="none" w="med" len="med"/>
+              </a:ln>
+              <a:effectLst/>
+            </p:spPr>
+          </p:cxnSp>
+        </p:grpSp>
+        <p:pic>
+          <p:nvPicPr>
+            <p:cNvPr id="20" name="Picture 19"/>
+            <p:cNvPicPr>
+              <a:picLocks noChangeAspect="1"/>
+            </p:cNvPicPr>
+            <p:nvPr/>
+          </p:nvPicPr>
+          <p:blipFill>
+            <a:blip r:embed="rId2">
+              <a:extLst>
+                <a:ext uri="{BEBA8EAE-BF5A-486C-A8C5-ECC9F3942E4B}">
+                  <a14:imgProps xmlns:a14="http://schemas.microsoft.com/office/drawing/2010/main">
+                    <a14:imgLayer r:embed="rId3">
+                      <a14:imgEffect>
+                        <a14:backgroundRemoval t="10000" b="90000" l="10000" r="90000">
+                          <a14:foregroundMark x1="35326" y1="76312" x2="58016" y2="85082"/>
+                        </a14:backgroundRemoval>
+                      </a14:imgEffect>
+                    </a14:imgLayer>
+                  </a14:imgProps>
+                </a:ext>
+                <a:ext uri="{28A0092B-C50C-407E-A947-70E740481C1C}">
+                  <a14:useLocalDpi xmlns:a14="http://schemas.microsoft.com/office/drawing/2010/main" val="0"/>
+                </a:ext>
+              </a:extLst>
+            </a:blip>
+            <a:stretch>
+              <a:fillRect/>
+            </a:stretch>
+          </p:blipFill>
+          <p:spPr>
+            <a:xfrm rot="10800000">
+              <a:off x="6014615" y="812648"/>
+              <a:ext cx="1377772" cy="2497211"/>
+            </a:xfrm>
+            <a:prstGeom prst="rect">
+              <a:avLst/>
+            </a:prstGeom>
+          </p:spPr>
+        </p:pic>
+      </p:grpSp>
     </p:spTree>
     <p:extLst>
       <p:ext uri="{BB962C8B-B14F-4D97-AF65-F5344CB8AC3E}">
@@ -4796,6 +5550,267 @@
         <a:sysClr val="window" lastClr="FFFFFF"/>
       </a:lt1>
       <a:dk2>
+        <a:srgbClr val="44546A"/>
+      </a:dk2>
+      <a:lt2>
+        <a:srgbClr val="E7E6E6"/>
+      </a:lt2>
+      <a:accent1>
+        <a:srgbClr val="4472C4"/>
+      </a:accent1>
+      <a:accent2>
+        <a:srgbClr val="ED7D31"/>
+      </a:accent2>
+      <a:accent3>
+        <a:srgbClr val="A5A5A5"/>
+      </a:accent3>
+      <a:accent4>
+        <a:srgbClr val="FFC000"/>
+      </a:accent4>
+      <a:accent5>
+        <a:srgbClr val="5B9BD5"/>
+      </a:accent5>
+      <a:accent6>
+        <a:srgbClr val="70AD47"/>
+      </a:accent6>
+      <a:hlink>
+        <a:srgbClr val="0563C1"/>
+      </a:hlink>
+      <a:folHlink>
+        <a:srgbClr val="954F72"/>
+      </a:folHlink>
+    </a:clrScheme>
+    <a:fontScheme name="Office">
+      <a:majorFont>
+        <a:latin typeface="Calibri Light" panose="020F0302020204030204"/>
+        <a:ea typeface=""/>
+        <a:cs typeface=""/>
+        <a:font script="Jpan" typeface="Yu Gothic Light"/>
+        <a:font script="Hang" typeface="맑은 고딕"/>
+        <a:font script="Hans" typeface="DengXian Light"/>
+        <a:font script="Hant" typeface="新細明體"/>
+        <a:font script="Arab" typeface="Times New Roman"/>
+        <a:font script="Hebr" typeface="Times New Roman"/>
+        <a:font script="Thai" typeface="Angsana New"/>
+        <a:font script="Ethi" typeface="Nyala"/>
+        <a:font script="Beng" typeface="Vrinda"/>
+        <a:font script="Gujr" typeface="Shruti"/>
+        <a:font script="Khmr" typeface="MoolBoran"/>
+        <a:font script="Knda" typeface="Tunga"/>
+        <a:font script="Guru" typeface="Raavi"/>
+        <a:font script="Cans" typeface="Euphemia"/>
+        <a:font script="Cher" typeface="Plantagenet Cherokee"/>
+        <a:font script="Yiii" typeface="Microsoft Yi Baiti"/>
+        <a:font script="Tibt" typeface="Microsoft Himalaya"/>
+        <a:font script="Thaa" typeface="MV Boli"/>
+        <a:font script="Deva" typeface="Mangal"/>
+        <a:font script="Telu" typeface="Gautami"/>
+        <a:font script="Taml" typeface="Latha"/>
+        <a:font script="Syrc" typeface="Estrangelo Edessa"/>
+        <a:font script="Orya" typeface="Kalinga"/>
+        <a:font script="Mlym" typeface="Kartika"/>
+        <a:font script="Laoo" typeface="DokChampa"/>
+        <a:font script="Sinh" typeface="Iskoola Pota"/>
+        <a:font script="Mong" typeface="Mongolian Baiti"/>
+        <a:font script="Viet" typeface="Times New Roman"/>
+        <a:font script="Uigh" typeface="Microsoft Uighur"/>
+        <a:font script="Geor" typeface="Sylfaen"/>
+      </a:majorFont>
+      <a:minorFont>
+        <a:latin typeface="Calibri" panose="020F0502020204030204"/>
+        <a:ea typeface=""/>
+        <a:cs typeface=""/>
+        <a:font script="Jpan" typeface="Yu Gothic"/>
+        <a:font script="Hang" typeface="맑은 고딕"/>
+        <a:font script="Hans" typeface="DengXian"/>
+        <a:font script="Hant" typeface="新細明體"/>
+        <a:font script="Arab" typeface="Arial"/>
+        <a:font script="Hebr" typeface="Arial"/>
+        <a:font script="Thai" typeface="Cordia New"/>
+        <a:font script="Ethi" typeface="Nyala"/>
+        <a:font script="Beng" typeface="Vrinda"/>
+        <a:font script="Gujr" typeface="Shruti"/>
+        <a:font script="Khmr" typeface="DaunPenh"/>
+        <a:font script="Knda" typeface="Tunga"/>
+        <a:font script="Guru" typeface="Raavi"/>
+        <a:font script="Cans" typeface="Euphemia"/>
+        <a:font script="Cher" typeface="Plantagenet Cherokee"/>
+        <a:font script="Yiii" typeface="Microsoft Yi Baiti"/>
+        <a:font script="Tibt" typeface="Microsoft Himalaya"/>
+        <a:font script="Thaa" typeface="MV Boli"/>
+        <a:font script="Deva" typeface="Mangal"/>
+        <a:font script="Telu" typeface="Gautami"/>
+        <a:font script="Taml" typeface="Latha"/>
+        <a:font script="Syrc" typeface="Estrangelo Edessa"/>
+        <a:font script="Orya" typeface="Kalinga"/>
+        <a:font script="Mlym" typeface="Kartika"/>
+        <a:font script="Laoo" typeface="DokChampa"/>
+        <a:font script="Sinh" typeface="Iskoola Pota"/>
+        <a:font script="Mong" typeface="Mongolian Baiti"/>
+        <a:font script="Viet" typeface="Arial"/>
+        <a:font script="Uigh" typeface="Microsoft Uighur"/>
+        <a:font script="Geor" typeface="Sylfaen"/>
+      </a:minorFont>
+    </a:fontScheme>
+    <a:fmtScheme name="Office">
+      <a:fillStyleLst>
+        <a:solidFill>
+          <a:schemeClr val="phClr"/>
+        </a:solidFill>
+        <a:gradFill rotWithShape="1">
+          <a:gsLst>
+            <a:gs pos="0">
+              <a:schemeClr val="phClr">
+                <a:lumMod val="110000"/>
+                <a:satMod val="105000"/>
+                <a:tint val="67000"/>
+              </a:schemeClr>
+            </a:gs>
+            <a:gs pos="50000">
+              <a:schemeClr val="phClr">
+                <a:lumMod val="105000"/>
+                <a:satMod val="103000"/>
+                <a:tint val="73000"/>
+              </a:schemeClr>
+            </a:gs>
+            <a:gs pos="100000">
+              <a:schemeClr val="phClr">
+                <a:lumMod val="105000"/>
+                <a:satMod val="109000"/>
+                <a:tint val="81000"/>
+              </a:schemeClr>
+            </a:gs>
+          </a:gsLst>
+          <a:lin ang="5400000" scaled="0"/>
+        </a:gradFill>
+        <a:gradFill rotWithShape="1">
+          <a:gsLst>
+            <a:gs pos="0">
+              <a:schemeClr val="phClr">
+                <a:satMod val="103000"/>
+                <a:lumMod val="102000"/>
+                <a:tint val="94000"/>
+              </a:schemeClr>
+            </a:gs>
+            <a:gs pos="50000">
+              <a:schemeClr val="phClr">
+                <a:satMod val="110000"/>
+                <a:lumMod val="100000"/>
+                <a:shade val="100000"/>
+              </a:schemeClr>
+            </a:gs>
+            <a:gs pos="100000">
+              <a:schemeClr val="phClr">
+                <a:lumMod val="99000"/>
+                <a:satMod val="120000"/>
+                <a:shade val="78000"/>
+              </a:schemeClr>
+            </a:gs>
+          </a:gsLst>
+          <a:lin ang="5400000" scaled="0"/>
+        </a:gradFill>
+      </a:fillStyleLst>
+      <a:lnStyleLst>
+        <a:ln w="6350" cap="flat" cmpd="sng" algn="ctr">
+          <a:solidFill>
+            <a:schemeClr val="phClr"/>
+          </a:solidFill>
+          <a:prstDash val="solid"/>
+          <a:miter lim="800000"/>
+        </a:ln>
+        <a:ln w="12700" cap="flat" cmpd="sng" algn="ctr">
+          <a:solidFill>
+            <a:schemeClr val="phClr"/>
+          </a:solidFill>
+          <a:prstDash val="solid"/>
+          <a:miter lim="800000"/>
+        </a:ln>
+        <a:ln w="19050" cap="flat" cmpd="sng" algn="ctr">
+          <a:solidFill>
+            <a:schemeClr val="phClr"/>
+          </a:solidFill>
+          <a:prstDash val="solid"/>
+          <a:miter lim="800000"/>
+        </a:ln>
+      </a:lnStyleLst>
+      <a:effectStyleLst>
+        <a:effectStyle>
+          <a:effectLst/>
+        </a:effectStyle>
+        <a:effectStyle>
+          <a:effectLst/>
+        </a:effectStyle>
+        <a:effectStyle>
+          <a:effectLst>
+            <a:outerShdw blurRad="57150" dist="19050" dir="5400000" algn="ctr" rotWithShape="0">
+              <a:srgbClr val="000000">
+                <a:alpha val="63000"/>
+              </a:srgbClr>
+            </a:outerShdw>
+          </a:effectLst>
+        </a:effectStyle>
+      </a:effectStyleLst>
+      <a:bgFillStyleLst>
+        <a:solidFill>
+          <a:schemeClr val="phClr"/>
+        </a:solidFill>
+        <a:solidFill>
+          <a:schemeClr val="phClr">
+            <a:tint val="95000"/>
+            <a:satMod val="170000"/>
+          </a:schemeClr>
+        </a:solidFill>
+        <a:gradFill rotWithShape="1">
+          <a:gsLst>
+            <a:gs pos="0">
+              <a:schemeClr val="phClr">
+                <a:tint val="93000"/>
+                <a:satMod val="150000"/>
+                <a:shade val="98000"/>
+                <a:lumMod val="102000"/>
+              </a:schemeClr>
+            </a:gs>
+            <a:gs pos="50000">
+              <a:schemeClr val="phClr">
+                <a:tint val="98000"/>
+                <a:satMod val="130000"/>
+                <a:shade val="90000"/>
+                <a:lumMod val="103000"/>
+              </a:schemeClr>
+            </a:gs>
+            <a:gs pos="100000">
+              <a:schemeClr val="phClr">
+                <a:shade val="63000"/>
+                <a:satMod val="120000"/>
+              </a:schemeClr>
+            </a:gs>
+          </a:gsLst>
+          <a:lin ang="5400000" scaled="0"/>
+        </a:gradFill>
+      </a:bgFillStyleLst>
+    </a:fmtScheme>
+  </a:themeElements>
+  <a:objectDefaults/>
+  <a:extraClrSchemeLst/>
+  <a:extLst>
+    <a:ext uri="{05A4C25C-085E-4340-85A3-A5531E510DB2}">
+      <thm15:themeFamily xmlns:thm15="http://schemas.microsoft.com/office/thememl/2012/main" name="Office Theme" id="{62F939B6-93AF-4DB8-9C6B-D6C7DFDC589F}" vid="{4A3C46E8-61CC-4603-A589-7422A47A8E4A}"/>
+    </a:ext>
+  </a:extLst>
+</a:theme>
+</file>
+
+<file path=ppt/theme/theme3.xml><?xml version="1.0" encoding="utf-8"?>
+<a:theme xmlns:a="http://schemas.openxmlformats.org/drawingml/2006/main" name="Office Theme">
+  <a:themeElements>
+    <a:clrScheme name="Office">
+      <a:dk1>
+        <a:sysClr val="windowText" lastClr="000000"/>
+      </a:dk1>
+      <a:lt1>
+        <a:sysClr val="window" lastClr="FFFFFF"/>
+      </a:lt1>
+      <a:dk2>
         <a:srgbClr val="1F497D"/>
       </a:dk2>
       <a:lt2>

--- a/Project_Presentation.pptx
+++ b/Project_Presentation.pptx
@@ -1,11 +1,14 @@
 
 <file path=ppt/presentation.xml><?xml version="1.0" encoding="utf-8"?>
-<p:presentation xmlns:a="http://schemas.openxmlformats.org/drawingml/2006/main" xmlns:r="http://schemas.openxmlformats.org/officeDocument/2006/relationships" xmlns:p="http://schemas.openxmlformats.org/presentationml/2006/main" saveSubsetFonts="1">
+<p:presentation xmlns:a="http://schemas.openxmlformats.org/drawingml/2006/main" xmlns:r="http://schemas.openxmlformats.org/officeDocument/2006/relationships" xmlns:p="http://schemas.openxmlformats.org/presentationml/2006/main" showSpecialPlsOnTitleSld="0" saveSubsetFonts="1">
   <p:sldMasterIdLst>
     <p:sldMasterId id="2147483648" r:id="rId1"/>
   </p:sldMasterIdLst>
+  <p:notesMasterIdLst>
+    <p:notesMasterId r:id="rId18"/>
+  </p:notesMasterIdLst>
   <p:handoutMasterIdLst>
-    <p:handoutMasterId r:id="rId18"/>
+    <p:handoutMasterId r:id="rId19"/>
   </p:handoutMasterIdLst>
   <p:sldIdLst>
     <p:sldId id="256" r:id="rId2"/>
@@ -13,15 +16,15 @@
     <p:sldId id="267" r:id="rId4"/>
     <p:sldId id="285" r:id="rId5"/>
     <p:sldId id="278" r:id="rId6"/>
-    <p:sldId id="269" r:id="rId7"/>
-    <p:sldId id="268" r:id="rId8"/>
-    <p:sldId id="271" r:id="rId9"/>
-    <p:sldId id="274" r:id="rId10"/>
-    <p:sldId id="279" r:id="rId11"/>
-    <p:sldId id="286" r:id="rId12"/>
-    <p:sldId id="287" r:id="rId13"/>
-    <p:sldId id="288" r:id="rId14"/>
-    <p:sldId id="289" r:id="rId15"/>
+    <p:sldId id="268" r:id="rId7"/>
+    <p:sldId id="271" r:id="rId8"/>
+    <p:sldId id="274" r:id="rId9"/>
+    <p:sldId id="279" r:id="rId10"/>
+    <p:sldId id="286" r:id="rId11"/>
+    <p:sldId id="287" r:id="rId12"/>
+    <p:sldId id="288" r:id="rId13"/>
+    <p:sldId id="289" r:id="rId14"/>
+    <p:sldId id="269" r:id="rId15"/>
     <p:sldId id="275" r:id="rId16"/>
     <p:sldId id="277" r:id="rId17"/>
   </p:sldIdLst>
@@ -393,6 +396,356 @@
   </p:cSld>
   <p:clrMap bg1="lt1" tx1="dk1" bg2="lt2" tx2="dk2" accent1="accent1" accent2="accent2" accent3="accent3" accent4="accent4" accent5="accent5" accent6="accent6" hlink="hlink" folHlink="folHlink"/>
 </p:handoutMaster>
+</file>
+
+<file path=ppt/notesMasters/notesMaster1.xml><?xml version="1.0" encoding="utf-8"?>
+<p:notesMaster xmlns:a="http://schemas.openxmlformats.org/drawingml/2006/main" xmlns:r="http://schemas.openxmlformats.org/officeDocument/2006/relationships" xmlns:p="http://schemas.openxmlformats.org/presentationml/2006/main">
+  <p:cSld>
+    <p:bg>
+      <p:bgRef idx="1001">
+        <a:schemeClr val="bg1"/>
+      </p:bgRef>
+    </p:bg>
+    <p:spTree>
+      <p:nvGrpSpPr>
+        <p:cNvPr id="1" name=""/>
+        <p:cNvGrpSpPr/>
+        <p:nvPr/>
+      </p:nvGrpSpPr>
+      <p:grpSpPr>
+        <a:xfrm>
+          <a:off x="0" y="0"/>
+          <a:ext cx="0" cy="0"/>
+          <a:chOff x="0" y="0"/>
+          <a:chExt cx="0" cy="0"/>
+        </a:xfrm>
+      </p:grpSpPr>
+      <p:sp>
+        <p:nvSpPr>
+          <p:cNvPr id="2" name="Header Placeholder 1"/>
+          <p:cNvSpPr>
+            <a:spLocks noGrp="1"/>
+          </p:cNvSpPr>
+          <p:nvPr>
+            <p:ph type="hdr" sz="quarter"/>
+          </p:nvPr>
+        </p:nvSpPr>
+        <p:spPr>
+          <a:xfrm>
+            <a:off x="0" y="0"/>
+            <a:ext cx="2971800" cy="458788"/>
+          </a:xfrm>
+          <a:prstGeom prst="rect">
+            <a:avLst/>
+          </a:prstGeom>
+        </p:spPr>
+        <p:txBody>
+          <a:bodyPr vert="horz" lIns="91440" tIns="45720" rIns="91440" bIns="45720" rtlCol="0"/>
+          <a:lstStyle>
+            <a:lvl1pPr algn="l">
+              <a:defRPr sz="1200"/>
+            </a:lvl1pPr>
+          </a:lstStyle>
+          <a:p>
+            <a:endParaRPr lang="en-GB"/>
+          </a:p>
+        </p:txBody>
+      </p:sp>
+      <p:sp>
+        <p:nvSpPr>
+          <p:cNvPr id="3" name="Date Placeholder 2"/>
+          <p:cNvSpPr>
+            <a:spLocks noGrp="1"/>
+          </p:cNvSpPr>
+          <p:nvPr>
+            <p:ph type="dt" idx="1"/>
+          </p:nvPr>
+        </p:nvSpPr>
+        <p:spPr>
+          <a:xfrm>
+            <a:off x="3884613" y="0"/>
+            <a:ext cx="2971800" cy="458788"/>
+          </a:xfrm>
+          <a:prstGeom prst="rect">
+            <a:avLst/>
+          </a:prstGeom>
+        </p:spPr>
+        <p:txBody>
+          <a:bodyPr vert="horz" lIns="91440" tIns="45720" rIns="91440" bIns="45720" rtlCol="0"/>
+          <a:lstStyle>
+            <a:lvl1pPr algn="r">
+              <a:defRPr sz="1200"/>
+            </a:lvl1pPr>
+          </a:lstStyle>
+          <a:p>
+            <a:fld id="{8FA74C69-B7AE-4566-AFE3-85307AA69DBA}" type="datetimeFigureOut">
+              <a:rPr lang="en-GB" smtClean="0"/>
+              <a:t>21/02/2018</a:t>
+            </a:fld>
+            <a:endParaRPr lang="en-GB"/>
+          </a:p>
+        </p:txBody>
+      </p:sp>
+      <p:sp>
+        <p:nvSpPr>
+          <p:cNvPr id="4" name="Slide Image Placeholder 3"/>
+          <p:cNvSpPr>
+            <a:spLocks noGrp="1" noRot="1" noChangeAspect="1"/>
+          </p:cNvSpPr>
+          <p:nvPr>
+            <p:ph type="sldImg" idx="2"/>
+          </p:nvPr>
+        </p:nvSpPr>
+        <p:spPr>
+          <a:xfrm>
+            <a:off x="1371600" y="1143000"/>
+            <a:ext cx="4114800" cy="3086100"/>
+          </a:xfrm>
+          <a:prstGeom prst="rect">
+            <a:avLst/>
+          </a:prstGeom>
+          <a:noFill/>
+          <a:ln w="12700">
+            <a:solidFill>
+              <a:prstClr val="black"/>
+            </a:solidFill>
+          </a:ln>
+        </p:spPr>
+        <p:txBody>
+          <a:bodyPr vert="horz" lIns="91440" tIns="45720" rIns="91440" bIns="45720" rtlCol="0" anchor="ctr"/>
+          <a:lstStyle/>
+          <a:p>
+            <a:endParaRPr lang="en-GB"/>
+          </a:p>
+        </p:txBody>
+      </p:sp>
+      <p:sp>
+        <p:nvSpPr>
+          <p:cNvPr id="5" name="Notes Placeholder 4"/>
+          <p:cNvSpPr>
+            <a:spLocks noGrp="1"/>
+          </p:cNvSpPr>
+          <p:nvPr>
+            <p:ph type="body" sz="quarter" idx="3"/>
+          </p:nvPr>
+        </p:nvSpPr>
+        <p:spPr>
+          <a:xfrm>
+            <a:off x="685800" y="4400550"/>
+            <a:ext cx="5486400" cy="3600450"/>
+          </a:xfrm>
+          <a:prstGeom prst="rect">
+            <a:avLst/>
+          </a:prstGeom>
+        </p:spPr>
+        <p:txBody>
+          <a:bodyPr vert="horz" lIns="91440" tIns="45720" rIns="91440" bIns="45720" rtlCol="0"/>
+          <a:lstStyle/>
+          <a:p>
+            <a:pPr lvl="0"/>
+            <a:r>
+              <a:rPr lang="en-US"/>
+              <a:t>Edit Master text styles</a:t>
+            </a:r>
+          </a:p>
+          <a:p>
+            <a:pPr lvl="1"/>
+            <a:r>
+              <a:rPr lang="en-US"/>
+              <a:t>Second level</a:t>
+            </a:r>
+          </a:p>
+          <a:p>
+            <a:pPr lvl="2"/>
+            <a:r>
+              <a:rPr lang="en-US"/>
+              <a:t>Third level</a:t>
+            </a:r>
+          </a:p>
+          <a:p>
+            <a:pPr lvl="3"/>
+            <a:r>
+              <a:rPr lang="en-US"/>
+              <a:t>Fourth level</a:t>
+            </a:r>
+          </a:p>
+          <a:p>
+            <a:pPr lvl="4"/>
+            <a:r>
+              <a:rPr lang="en-US"/>
+              <a:t>Fifth level</a:t>
+            </a:r>
+            <a:endParaRPr lang="en-GB"/>
+          </a:p>
+        </p:txBody>
+      </p:sp>
+      <p:sp>
+        <p:nvSpPr>
+          <p:cNvPr id="6" name="Footer Placeholder 5"/>
+          <p:cNvSpPr>
+            <a:spLocks noGrp="1"/>
+          </p:cNvSpPr>
+          <p:nvPr>
+            <p:ph type="ftr" sz="quarter" idx="4"/>
+          </p:nvPr>
+        </p:nvSpPr>
+        <p:spPr>
+          <a:xfrm>
+            <a:off x="0" y="8685213"/>
+            <a:ext cx="2971800" cy="458787"/>
+          </a:xfrm>
+          <a:prstGeom prst="rect">
+            <a:avLst/>
+          </a:prstGeom>
+        </p:spPr>
+        <p:txBody>
+          <a:bodyPr vert="horz" lIns="91440" tIns="45720" rIns="91440" bIns="45720" rtlCol="0" anchor="b"/>
+          <a:lstStyle>
+            <a:lvl1pPr algn="l">
+              <a:defRPr sz="1200"/>
+            </a:lvl1pPr>
+          </a:lstStyle>
+          <a:p>
+            <a:endParaRPr lang="en-GB"/>
+          </a:p>
+        </p:txBody>
+      </p:sp>
+      <p:sp>
+        <p:nvSpPr>
+          <p:cNvPr id="7" name="Slide Number Placeholder 6"/>
+          <p:cNvSpPr>
+            <a:spLocks noGrp="1"/>
+          </p:cNvSpPr>
+          <p:nvPr>
+            <p:ph type="sldNum" sz="quarter" idx="5"/>
+          </p:nvPr>
+        </p:nvSpPr>
+        <p:spPr>
+          <a:xfrm>
+            <a:off x="3884613" y="8685213"/>
+            <a:ext cx="2971800" cy="458787"/>
+          </a:xfrm>
+          <a:prstGeom prst="rect">
+            <a:avLst/>
+          </a:prstGeom>
+        </p:spPr>
+        <p:txBody>
+          <a:bodyPr vert="horz" lIns="91440" tIns="45720" rIns="91440" bIns="45720" rtlCol="0" anchor="b"/>
+          <a:lstStyle>
+            <a:lvl1pPr algn="r">
+              <a:defRPr sz="1200"/>
+            </a:lvl1pPr>
+          </a:lstStyle>
+          <a:p>
+            <a:fld id="{CDAC45AD-0457-464D-964F-7382F16343D6}" type="slidenum">
+              <a:rPr lang="en-GB" smtClean="0"/>
+              <a:t>‹#›</a:t>
+            </a:fld>
+            <a:endParaRPr lang="en-GB"/>
+          </a:p>
+        </p:txBody>
+      </p:sp>
+    </p:spTree>
+    <p:extLst>
+      <p:ext uri="{BB962C8B-B14F-4D97-AF65-F5344CB8AC3E}">
+        <p14:creationId xmlns:p14="http://schemas.microsoft.com/office/powerpoint/2010/main" val="1673806704"/>
+      </p:ext>
+    </p:extLst>
+  </p:cSld>
+  <p:clrMap bg1="lt1" tx1="dk1" bg2="lt2" tx2="dk2" accent1="accent1" accent2="accent2" accent3="accent3" accent4="accent4" accent5="accent5" accent6="accent6" hlink="hlink" folHlink="folHlink"/>
+  <p:notesStyle>
+    <a:lvl1pPr marL="0" algn="l" defTabSz="914400" rtl="0" eaLnBrk="1" latinLnBrk="0" hangingPunct="1">
+      <a:defRPr sz="1200" kern="1200">
+        <a:solidFill>
+          <a:schemeClr val="tx1"/>
+        </a:solidFill>
+        <a:latin typeface="+mn-lt"/>
+        <a:ea typeface="+mn-ea"/>
+        <a:cs typeface="+mn-cs"/>
+      </a:defRPr>
+    </a:lvl1pPr>
+    <a:lvl2pPr marL="457200" algn="l" defTabSz="914400" rtl="0" eaLnBrk="1" latinLnBrk="0" hangingPunct="1">
+      <a:defRPr sz="1200" kern="1200">
+        <a:solidFill>
+          <a:schemeClr val="tx1"/>
+        </a:solidFill>
+        <a:latin typeface="+mn-lt"/>
+        <a:ea typeface="+mn-ea"/>
+        <a:cs typeface="+mn-cs"/>
+      </a:defRPr>
+    </a:lvl2pPr>
+    <a:lvl3pPr marL="914400" algn="l" defTabSz="914400" rtl="0" eaLnBrk="1" latinLnBrk="0" hangingPunct="1">
+      <a:defRPr sz="1200" kern="1200">
+        <a:solidFill>
+          <a:schemeClr val="tx1"/>
+        </a:solidFill>
+        <a:latin typeface="+mn-lt"/>
+        <a:ea typeface="+mn-ea"/>
+        <a:cs typeface="+mn-cs"/>
+      </a:defRPr>
+    </a:lvl3pPr>
+    <a:lvl4pPr marL="1371600" algn="l" defTabSz="914400" rtl="0" eaLnBrk="1" latinLnBrk="0" hangingPunct="1">
+      <a:defRPr sz="1200" kern="1200">
+        <a:solidFill>
+          <a:schemeClr val="tx1"/>
+        </a:solidFill>
+        <a:latin typeface="+mn-lt"/>
+        <a:ea typeface="+mn-ea"/>
+        <a:cs typeface="+mn-cs"/>
+      </a:defRPr>
+    </a:lvl4pPr>
+    <a:lvl5pPr marL="1828800" algn="l" defTabSz="914400" rtl="0" eaLnBrk="1" latinLnBrk="0" hangingPunct="1">
+      <a:defRPr sz="1200" kern="1200">
+        <a:solidFill>
+          <a:schemeClr val="tx1"/>
+        </a:solidFill>
+        <a:latin typeface="+mn-lt"/>
+        <a:ea typeface="+mn-ea"/>
+        <a:cs typeface="+mn-cs"/>
+      </a:defRPr>
+    </a:lvl5pPr>
+    <a:lvl6pPr marL="2286000" algn="l" defTabSz="914400" rtl="0" eaLnBrk="1" latinLnBrk="0" hangingPunct="1">
+      <a:defRPr sz="1200" kern="1200">
+        <a:solidFill>
+          <a:schemeClr val="tx1"/>
+        </a:solidFill>
+        <a:latin typeface="+mn-lt"/>
+        <a:ea typeface="+mn-ea"/>
+        <a:cs typeface="+mn-cs"/>
+      </a:defRPr>
+    </a:lvl6pPr>
+    <a:lvl7pPr marL="2743200" algn="l" defTabSz="914400" rtl="0" eaLnBrk="1" latinLnBrk="0" hangingPunct="1">
+      <a:defRPr sz="1200" kern="1200">
+        <a:solidFill>
+          <a:schemeClr val="tx1"/>
+        </a:solidFill>
+        <a:latin typeface="+mn-lt"/>
+        <a:ea typeface="+mn-ea"/>
+        <a:cs typeface="+mn-cs"/>
+      </a:defRPr>
+    </a:lvl7pPr>
+    <a:lvl8pPr marL="3200400" algn="l" defTabSz="914400" rtl="0" eaLnBrk="1" latinLnBrk="0" hangingPunct="1">
+      <a:defRPr sz="1200" kern="1200">
+        <a:solidFill>
+          <a:schemeClr val="tx1"/>
+        </a:solidFill>
+        <a:latin typeface="+mn-lt"/>
+        <a:ea typeface="+mn-ea"/>
+        <a:cs typeface="+mn-cs"/>
+      </a:defRPr>
+    </a:lvl8pPr>
+    <a:lvl9pPr marL="3657600" algn="l" defTabSz="914400" rtl="0" eaLnBrk="1" latinLnBrk="0" hangingPunct="1">
+      <a:defRPr sz="1200" kern="1200">
+        <a:solidFill>
+          <a:schemeClr val="tx1"/>
+        </a:solidFill>
+        <a:latin typeface="+mn-lt"/>
+        <a:ea typeface="+mn-ea"/>
+        <a:cs typeface="+mn-cs"/>
+      </a:defRPr>
+    </a:lvl9pPr>
+  </p:notesStyle>
+</p:notesMaster>
 </file>
 
 <file path=ppt/slideLayouts/slideLayout1.xml><?xml version="1.0" encoding="utf-8"?>
@@ -1595,239 +1948,6 @@
           <p:cNvPr id="2" name="Title 1">
             <a:extLst>
               <a:ext uri="{FF2B5EF4-FFF2-40B4-BE49-F238E27FC236}">
-                <a16:creationId xmlns:a16="http://schemas.microsoft.com/office/drawing/2014/main" id="{8337EBD2-590F-42C6-A538-AC8FB8DFF446}"/>
-              </a:ext>
-            </a:extLst>
-          </p:cNvPr>
-          <p:cNvSpPr>
-            <a:spLocks noGrp="1"/>
-          </p:cNvSpPr>
-          <p:nvPr>
-            <p:ph type="title"/>
-          </p:nvPr>
-        </p:nvSpPr>
-        <p:spPr>
-          <a:xfrm>
-            <a:off x="396875" y="197768"/>
-            <a:ext cx="7772400" cy="1143000"/>
-          </a:xfrm>
-        </p:spPr>
-        <p:txBody>
-          <a:bodyPr/>
-          <a:lstStyle/>
-          <a:p>
-            <a:r>
-              <a:rPr lang="en-GB" dirty="0"/>
-              <a:t>FEMM Analysis</a:t>
-            </a:r>
-          </a:p>
-        </p:txBody>
-      </p:sp>
-      <p:sp>
-        <p:nvSpPr>
-          <p:cNvPr id="3" name="Content Placeholder 2">
-            <a:extLst>
-              <a:ext uri="{FF2B5EF4-FFF2-40B4-BE49-F238E27FC236}">
-                <a16:creationId xmlns:a16="http://schemas.microsoft.com/office/drawing/2014/main" id="{0AFA2BE3-EB81-4810-B75C-A388BC23003D}"/>
-              </a:ext>
-            </a:extLst>
-          </p:cNvPr>
-          <p:cNvSpPr>
-            <a:spLocks noGrp="1"/>
-          </p:cNvSpPr>
-          <p:nvPr>
-            <p:ph idx="1"/>
-          </p:nvPr>
-        </p:nvSpPr>
-        <p:spPr>
-          <a:xfrm>
-            <a:off x="369739" y="1465021"/>
-            <a:ext cx="4805461" cy="3908195"/>
-          </a:xfrm>
-        </p:spPr>
-        <p:txBody>
-          <a:bodyPr/>
-          <a:lstStyle/>
-          <a:p>
-            <a:r>
-              <a:rPr lang="en-GB" sz="2000" dirty="0"/>
-              <a:t>Force acting on magnets in model magnetic field: 0.139545±</a:t>
-            </a:r>
-            <a:r>
-              <a:rPr lang="en-GB" sz="2000" dirty="0">
-                <a:cs typeface="Calibri" panose="020F0502020204030204" pitchFamily="34" charset="0"/>
-              </a:rPr>
-              <a:t>0.000001N</a:t>
-            </a:r>
-          </a:p>
-          <a:p>
-            <a:endParaRPr lang="en-GB" sz="2000" dirty="0">
-              <a:cs typeface="Calibri" panose="020F0502020204030204" pitchFamily="34" charset="0"/>
-            </a:endParaRPr>
-          </a:p>
-          <a:p>
-            <a:r>
-              <a:rPr lang="en-GB" sz="2000" dirty="0">
-                <a:cs typeface="Calibri" panose="020F0502020204030204" pitchFamily="34" charset="0"/>
-              </a:rPr>
-              <a:t>Magnetic field strength: 87</a:t>
-            </a:r>
-            <a:r>
-              <a:rPr lang="en-GB" sz="2000" dirty="0"/>
-              <a:t>±1mT</a:t>
-            </a:r>
-          </a:p>
-          <a:p>
-            <a:endParaRPr lang="en-GB" sz="2000" dirty="0"/>
-          </a:p>
-          <a:p>
-            <a:r>
-              <a:rPr lang="en-GB" sz="2000" dirty="0"/>
-              <a:t>Magnetic field strength from </a:t>
-            </a:r>
-            <a:r>
-              <a:rPr lang="en-GB" sz="2000" dirty="0" err="1"/>
-              <a:t>Boit</a:t>
-            </a:r>
-            <a:r>
-              <a:rPr lang="en-GB" sz="2000" dirty="0"/>
-              <a:t>-Savart law: 9mT</a:t>
-            </a:r>
-          </a:p>
-          <a:p>
-            <a:endParaRPr lang="en-GB" sz="2000" dirty="0"/>
-          </a:p>
-          <a:p>
-            <a:r>
-              <a:rPr lang="en-GB" sz="2000" dirty="0"/>
-              <a:t>Magnetic moment of magnets: 20.3±0.2mNmT^-1</a:t>
-            </a:r>
-          </a:p>
-        </p:txBody>
-      </p:sp>
-      <p:pic>
-        <p:nvPicPr>
-          <p:cNvPr id="5" name="Picture 4">
-            <a:extLst>
-              <a:ext uri="{FF2B5EF4-FFF2-40B4-BE49-F238E27FC236}">
-                <a16:creationId xmlns:a16="http://schemas.microsoft.com/office/drawing/2014/main" id="{525A0FD9-ECDD-4335-9530-9BD0A4C5F097}"/>
-              </a:ext>
-            </a:extLst>
-          </p:cNvPr>
-          <p:cNvPicPr>
-            <a:picLocks noChangeAspect="1"/>
-          </p:cNvPicPr>
-          <p:nvPr/>
-        </p:nvPicPr>
-        <p:blipFill>
-          <a:blip r:embed="rId2">
-            <a:extLst>
-              <a:ext uri="{28A0092B-C50C-407E-A947-70E740481C1C}">
-                <a14:useLocalDpi xmlns:a14="http://schemas.microsoft.com/office/drawing/2010/main" val="0"/>
-              </a:ext>
-            </a:extLst>
-          </a:blip>
-          <a:stretch>
-            <a:fillRect/>
-          </a:stretch>
-        </p:blipFill>
-        <p:spPr>
-          <a:xfrm>
-            <a:off x="5175200" y="2339752"/>
-            <a:ext cx="3599061" cy="3269251"/>
-          </a:xfrm>
-          <a:prstGeom prst="rect">
-            <a:avLst/>
-          </a:prstGeom>
-        </p:spPr>
-      </p:pic>
-      <p:sp>
-        <p:nvSpPr>
-          <p:cNvPr id="6" name="TextBox 5">
-            <a:extLst>
-              <a:ext uri="{FF2B5EF4-FFF2-40B4-BE49-F238E27FC236}">
-                <a16:creationId xmlns:a16="http://schemas.microsoft.com/office/drawing/2014/main" id="{4CCF35BA-CB29-4F07-A734-EAC2C9FE4738}"/>
-              </a:ext>
-            </a:extLst>
-          </p:cNvPr>
-          <p:cNvSpPr txBox="1"/>
-          <p:nvPr/>
-        </p:nvSpPr>
-        <p:spPr>
-          <a:xfrm>
-            <a:off x="5175200" y="5824170"/>
-            <a:ext cx="2376264" cy="369332"/>
-          </a:xfrm>
-          <a:prstGeom prst="rect">
-            <a:avLst/>
-          </a:prstGeom>
-          <a:noFill/>
-        </p:spPr>
-        <p:txBody>
-          <a:bodyPr wrap="square" rtlCol="0">
-            <a:spAutoFit/>
-          </a:bodyPr>
-          <a:lstStyle/>
-          <a:p>
-            <a:r>
-              <a:rPr lang="en-GB" sz="1800" b="0" dirty="0">
-                <a:solidFill>
-                  <a:schemeClr val="bg1"/>
-                </a:solidFill>
-              </a:rPr>
-              <a:t>Credit: </a:t>
-            </a:r>
-            <a:r>
-              <a:rPr lang="en-GB" sz="1800" b="0" dirty="0" err="1">
-                <a:solidFill>
-                  <a:schemeClr val="bg1"/>
-                </a:solidFill>
-              </a:rPr>
-              <a:t>hyperphysics</a:t>
-            </a:r>
-            <a:endParaRPr lang="en-GB" sz="1800" b="0" dirty="0">
-              <a:solidFill>
-                <a:schemeClr val="bg1"/>
-              </a:solidFill>
-            </a:endParaRPr>
-          </a:p>
-        </p:txBody>
-      </p:sp>
-    </p:spTree>
-    <p:extLst>
-      <p:ext uri="{BB962C8B-B14F-4D97-AF65-F5344CB8AC3E}">
-        <p14:creationId xmlns:p14="http://schemas.microsoft.com/office/powerpoint/2010/main" val="1356136063"/>
-      </p:ext>
-    </p:extLst>
-  </p:cSld>
-  <p:clrMapOvr>
-    <a:masterClrMapping/>
-  </p:clrMapOvr>
-</p:sld>
-</file>
-
-<file path=ppt/slides/slide11.xml><?xml version="1.0" encoding="utf-8"?>
-<p:sld xmlns:a="http://schemas.openxmlformats.org/drawingml/2006/main" xmlns:r="http://schemas.openxmlformats.org/officeDocument/2006/relationships" xmlns:p="http://schemas.openxmlformats.org/presentationml/2006/main">
-  <p:cSld>
-    <p:spTree>
-      <p:nvGrpSpPr>
-        <p:cNvPr id="1" name=""/>
-        <p:cNvGrpSpPr/>
-        <p:nvPr/>
-      </p:nvGrpSpPr>
-      <p:grpSpPr>
-        <a:xfrm>
-          <a:off x="0" y="0"/>
-          <a:ext cx="0" cy="0"/>
-          <a:chOff x="0" y="0"/>
-          <a:chExt cx="0" cy="0"/>
-        </a:xfrm>
-      </p:grpSpPr>
-      <p:sp>
-        <p:nvSpPr>
-          <p:cNvPr id="2" name="Title 1">
-            <a:extLst>
-              <a:ext uri="{FF2B5EF4-FFF2-40B4-BE49-F238E27FC236}">
                 <a16:creationId xmlns:a16="http://schemas.microsoft.com/office/drawing/2014/main" id="{CD6C926E-FBF1-4FE8-9EF2-7D767547D139}"/>
               </a:ext>
             </a:extLst>
@@ -1856,8 +1976,8 @@
           </a:p>
         </p:txBody>
       </p:sp>
-      <mc:AlternateContent xmlns:mc="http://schemas.openxmlformats.org/markup-compatibility/2006" xmlns:a14="http://schemas.microsoft.com/office/drawing/2010/main">
-        <mc:Choice Requires="a14">
+      <mc:AlternateContent xmlns:mc="http://schemas.openxmlformats.org/markup-compatibility/2006">
+        <mc:Choice xmlns:a14="http://schemas.microsoft.com/office/drawing/2010/main" Requires="a14">
           <p:sp>
             <p:nvSpPr>
               <p:cNvPr id="3" name="Content Placeholder 2">
@@ -1913,6 +2033,9 @@
                   <a:rPr lang="fi-FI" sz="2400" dirty="0"/>
                   <a:t>0D020001014DA6560000</a:t>
                 </a:r>
+              </a:p>
+              <a:p>
+                <a:pPr lvl="1"/>
                 <a:endParaRPr lang="en-GB" sz="2400" dirty="0"/>
               </a:p>
               <a:p>
@@ -1935,6 +2058,9 @@
                   <a:rPr lang="en-GB" sz="2400" dirty="0"/>
                   <a:t> of disk and procession</a:t>
                 </a:r>
+              </a:p>
+              <a:p>
+                <a:endParaRPr lang="en-GB" sz="2400" dirty="0"/>
               </a:p>
               <a:p>
                 <a14:m>
@@ -1962,7 +2088,7 @@
             </p:txBody>
           </p:sp>
         </mc:Choice>
-        <mc:Fallback xmlns="">
+        <mc:Fallback>
           <p:sp>
             <p:nvSpPr>
               <p:cNvPr id="3" name="Content Placeholder 2">
@@ -1987,7 +2113,7 @@
               <a:blipFill>
                 <a:blip r:embed="rId2"/>
                 <a:stretch>
-                  <a:fillRect l="-654" t="-1097"/>
+                  <a:fillRect l="-654" t="-1097" b="-3918"/>
                 </a:stretch>
               </a:blipFill>
             </p:spPr>
@@ -2014,7 +2140,7 @@
         </p:nvGrpSpPr>
         <p:grpSpPr>
           <a:xfrm>
-            <a:off x="6183119" y="2522063"/>
+            <a:off x="6183119" y="2348880"/>
             <a:ext cx="2781369" cy="3888432"/>
             <a:chOff x="5148064" y="812648"/>
             <a:chExt cx="3148156" cy="4400162"/>
@@ -2433,6 +2559,84 @@
           </p:spPr>
         </p:pic>
       </p:grpSp>
+      <p:sp>
+        <p:nvSpPr>
+          <p:cNvPr id="5" name="TextBox 4">
+            <a:extLst>
+              <a:ext uri="{FF2B5EF4-FFF2-40B4-BE49-F238E27FC236}">
+                <a16:creationId xmlns:a16="http://schemas.microsoft.com/office/drawing/2014/main" id="{4B2353DA-621F-4D22-868B-4360184F1976}"/>
+              </a:ext>
+            </a:extLst>
+          </p:cNvPr>
+          <p:cNvSpPr txBox="1"/>
+          <p:nvPr/>
+        </p:nvSpPr>
+        <p:spPr>
+          <a:xfrm>
+            <a:off x="6424304" y="6350395"/>
+            <a:ext cx="2552481" cy="369332"/>
+          </a:xfrm>
+          <a:prstGeom prst="rect">
+            <a:avLst/>
+          </a:prstGeom>
+          <a:noFill/>
+        </p:spPr>
+        <p:txBody>
+          <a:bodyPr wrap="square" rtlCol="0">
+            <a:spAutoFit/>
+          </a:bodyPr>
+          <a:lstStyle/>
+          <a:p>
+            <a:r>
+              <a:rPr lang="en-GB" sz="1800" b="0" dirty="0">
+                <a:solidFill>
+                  <a:schemeClr val="bg1"/>
+                </a:solidFill>
+              </a:rPr>
+              <a:t>Credit: manual</a:t>
+            </a:r>
+          </a:p>
+        </p:txBody>
+      </p:sp>
+      <p:sp>
+        <p:nvSpPr>
+          <p:cNvPr id="6" name="TextBox 5">
+            <a:extLst>
+              <a:ext uri="{FF2B5EF4-FFF2-40B4-BE49-F238E27FC236}">
+                <a16:creationId xmlns:a16="http://schemas.microsoft.com/office/drawing/2014/main" id="{247A9D34-809B-4A19-8867-7C9EE042922D}"/>
+              </a:ext>
+            </a:extLst>
+          </p:cNvPr>
+          <p:cNvSpPr txBox="1"/>
+          <p:nvPr/>
+        </p:nvSpPr>
+        <p:spPr>
+          <a:xfrm>
+            <a:off x="5868144" y="692696"/>
+            <a:ext cx="1832401" cy="523220"/>
+          </a:xfrm>
+          <a:prstGeom prst="rect">
+            <a:avLst/>
+          </a:prstGeom>
+          <a:noFill/>
+        </p:spPr>
+        <p:txBody>
+          <a:bodyPr wrap="square" rtlCol="0">
+            <a:spAutoFit/>
+          </a:bodyPr>
+          <a:lstStyle/>
+          <a:p>
+            <a:r>
+              <a:rPr lang="en-GB" dirty="0">
+                <a:solidFill>
+                  <a:srgbClr val="FF0000"/>
+                </a:solidFill>
+              </a:rPr>
+              <a:t>Fix credit</a:t>
+            </a:r>
+          </a:p>
+        </p:txBody>
+      </p:sp>
     </p:spTree>
     <p:extLst>
       <p:ext uri="{BB962C8B-B14F-4D97-AF65-F5344CB8AC3E}">
@@ -2446,7 +2650,7 @@
 </p:sld>
 </file>
 
-<file path=ppt/slides/slide12.xml><?xml version="1.0" encoding="utf-8"?>
+<file path=ppt/slides/slide11.xml><?xml version="1.0" encoding="utf-8"?>
 <p:sld xmlns:a="http://schemas.openxmlformats.org/drawingml/2006/main" xmlns:r="http://schemas.openxmlformats.org/officeDocument/2006/relationships" xmlns:p="http://schemas.openxmlformats.org/presentationml/2006/main">
   <p:cSld>
     <p:spTree>
@@ -2579,7 +2783,7 @@
 </p:sld>
 </file>
 
-<file path=ppt/slides/slide13.xml><?xml version="1.0" encoding="utf-8"?>
+<file path=ppt/slides/slide12.xml><?xml version="1.0" encoding="utf-8"?>
 <p:sld xmlns:a="http://schemas.openxmlformats.org/drawingml/2006/main" xmlns:r="http://schemas.openxmlformats.org/officeDocument/2006/relationships" xmlns:p="http://schemas.openxmlformats.org/presentationml/2006/main">
   <p:cSld>
     <p:spTree>
@@ -2656,10 +2860,6 @@
           <a:bodyPr/>
           <a:lstStyle/>
           <a:p>
-            <a:pPr marL="514350" indent="-514350">
-              <a:buFont typeface="+mj-lt"/>
-              <a:buAutoNum type="arabicPeriod"/>
-            </a:pPr>
             <a:r>
               <a:rPr lang="fi-FI" sz="2400" i="1" dirty="0"/>
               <a:t>Data input</a:t>
@@ -2670,10 +2870,6 @@
             </a:r>
           </a:p>
           <a:p>
-            <a:pPr marL="514350" indent="-514350">
-              <a:buFont typeface="+mj-lt"/>
-              <a:buAutoNum type="arabicPeriod"/>
-            </a:pPr>
             <a:r>
               <a:rPr lang="en-GB" sz="2400" i="1" dirty="0"/>
               <a:t>Put data in pairs</a:t>
@@ -2811,10 +3007,6 @@
             <a:endParaRPr lang="en-GB" sz="2400" dirty="0"/>
           </a:p>
           <a:p>
-            <a:pPr marL="514350" indent="-514350">
-              <a:buFont typeface="+mj-lt"/>
-              <a:buAutoNum type="arabicPeriod"/>
-            </a:pPr>
             <a:r>
               <a:rPr lang="en-GB" sz="2400" i="1" dirty="0"/>
               <a:t>Keep pairs needed</a:t>
@@ -2888,10 +3080,6 @@
             <a:endParaRPr lang="en-GB" sz="2400" dirty="0"/>
           </a:p>
           <a:p>
-            <a:pPr marL="514350" indent="-514350">
-              <a:buFont typeface="+mj-lt"/>
-              <a:buAutoNum type="arabicPeriod"/>
-            </a:pPr>
             <a:r>
               <a:rPr lang="en-GB" sz="2400" i="1" dirty="0"/>
               <a:t>Converted to decimal (from hex)</a:t>
@@ -2969,10 +3157,6 @@
             <a:endParaRPr lang="en-GB" sz="2400" dirty="0"/>
           </a:p>
           <a:p>
-            <a:pPr marL="514350" indent="-514350">
-              <a:buFont typeface="+mj-lt"/>
-              <a:buAutoNum type="arabicPeriod"/>
-            </a:pPr>
             <a:r>
               <a:rPr lang="en-GB" sz="2400" i="1" dirty="0"/>
               <a:t>Find rpm (without unit)</a:t>
@@ -3042,10 +3226,6 @@
             <a:endParaRPr lang="en-GB" sz="2400" b="1" dirty="0"/>
           </a:p>
           <a:p>
-            <a:pPr marL="514350" indent="-514350">
-              <a:buFont typeface="+mj-lt"/>
-              <a:buAutoNum type="arabicPeriod"/>
-            </a:pPr>
             <a:r>
               <a:rPr lang="hr-HR" sz="2400" i="1" dirty="0"/>
               <a:t>Create rpm + decimal place</a:t>
@@ -3093,10 +3273,6 @@
             <a:endParaRPr lang="en-GB" sz="1800" dirty="0"/>
           </a:p>
           <a:p>
-            <a:pPr marL="514350" indent="-514350">
-              <a:buFont typeface="+mj-lt"/>
-              <a:buAutoNum type="arabicPeriod"/>
-            </a:pPr>
             <a:r>
               <a:rPr lang="hr-HR" sz="2400" i="1" dirty="0"/>
               <a:t>Get rpm with unit</a:t>
@@ -3148,7 +3324,7 @@
 </p:sld>
 </file>
 
-<file path=ppt/slides/slide14.xml><?xml version="1.0" encoding="utf-8"?>
+<file path=ppt/slides/slide13.xml><?xml version="1.0" encoding="utf-8"?>
 <p:sld xmlns:a="http://schemas.openxmlformats.org/drawingml/2006/main" xmlns:r="http://schemas.openxmlformats.org/officeDocument/2006/relationships" xmlns:p="http://schemas.openxmlformats.org/presentationml/2006/main">
   <p:cSld>
     <p:spTree>
@@ -3213,6 +3389,356 @@
         <p:spPr>
           <a:xfrm>
             <a:off x="396875" y="1556792"/>
+            <a:ext cx="7772400" cy="4464496"/>
+          </a:xfrm>
+        </p:spPr>
+        <p:txBody>
+          <a:bodyPr/>
+          <a:lstStyle/>
+          <a:p>
+            <a:pPr>
+              <a:buFont typeface="Wingdings" panose="05000000000000000000" pitchFamily="2" charset="2"/>
+              <a:buChar char="q"/>
+            </a:pPr>
+            <a:r>
+              <a:rPr lang="en-US" sz="2000" i="1" dirty="0"/>
+              <a:t>Finding time when reading taken</a:t>
+            </a:r>
+            <a:r>
+              <a:rPr lang="en-US" sz="2000" dirty="0"/>
+              <a:t>: </a:t>
+            </a:r>
+            <a:r>
+              <a:rPr lang="hr-HR" sz="2000" dirty="0"/>
+              <a:t>[(</a:t>
+            </a:r>
+            <a:r>
+              <a:rPr lang="hr-HR" sz="2000" b="1" dirty="0">
+                <a:solidFill>
+                  <a:srgbClr val="C00000"/>
+                </a:solidFill>
+              </a:rPr>
+              <a:t>221.82</a:t>
+            </a:r>
+            <a:r>
+              <a:rPr lang="hr-HR" sz="2000" dirty="0"/>
+              <a:t>, 1),</a:t>
+            </a:r>
+            <a:r>
+              <a:rPr lang="mr-IN" sz="2000" dirty="0"/>
+              <a:t>…</a:t>
+            </a:r>
+            <a:r>
+              <a:rPr lang="en-GB" sz="2000" dirty="0"/>
+              <a:t>]</a:t>
+            </a:r>
+          </a:p>
+          <a:p>
+            <a:pPr lvl="1"/>
+            <a:r>
+              <a:rPr lang="en-US" sz="2000" i="1" dirty="0"/>
+              <a:t>Loop over pairs creating list of times cumulatively adding previous time of measurement</a:t>
+            </a:r>
+          </a:p>
+          <a:p>
+            <a:pPr lvl="2">
+              <a:buFont typeface="Arial" charset="0"/>
+              <a:buChar char="•"/>
+            </a:pPr>
+            <a:r>
+              <a:rPr lang="en-US" sz="2000" dirty="0" err="1"/>
+              <a:t>readings.append</a:t>
+            </a:r>
+            <a:r>
+              <a:rPr lang="en-US" sz="2000" dirty="0"/>
+              <a:t>((float(60/</a:t>
+            </a:r>
+            <a:r>
+              <a:rPr lang="en-US" sz="2000" b="1" dirty="0">
+                <a:solidFill>
+                  <a:srgbClr val="C00000"/>
+                </a:solidFill>
+              </a:rPr>
+              <a:t>k[0]</a:t>
+            </a:r>
+            <a:r>
+              <a:rPr lang="en-US" sz="2000" dirty="0"/>
+              <a:t>)))  </a:t>
+            </a:r>
+            <a:r>
+              <a:rPr lang="en-US" sz="2000" dirty="0">
+                <a:sym typeface="Wingdings"/>
+              </a:rPr>
+              <a:t> </a:t>
+            </a:r>
+            <a:r>
+              <a:rPr lang="en-US" sz="2000" i="1" dirty="0"/>
+              <a:t>returns a time</a:t>
+            </a:r>
+            <a:r>
+              <a:rPr lang="en-US" sz="2000" dirty="0"/>
+              <a:t> </a:t>
+            </a:r>
+            <a:r>
+              <a:rPr lang="en-US" sz="2000" dirty="0">
+                <a:sym typeface="Wingdings"/>
+              </a:rPr>
+              <a:t> </a:t>
+            </a:r>
+            <a:r>
+              <a:rPr lang="en-US" sz="2000" dirty="0"/>
+              <a:t> list(accumulate(readings) </a:t>
+            </a:r>
+            <a:r>
+              <a:rPr lang="en-US" sz="2000" dirty="0">
+                <a:sym typeface="Wingdings"/>
+              </a:rPr>
+              <a:t> </a:t>
+            </a:r>
+            <a:r>
+              <a:rPr lang="en-US" sz="2000" i="1" dirty="0">
+                <a:sym typeface="Wingdings"/>
+              </a:rPr>
+              <a:t>summing them up</a:t>
+            </a:r>
+            <a:endParaRPr lang="en-US" sz="2000" dirty="0">
+              <a:sym typeface="Wingdings"/>
+            </a:endParaRPr>
+          </a:p>
+          <a:p>
+            <a:pPr lvl="2">
+              <a:buFont typeface="Arial" charset="0"/>
+              <a:buChar char="•"/>
+            </a:pPr>
+            <a:r>
+              <a:rPr lang="en-US" sz="2000" dirty="0" err="1"/>
+              <a:t>E.g</a:t>
+            </a:r>
+            <a:r>
+              <a:rPr lang="en-US" sz="2000" dirty="0"/>
+              <a:t> </a:t>
+            </a:r>
+            <a:r>
+              <a:rPr lang="en-US" sz="2000" dirty="0" err="1"/>
+              <a:t>readings.append</a:t>
+            </a:r>
+            <a:r>
+              <a:rPr lang="en-US" sz="2000" dirty="0"/>
+              <a:t>(float(60/221.82)) </a:t>
+            </a:r>
+            <a:r>
+              <a:rPr lang="en-US" sz="2000" dirty="0">
+                <a:sym typeface="Wingdings"/>
+              </a:rPr>
+              <a:t> [0.27,</a:t>
+            </a:r>
+            <a:r>
+              <a:rPr lang="en-GB" sz="2000" dirty="0">
+                <a:sym typeface="Wingdings"/>
+              </a:rPr>
+              <a:t> a, b, c]  [0.27, </a:t>
+            </a:r>
+            <a:r>
+              <a:rPr lang="en-US" sz="2000" dirty="0">
+                <a:sym typeface="Wingdings"/>
+              </a:rPr>
+              <a:t>0.27+a, 0.27+a+b, 0.27+a+b+c, </a:t>
+            </a:r>
+            <a:r>
+              <a:rPr lang="mr-IN" sz="2000" dirty="0">
+                <a:sym typeface="Wingdings"/>
+              </a:rPr>
+              <a:t>…</a:t>
+            </a:r>
+            <a:r>
+              <a:rPr lang="en-GB" sz="2000" dirty="0">
+                <a:sym typeface="Wingdings"/>
+              </a:rPr>
+              <a:t>]</a:t>
+            </a:r>
+            <a:endParaRPr lang="en-GB" sz="2000" dirty="0"/>
+          </a:p>
+          <a:p>
+            <a:r>
+              <a:rPr lang="en-US" sz="2000" i="1" dirty="0"/>
+              <a:t>Find fit parameters</a:t>
+            </a:r>
+            <a:r>
+              <a:rPr lang="en-US" sz="2000" dirty="0"/>
+              <a:t>: </a:t>
+            </a:r>
+            <a:r>
+              <a:rPr lang="en-US" sz="2000" dirty="0" err="1"/>
+              <a:t>params</a:t>
+            </a:r>
+            <a:r>
+              <a:rPr lang="en-US" sz="2000" dirty="0"/>
+              <a:t>, </a:t>
+            </a:r>
+            <a:r>
+              <a:rPr lang="en-US" sz="2000" dirty="0" err="1">
+                <a:solidFill>
+                  <a:srgbClr val="00B0F0"/>
+                </a:solidFill>
+              </a:rPr>
+              <a:t>pcov</a:t>
+            </a:r>
+            <a:r>
+              <a:rPr lang="en-US" sz="2000" dirty="0"/>
+              <a:t> = </a:t>
+            </a:r>
+            <a:r>
+              <a:rPr lang="en-US" sz="2000" dirty="0" err="1"/>
+              <a:t>optimize.curve_fit</a:t>
+            </a:r>
+            <a:r>
+              <a:rPr lang="en-US" sz="2000" dirty="0"/>
+              <a:t>(</a:t>
+            </a:r>
+            <a:r>
+              <a:rPr lang="en-US" sz="2000" dirty="0" err="1"/>
+              <a:t>func</a:t>
+            </a:r>
+            <a:r>
+              <a:rPr lang="en-US" sz="2000" dirty="0"/>
+              <a:t>, time, velocity)</a:t>
+            </a:r>
+          </a:p>
+          <a:p>
+            <a:r>
+              <a:rPr lang="en-US" sz="2000" i="1" dirty="0"/>
+              <a:t>Plot velocity vs time</a:t>
+            </a:r>
+          </a:p>
+          <a:p>
+            <a:r>
+              <a:rPr lang="en-US" sz="2000" i="1" dirty="0"/>
+              <a:t>Error on fit parameters: </a:t>
+            </a:r>
+            <a:r>
+              <a:rPr lang="en-US" sz="2000" dirty="0" err="1"/>
+              <a:t>standard_deviation</a:t>
+            </a:r>
+            <a:r>
+              <a:rPr lang="en-US" sz="2000" dirty="0"/>
+              <a:t> = </a:t>
+            </a:r>
+            <a:r>
+              <a:rPr lang="en-US" sz="2000" dirty="0" err="1"/>
+              <a:t>np.sqrt</a:t>
+            </a:r>
+            <a:r>
+              <a:rPr lang="en-US" sz="2000" dirty="0"/>
+              <a:t>(</a:t>
+            </a:r>
+            <a:r>
+              <a:rPr lang="en-US" sz="2000" dirty="0" err="1"/>
+              <a:t>np.diag</a:t>
+            </a:r>
+            <a:r>
+              <a:rPr lang="en-US" sz="2000" dirty="0"/>
+              <a:t>(</a:t>
+            </a:r>
+            <a:r>
+              <a:rPr lang="en-US" sz="2000" dirty="0" err="1">
+                <a:solidFill>
+                  <a:srgbClr val="00B0F0"/>
+                </a:solidFill>
+              </a:rPr>
+              <a:t>pcov</a:t>
+            </a:r>
+            <a:r>
+              <a:rPr lang="en-US" sz="2000" dirty="0"/>
+              <a:t>))</a:t>
+            </a:r>
+          </a:p>
+          <a:p>
+            <a:endParaRPr lang="en-GB" dirty="0"/>
+          </a:p>
+        </p:txBody>
+      </p:sp>
+    </p:spTree>
+    <p:extLst>
+      <p:ext uri="{BB962C8B-B14F-4D97-AF65-F5344CB8AC3E}">
+        <p14:creationId xmlns:p14="http://schemas.microsoft.com/office/powerpoint/2010/main" val="1346982685"/>
+      </p:ext>
+    </p:extLst>
+  </p:cSld>
+  <p:clrMapOvr>
+    <a:masterClrMapping/>
+  </p:clrMapOvr>
+</p:sld>
+</file>
+
+<file path=ppt/slides/slide14.xml><?xml version="1.0" encoding="utf-8"?>
+<p:sld xmlns:a="http://schemas.openxmlformats.org/drawingml/2006/main" xmlns:r="http://schemas.openxmlformats.org/officeDocument/2006/relationships" xmlns:p="http://schemas.openxmlformats.org/presentationml/2006/main">
+  <p:cSld>
+    <p:spTree>
+      <p:nvGrpSpPr>
+        <p:cNvPr id="1" name=""/>
+        <p:cNvGrpSpPr/>
+        <p:nvPr/>
+      </p:nvGrpSpPr>
+      <p:grpSpPr>
+        <a:xfrm>
+          <a:off x="0" y="0"/>
+          <a:ext cx="0" cy="0"/>
+          <a:chOff x="0" y="0"/>
+          <a:chExt cx="0" cy="0"/>
+        </a:xfrm>
+      </p:grpSpPr>
+      <p:sp>
+        <p:nvSpPr>
+          <p:cNvPr id="2" name="Title 1">
+            <a:extLst>
+              <a:ext uri="{FF2B5EF4-FFF2-40B4-BE49-F238E27FC236}">
+                <a16:creationId xmlns:a16="http://schemas.microsoft.com/office/drawing/2014/main" id="{FB8E9D33-A137-4B30-A956-910E9332E368}"/>
+              </a:ext>
+            </a:extLst>
+          </p:cNvPr>
+          <p:cNvSpPr>
+            <a:spLocks noGrp="1"/>
+          </p:cNvSpPr>
+          <p:nvPr>
+            <p:ph type="title"/>
+          </p:nvPr>
+        </p:nvSpPr>
+        <p:spPr>
+          <a:xfrm>
+            <a:off x="396875" y="476672"/>
+            <a:ext cx="7772400" cy="1143000"/>
+          </a:xfrm>
+        </p:spPr>
+        <p:txBody>
+          <a:bodyPr/>
+          <a:lstStyle/>
+          <a:p>
+            <a:r>
+              <a:rPr lang="en-GB" dirty="0"/>
+              <a:t>Future Developments</a:t>
+            </a:r>
+          </a:p>
+        </p:txBody>
+      </p:sp>
+      <p:sp>
+        <p:nvSpPr>
+          <p:cNvPr id="3" name="Content Placeholder 2">
+            <a:extLst>
+              <a:ext uri="{FF2B5EF4-FFF2-40B4-BE49-F238E27FC236}">
+                <a16:creationId xmlns:a16="http://schemas.microsoft.com/office/drawing/2014/main" id="{08721A7C-3C64-44D4-B50B-30BE60BB241A}"/>
+              </a:ext>
+            </a:extLst>
+          </p:cNvPr>
+          <p:cNvSpPr>
+            <a:spLocks noGrp="1"/>
+          </p:cNvSpPr>
+          <p:nvPr>
+            <p:ph idx="1"/>
+          </p:nvPr>
+        </p:nvSpPr>
+        <p:spPr>
+          <a:xfrm>
+            <a:off x="396875" y="1844824"/>
             <a:ext cx="7772400" cy="3888432"/>
           </a:xfrm>
         </p:spPr>
@@ -3220,279 +3746,36 @@
           <a:bodyPr/>
           <a:lstStyle/>
           <a:p>
-            <a:pPr marL="514350" indent="-514350">
-              <a:buFont typeface="+mj-lt"/>
-              <a:buAutoNum type="arabicPeriod"/>
-            </a:pPr>
-            <a:r>
-              <a:rPr lang="en-US" sz="2000" i="1" dirty="0"/>
-              <a:t>Finding time when reading taken</a:t>
-            </a:r>
-            <a:r>
-              <a:rPr lang="en-US" sz="2000" dirty="0"/>
-              <a:t>: </a:t>
-            </a:r>
-            <a:r>
-              <a:rPr lang="hr-HR" sz="2000" dirty="0"/>
-              <a:t>[(</a:t>
-            </a:r>
-            <a:r>
-              <a:rPr lang="hr-HR" sz="2000" b="1" dirty="0">
-                <a:solidFill>
-                  <a:srgbClr val="C00000"/>
-                </a:solidFill>
-              </a:rPr>
-              <a:t>221.82</a:t>
-            </a:r>
-            <a:r>
-              <a:rPr lang="hr-HR" sz="2000" dirty="0"/>
-              <a:t>, 1),</a:t>
-            </a:r>
-            <a:r>
-              <a:rPr lang="mr-IN" sz="2000" dirty="0"/>
-              <a:t>…</a:t>
-            </a:r>
-            <a:r>
-              <a:rPr lang="en-GB" sz="2000" dirty="0"/>
-              <a:t>]</a:t>
-            </a:r>
-          </a:p>
-          <a:p>
-            <a:pPr lvl="1">
-              <a:buFont typeface="Arial" charset="0"/>
-              <a:buChar char="•"/>
-            </a:pPr>
-            <a:r>
-              <a:rPr lang="en-US" sz="2000" i="1" dirty="0"/>
-              <a:t>Loop over pairs creating list of times cumulatively adding previous time of measurement</a:t>
-            </a:r>
-          </a:p>
-          <a:p>
-            <a:pPr lvl="2">
-              <a:buFont typeface="Arial" charset="0"/>
-              <a:buChar char="•"/>
-            </a:pPr>
-            <a:r>
-              <a:rPr lang="en-US" sz="2000" dirty="0" err="1"/>
-              <a:t>readings.append</a:t>
-            </a:r>
-            <a:r>
-              <a:rPr lang="en-US" sz="2000" dirty="0"/>
-              <a:t>((float(60/</a:t>
-            </a:r>
-            <a:r>
-              <a:rPr lang="en-US" sz="2000" b="1" dirty="0">
-                <a:solidFill>
-                  <a:srgbClr val="C00000"/>
-                </a:solidFill>
-              </a:rPr>
-              <a:t>k[0]</a:t>
-            </a:r>
-            <a:r>
-              <a:rPr lang="en-US" sz="2000" dirty="0"/>
-              <a:t>)))  </a:t>
-            </a:r>
-            <a:r>
-              <a:rPr lang="en-US" sz="2000" dirty="0">
-                <a:sym typeface="Wingdings"/>
-              </a:rPr>
-              <a:t> </a:t>
-            </a:r>
-            <a:r>
-              <a:rPr lang="en-US" sz="2000" i="1" dirty="0"/>
-              <a:t>returns a time</a:t>
-            </a:r>
-            <a:r>
-              <a:rPr lang="en-US" sz="2000" dirty="0"/>
-              <a:t> </a:t>
-            </a:r>
-            <a:r>
-              <a:rPr lang="en-US" sz="2000" dirty="0">
-                <a:sym typeface="Wingdings"/>
-              </a:rPr>
-              <a:t> </a:t>
-            </a:r>
-            <a:r>
-              <a:rPr lang="en-US" sz="2000" dirty="0"/>
-              <a:t> list(accumulate(readings) </a:t>
-            </a:r>
-            <a:r>
-              <a:rPr lang="en-US" sz="2000" dirty="0">
-                <a:sym typeface="Wingdings"/>
-              </a:rPr>
-              <a:t> </a:t>
-            </a:r>
-            <a:r>
-              <a:rPr lang="en-US" sz="2000" i="1" dirty="0">
-                <a:sym typeface="Wingdings"/>
-              </a:rPr>
-              <a:t>summing them up</a:t>
-            </a:r>
-            <a:endParaRPr lang="en-US" sz="2000" dirty="0">
-              <a:sym typeface="Wingdings"/>
-            </a:endParaRPr>
-          </a:p>
-          <a:p>
-            <a:pPr lvl="2">
-              <a:buFont typeface="Arial" charset="0"/>
-              <a:buChar char="•"/>
-            </a:pPr>
-            <a:r>
-              <a:rPr lang="en-US" sz="2000" dirty="0" err="1"/>
-              <a:t>E.g</a:t>
-            </a:r>
-            <a:r>
-              <a:rPr lang="en-US" sz="2000" dirty="0"/>
-              <a:t> </a:t>
-            </a:r>
-            <a:r>
-              <a:rPr lang="en-US" sz="2000" dirty="0" err="1"/>
-              <a:t>readings.append</a:t>
-            </a:r>
-            <a:r>
-              <a:rPr lang="en-US" sz="2000" dirty="0"/>
-              <a:t>(float(60/221.82)) </a:t>
-            </a:r>
-            <a:r>
-              <a:rPr lang="en-US" sz="2000" dirty="0">
-                <a:sym typeface="Wingdings"/>
-              </a:rPr>
-              <a:t> [0.27,</a:t>
-            </a:r>
-            <a:r>
-              <a:rPr lang="en-GB" sz="2000" dirty="0">
-                <a:sym typeface="Wingdings"/>
-              </a:rPr>
-              <a:t> a, b, c]  [0.27, </a:t>
-            </a:r>
-            <a:r>
-              <a:rPr lang="en-US" sz="2000" dirty="0">
-                <a:sym typeface="Wingdings"/>
-              </a:rPr>
-              <a:t>0.27+a, 0.27+a+b, 0.27+a+b+c, </a:t>
-            </a:r>
-            <a:r>
-              <a:rPr lang="mr-IN" sz="2000" dirty="0">
-                <a:sym typeface="Wingdings"/>
-              </a:rPr>
-              <a:t>…</a:t>
-            </a:r>
-            <a:r>
-              <a:rPr lang="en-GB" sz="2000" dirty="0">
-                <a:sym typeface="Wingdings"/>
-              </a:rPr>
-              <a:t>]</a:t>
-            </a:r>
-            <a:endParaRPr lang="en-GB" sz="2000" dirty="0"/>
-          </a:p>
-          <a:p>
-            <a:pPr marL="514350" indent="-514350">
-              <a:buFont typeface="+mj-lt"/>
-              <a:buAutoNum type="arabicPeriod"/>
-            </a:pPr>
-            <a:r>
-              <a:rPr lang="en-US" sz="2000" i="1" dirty="0"/>
-              <a:t>Use an arbitrary fit function</a:t>
-            </a:r>
-            <a:r>
-              <a:rPr lang="en-US" sz="2000" dirty="0"/>
-              <a:t>: </a:t>
-            </a:r>
-            <a:r>
-              <a:rPr lang="en-US" sz="2000" dirty="0" err="1"/>
-              <a:t>params</a:t>
-            </a:r>
-            <a:r>
-              <a:rPr lang="en-US" sz="2000" dirty="0"/>
-              <a:t>, </a:t>
-            </a:r>
-            <a:r>
-              <a:rPr lang="en-US" sz="2000" dirty="0" err="1">
-                <a:solidFill>
-                  <a:schemeClr val="accent3">
-                    <a:lumMod val="75000"/>
-                  </a:schemeClr>
-                </a:solidFill>
-              </a:rPr>
-              <a:t>pcov</a:t>
-            </a:r>
-            <a:r>
-              <a:rPr lang="en-US" sz="2000" dirty="0"/>
-              <a:t> = </a:t>
-            </a:r>
-            <a:r>
-              <a:rPr lang="en-US" sz="2000" dirty="0" err="1"/>
-              <a:t>optimize.curve_fit</a:t>
-            </a:r>
-            <a:r>
-              <a:rPr lang="en-US" sz="2000" dirty="0"/>
-              <a:t>(</a:t>
-            </a:r>
-            <a:r>
-              <a:rPr lang="en-US" sz="2000" dirty="0" err="1"/>
-              <a:t>func</a:t>
-            </a:r>
-            <a:r>
-              <a:rPr lang="en-US" sz="2000" dirty="0"/>
-              <a:t>, time, velocity)</a:t>
-            </a:r>
-          </a:p>
-          <a:p>
-            <a:pPr marL="514350" indent="-514350">
-              <a:buFont typeface="+mj-lt"/>
-              <a:buAutoNum type="arabicPeriod"/>
-            </a:pPr>
-            <a:r>
-              <a:rPr lang="en-US" sz="2000" i="1" dirty="0"/>
-              <a:t>Plot velocity vs time</a:t>
-            </a:r>
-          </a:p>
-          <a:p>
-            <a:pPr marL="514350" indent="-514350">
-              <a:buFont typeface="+mj-lt"/>
-              <a:buAutoNum type="arabicPeriod"/>
-            </a:pPr>
-            <a:r>
-              <a:rPr lang="en-US" sz="2000" i="1" dirty="0"/>
-              <a:t>Extract fit parameters: </a:t>
-            </a:r>
-            <a:r>
-              <a:rPr lang="en-US" sz="2000" dirty="0" err="1"/>
-              <a:t>standard_deviation</a:t>
-            </a:r>
-            <a:r>
-              <a:rPr lang="en-US" sz="2000" dirty="0"/>
-              <a:t> = </a:t>
-            </a:r>
-            <a:r>
-              <a:rPr lang="en-US" sz="2000" dirty="0" err="1"/>
-              <a:t>np.sqrt</a:t>
-            </a:r>
-            <a:r>
-              <a:rPr lang="en-US" sz="2000" dirty="0"/>
-              <a:t>(</a:t>
-            </a:r>
-            <a:r>
-              <a:rPr lang="en-US" sz="2000" dirty="0" err="1"/>
-              <a:t>np.diag</a:t>
-            </a:r>
-            <a:r>
-              <a:rPr lang="en-US" sz="2000" dirty="0"/>
-              <a:t>(</a:t>
-            </a:r>
-            <a:r>
-              <a:rPr lang="en-US" sz="2000" dirty="0" err="1">
-                <a:solidFill>
-                  <a:schemeClr val="accent3">
-                    <a:lumMod val="75000"/>
-                  </a:schemeClr>
-                </a:solidFill>
-              </a:rPr>
-              <a:t>pcov</a:t>
-            </a:r>
-            <a:r>
-              <a:rPr lang="en-US" sz="2000" dirty="0"/>
-              <a:t>))</a:t>
+            <a:r>
+              <a:rPr lang="en-GB" sz="2400" dirty="0"/>
+              <a:t>Motor currently being fitted in workshop</a:t>
+            </a:r>
+          </a:p>
+          <a:p>
+            <a:endParaRPr lang="en-GB" sz="2400" dirty="0"/>
+          </a:p>
+          <a:p>
+            <a:r>
+              <a:rPr lang="en-GB" sz="2400" dirty="0"/>
+              <a:t>Magnet analysis and attachment</a:t>
+            </a:r>
+          </a:p>
+          <a:p>
+            <a:endParaRPr lang="en-GB" sz="2400" dirty="0"/>
+          </a:p>
+          <a:p>
+            <a:r>
+              <a:rPr lang="en-GB" sz="2400" dirty="0"/>
+              <a:t>Weeks 9-10: testing</a:t>
+            </a:r>
+          </a:p>
+          <a:p>
+            <a:endParaRPr lang="en-GB" sz="2400" dirty="0"/>
+          </a:p>
+          <a:p>
+            <a:r>
+              <a:rPr lang="en-GB" sz="2400" dirty="0"/>
+              <a:t>Finishing and report writing</a:t>
             </a:r>
           </a:p>
           <a:p>
@@ -3503,7 +3786,7 @@
     </p:spTree>
     <p:extLst>
       <p:ext uri="{BB962C8B-B14F-4D97-AF65-F5344CB8AC3E}">
-        <p14:creationId xmlns:p14="http://schemas.microsoft.com/office/powerpoint/2010/main" val="1346982685"/>
+        <p14:creationId xmlns:p14="http://schemas.microsoft.com/office/powerpoint/2010/main" val="1469316267"/>
       </p:ext>
     </p:extLst>
   </p:cSld>
@@ -3596,21 +3879,25 @@
           <a:p>
             <a:r>
               <a:rPr lang="en-GB" dirty="0"/>
-              <a:t>Plans</a:t>
-            </a:r>
-          </a:p>
-          <a:p>
-            <a:pPr lvl="1"/>
+              <a:t>Design and feasibility</a:t>
+            </a:r>
+          </a:p>
+          <a:p>
+            <a:endParaRPr lang="en-GB" dirty="0"/>
+          </a:p>
+          <a:p>
             <a:r>
               <a:rPr lang="en-GB" dirty="0"/>
-              <a:t>Magnet attachment</a:t>
-            </a:r>
-          </a:p>
-          <a:p>
-            <a:pPr lvl="1"/>
+              <a:t>Data capture</a:t>
+            </a:r>
+          </a:p>
+          <a:p>
+            <a:endParaRPr lang="en-GB" dirty="0"/>
+          </a:p>
+          <a:p>
             <a:r>
               <a:rPr lang="en-GB" dirty="0"/>
-              <a:t>Results to be taken then analysis</a:t>
+              <a:t>Future developments</a:t>
             </a:r>
           </a:p>
         </p:txBody>
@@ -3663,7 +3950,7 @@
         </p:nvSpPr>
         <p:spPr>
           <a:xfrm>
-            <a:off x="396875" y="1124744"/>
+            <a:off x="396875" y="980728"/>
             <a:ext cx="7772400" cy="4824536"/>
           </a:xfrm>
         </p:spPr>
@@ -3726,6 +4013,12 @@
             <a:r>
               <a:rPr lang="en-GB" sz="2000" dirty="0"/>
               <a:t> international edition, Young, Freedman and Ford, 2016, Pearson, pages 328-330.</a:t>
+            </a:r>
+          </a:p>
+          <a:p>
+            <a:r>
+              <a:rPr lang="en-GB" sz="2000" dirty="0"/>
+              <a:t>Michael Orgill</a:t>
             </a:r>
           </a:p>
           <a:p>
@@ -3817,7 +4110,7 @@
         </p:nvSpPr>
         <p:spPr>
           <a:xfrm>
-            <a:off x="396875" y="476250"/>
+            <a:off x="396875" y="332656"/>
             <a:ext cx="7772400" cy="1143000"/>
           </a:xfrm>
         </p:spPr>
@@ -3855,7 +4148,7 @@
         </p:nvSpPr>
         <p:spPr>
           <a:xfrm>
-            <a:off x="396875" y="1844675"/>
+            <a:off x="396875" y="1556792"/>
             <a:ext cx="7772400" cy="3887788"/>
           </a:xfrm>
         </p:spPr>
@@ -3864,66 +4157,84 @@
           <a:lstStyle/>
           <a:p>
             <a:r>
-              <a:rPr lang="en-GB" sz="2400" dirty="0"/>
+              <a:rPr lang="en-GB" sz="2000" dirty="0"/>
               <a:t>Drive</a:t>
             </a:r>
             <a:r>
-              <a:rPr lang="en-GB" sz="2400" b="1" dirty="0"/>
+              <a:rPr lang="en-GB" sz="2000" b="1" dirty="0"/>
               <a:t> </a:t>
             </a:r>
             <a:r>
-              <a:rPr lang="en-GB" sz="2400" dirty="0"/>
+              <a:rPr lang="en-GB" sz="2000" dirty="0"/>
               <a:t>a</a:t>
             </a:r>
             <a:r>
-              <a:rPr lang="en-GB" sz="2400" b="1" dirty="0"/>
+              <a:rPr lang="en-GB" sz="2000" b="1" dirty="0"/>
               <a:t> </a:t>
             </a:r>
             <a:r>
-              <a:rPr lang="en-GB" sz="2400" dirty="0"/>
+              <a:rPr lang="en-GB" sz="2000" dirty="0"/>
               <a:t>gyroscope</a:t>
             </a:r>
             <a:r>
-              <a:rPr lang="en-GB" sz="2400" b="1" dirty="0"/>
+              <a:rPr lang="en-GB" sz="2000" b="1" dirty="0"/>
               <a:t> </a:t>
             </a:r>
             <a:r>
-              <a:rPr lang="en-GB" sz="2400" dirty="0"/>
+              <a:rPr lang="en-GB" sz="2000" dirty="0"/>
               <a:t>using</a:t>
             </a:r>
             <a:r>
-              <a:rPr lang="en-GB" sz="2400" b="1" dirty="0"/>
+              <a:rPr lang="en-GB" sz="2000" b="1" dirty="0"/>
               <a:t> </a:t>
             </a:r>
             <a:r>
-              <a:rPr lang="en-GB" sz="2400" dirty="0"/>
+              <a:rPr lang="en-GB" sz="2000" dirty="0"/>
               <a:t>a</a:t>
             </a:r>
             <a:r>
-              <a:rPr lang="en-GB" sz="2400" b="1" dirty="0"/>
+              <a:rPr lang="en-GB" sz="2000" b="1" dirty="0"/>
               <a:t> </a:t>
             </a:r>
             <a:r>
-              <a:rPr lang="en-GB" sz="2400" dirty="0"/>
+              <a:rPr lang="en-GB" sz="2000" dirty="0"/>
               <a:t>motor</a:t>
             </a:r>
           </a:p>
           <a:p>
-            <a:r>
-              <a:rPr lang="en-GB" sz="2400" dirty="0"/>
+            <a:endParaRPr lang="en-GB" sz="2000" dirty="0"/>
+          </a:p>
+          <a:p>
+            <a:r>
+              <a:rPr lang="en-GB" sz="2000" dirty="0"/>
               <a:t>Produce a torque with electromagnetism causing the gyroscope to process</a:t>
             </a:r>
           </a:p>
           <a:p>
-            <a:r>
-              <a:rPr lang="en-GB" sz="2400" dirty="0"/>
+            <a:endParaRPr lang="en-GB" sz="2000" dirty="0"/>
+          </a:p>
+          <a:p>
+            <a:r>
+              <a:rPr lang="en-GB" sz="2000" dirty="0"/>
               <a:t>Measure the angular velocity of the rotation and procession</a:t>
             </a:r>
           </a:p>
           <a:p>
-            <a:r>
-              <a:rPr lang="en-GB" sz="2400" dirty="0"/>
+            <a:endParaRPr lang="en-GB" sz="2000" dirty="0"/>
+          </a:p>
+          <a:p>
+            <a:r>
+              <a:rPr lang="en-GB" sz="2000" dirty="0"/>
               <a:t>Analyse the accuracy of the gyroscope as a model for the cold atom with the Bloch sphere model.</a:t>
+            </a:r>
+          </a:p>
+          <a:p>
+            <a:endParaRPr lang="en-GB" sz="2000" dirty="0"/>
+          </a:p>
+          <a:p>
+            <a:r>
+              <a:rPr lang="en-GB" sz="2000" dirty="0"/>
+              <a:t>Measure the strength of an external magnetic field</a:t>
             </a:r>
           </a:p>
           <a:p>
@@ -3991,7 +4302,7 @@
           <a:p>
             <a:r>
               <a:rPr lang="en-GB" sz="3600" b="1" dirty="0"/>
-              <a:t>Theory – Blotch Sphere as a Cold Atom</a:t>
+              <a:t>Theory – Bloch Sphere as a Cold Atom</a:t>
             </a:r>
             <a:endParaRPr lang="en-GB" sz="3600" dirty="0"/>
           </a:p>
@@ -4016,7 +4327,7 @@
         <p:spPr>
           <a:xfrm>
             <a:off x="396875" y="1628800"/>
-            <a:ext cx="7772400" cy="3888432"/>
+            <a:ext cx="7772400" cy="4292898"/>
           </a:xfrm>
         </p:spPr>
         <p:txBody>
@@ -4034,7 +4345,7 @@
           <a:p>
             <a:r>
               <a:rPr lang="en-GB" sz="2000" dirty="0"/>
-              <a:t>A cold atom can be represented by the Blotch Sphere model</a:t>
+              <a:t>A cold atom can be represented by the Bloch Sphere model</a:t>
             </a:r>
           </a:p>
           <a:p>
@@ -4043,7 +4354,7 @@
           <a:p>
             <a:r>
               <a:rPr lang="en-GB" sz="2000" dirty="0"/>
-              <a:t>A Blotch Sphere is a geometrical representation of a two state quantum mechanical system.</a:t>
+              <a:t>A Bloch Sphere is a geometrical representation of a two state quantum mechanical system.</a:t>
             </a:r>
           </a:p>
           <a:p>
@@ -4085,8 +4396,8 @@
         </p:nvSpPr>
         <p:spPr>
           <a:xfrm>
-            <a:off x="5288955" y="936302"/>
-            <a:ext cx="2880320" cy="1384995"/>
+            <a:off x="5288954" y="936302"/>
+            <a:ext cx="3603525" cy="1200329"/>
           </a:xfrm>
           <a:prstGeom prst="rect">
             <a:avLst/>
@@ -4100,12 +4411,93 @@
           <a:lstStyle/>
           <a:p>
             <a:r>
-              <a:rPr lang="en-GB" dirty="0">
+              <a:rPr lang="en-GB" sz="2400" dirty="0">
                 <a:solidFill>
                   <a:srgbClr val="FF0000"/>
                 </a:solidFill>
               </a:rPr>
-              <a:t>Equations of cold atom? (in Gibbons)</a:t>
+              <a:t>Sort reference, make more concise, </a:t>
+            </a:r>
+            <a:r>
+              <a:rPr lang="en-GB" sz="2400" dirty="0" err="1">
+                <a:solidFill>
+                  <a:srgbClr val="FF0000"/>
+                </a:solidFill>
+              </a:rPr>
+              <a:t>bloch</a:t>
+            </a:r>
+            <a:r>
+              <a:rPr lang="en-GB" sz="2400" dirty="0">
+                <a:solidFill>
+                  <a:srgbClr val="FF0000"/>
+                </a:solidFill>
+              </a:rPr>
+              <a:t> sphere pic Ed’s [5]</a:t>
+            </a:r>
+          </a:p>
+        </p:txBody>
+      </p:sp>
+      <p:sp>
+        <p:nvSpPr>
+          <p:cNvPr id="6" name="TextBox 5">
+            <a:extLst>
+              <a:ext uri="{FF2B5EF4-FFF2-40B4-BE49-F238E27FC236}">
+                <a16:creationId xmlns:a16="http://schemas.microsoft.com/office/drawing/2014/main" id="{1DEB912A-62B2-493B-896E-909F893B4A5F}"/>
+              </a:ext>
+            </a:extLst>
+          </p:cNvPr>
+          <p:cNvSpPr txBox="1"/>
+          <p:nvPr/>
+        </p:nvSpPr>
+        <p:spPr>
+          <a:xfrm>
+            <a:off x="3779912" y="5921698"/>
+            <a:ext cx="5256584" cy="954107"/>
+          </a:xfrm>
+          <a:prstGeom prst="rect">
+            <a:avLst/>
+          </a:prstGeom>
+          <a:noFill/>
+        </p:spPr>
+        <p:txBody>
+          <a:bodyPr wrap="square" rtlCol="0">
+            <a:spAutoFit/>
+          </a:bodyPr>
+          <a:lstStyle/>
+          <a:p>
+            <a:r>
+              <a:rPr lang="en-GB" sz="1400" b="0" dirty="0">
+                <a:solidFill>
+                  <a:schemeClr val="bg1"/>
+                </a:solidFill>
+              </a:rPr>
+              <a:t>Project suggestion, Birmingham University School of Physics and Astronomy.</a:t>
+            </a:r>
+          </a:p>
+          <a:p>
+            <a:r>
+              <a:rPr lang="en-GB" sz="1400" b="0" dirty="0">
+                <a:solidFill>
+                  <a:schemeClr val="bg1"/>
+                </a:solidFill>
+              </a:rPr>
+              <a:t>Bloch, Felix (Oct 1946). "Nuclear induction". </a:t>
+            </a:r>
+            <a:r>
+              <a:rPr lang="en-GB" sz="1400" b="0" i="1" dirty="0">
+                <a:solidFill>
+                  <a:schemeClr val="bg1"/>
+                </a:solidFill>
+              </a:rPr>
+              <a:t>Phys. Rev</a:t>
+            </a:r>
+            <a:r>
+              <a:rPr lang="en-GB" sz="1400" b="0" dirty="0">
+                <a:solidFill>
+                  <a:schemeClr val="bg1"/>
+                </a:solidFill>
+              </a:rPr>
+              <a:t>. 70 (7-8): 460–474.</a:t>
             </a:r>
           </a:p>
         </p:txBody>
@@ -4168,8 +4560,8 @@
           </a:p>
         </p:txBody>
       </p:sp>
-      <mc:AlternateContent xmlns:mc="http://schemas.openxmlformats.org/markup-compatibility/2006" xmlns:a14="http://schemas.microsoft.com/office/drawing/2010/main">
-        <mc:Choice Requires="a14">
+      <mc:AlternateContent xmlns:mc="http://schemas.openxmlformats.org/markup-compatibility/2006">
+        <mc:Choice xmlns:a14="http://schemas.microsoft.com/office/drawing/2010/main" Requires="a14">
           <p:sp>
             <p:nvSpPr>
               <p:cNvPr id="3" name="Content Placeholder 2">
@@ -4398,7 +4790,7 @@
             </p:txBody>
           </p:sp>
         </mc:Choice>
-        <mc:Fallback xmlns="">
+        <mc:Fallback>
           <p:sp>
             <p:nvSpPr>
               <p:cNvPr id="3" name="Content Placeholder 2">
@@ -4438,48 +4830,121 @@
           </p:sp>
         </mc:Fallback>
       </mc:AlternateContent>
-      <p:pic>
-        <p:nvPicPr>
-          <p:cNvPr id="9" name="Picture 8">
+      <p:grpSp>
+        <p:nvGrpSpPr>
+          <p:cNvPr id="7" name="Group 6">
             <a:extLst>
               <a:ext uri="{FF2B5EF4-FFF2-40B4-BE49-F238E27FC236}">
-                <a16:creationId xmlns:a16="http://schemas.microsoft.com/office/drawing/2014/main" id="{3C5FC913-4E49-4B37-9C15-1753ABB55B22}"/>
+                <a16:creationId xmlns:a16="http://schemas.microsoft.com/office/drawing/2014/main" id="{6F6573D4-FB37-475E-B090-55A7BC89C321}"/>
               </a:ext>
             </a:extLst>
           </p:cNvPr>
-          <p:cNvPicPr>
-            <a:picLocks noChangeAspect="1"/>
-          </p:cNvPicPr>
+          <p:cNvGrpSpPr/>
           <p:nvPr/>
-        </p:nvPicPr>
-        <p:blipFill>
-          <a:blip r:embed="rId3">
-            <a:extLst>
-              <a:ext uri="{28A0092B-C50C-407E-A947-70E740481C1C}">
-                <a14:useLocalDpi xmlns:a14="http://schemas.microsoft.com/office/drawing/2010/main" val="0"/>
-              </a:ext>
-            </a:extLst>
-          </a:blip>
-          <a:stretch>
-            <a:fillRect/>
-          </a:stretch>
-        </p:blipFill>
-        <p:spPr>
+        </p:nvGrpSpPr>
+        <p:grpSpPr>
           <a:xfrm>
-            <a:off x="4759220" y="2182096"/>
-            <a:ext cx="3987905" cy="3348776"/>
+            <a:off x="4756164" y="2184519"/>
+            <a:ext cx="3990961" cy="3749306"/>
+            <a:chOff x="4756164" y="2184519"/>
+            <a:chExt cx="3990961" cy="3749306"/>
           </a:xfrm>
-          <a:prstGeom prst="rect">
-            <a:avLst/>
-          </a:prstGeom>
-        </p:spPr>
-      </p:pic>
+        </p:grpSpPr>
+        <p:pic>
+          <p:nvPicPr>
+            <p:cNvPr id="9" name="Picture 8">
+              <a:extLst>
+                <a:ext uri="{FF2B5EF4-FFF2-40B4-BE49-F238E27FC236}">
+                  <a16:creationId xmlns:a16="http://schemas.microsoft.com/office/drawing/2014/main" id="{3C5FC913-4E49-4B37-9C15-1753ABB55B22}"/>
+                </a:ext>
+              </a:extLst>
+            </p:cNvPr>
+            <p:cNvPicPr>
+              <a:picLocks noChangeAspect="1"/>
+            </p:cNvPicPr>
+            <p:nvPr/>
+          </p:nvPicPr>
+          <p:blipFill>
+            <a:blip r:embed="rId3">
+              <a:extLst>
+                <a:ext uri="{28A0092B-C50C-407E-A947-70E740481C1C}">
+                  <a14:useLocalDpi xmlns:a14="http://schemas.microsoft.com/office/drawing/2010/main" val="0"/>
+                </a:ext>
+              </a:extLst>
+            </a:blip>
+            <a:stretch>
+              <a:fillRect/>
+            </a:stretch>
+          </p:blipFill>
+          <p:spPr>
+            <a:xfrm>
+              <a:off x="4759220" y="2184519"/>
+              <a:ext cx="3987905" cy="3348776"/>
+            </a:xfrm>
+            <a:prstGeom prst="rect">
+              <a:avLst/>
+            </a:prstGeom>
+          </p:spPr>
+        </p:pic>
+        <p:sp>
+          <p:nvSpPr>
+            <p:cNvPr id="10" name="TextBox 9">
+              <a:extLst>
+                <a:ext uri="{FF2B5EF4-FFF2-40B4-BE49-F238E27FC236}">
+                  <a16:creationId xmlns:a16="http://schemas.microsoft.com/office/drawing/2014/main" id="{750BF8A4-EA92-4C02-B62B-9C220D81A9AC}"/>
+                </a:ext>
+              </a:extLst>
+            </p:cNvPr>
+            <p:cNvSpPr txBox="1"/>
+            <p:nvPr/>
+          </p:nvSpPr>
+          <p:spPr>
+            <a:xfrm>
+              <a:off x="4756164" y="5533715"/>
+              <a:ext cx="2664296" cy="400110"/>
+            </a:xfrm>
+            <a:prstGeom prst="rect">
+              <a:avLst/>
+            </a:prstGeom>
+            <a:noFill/>
+          </p:spPr>
+          <p:txBody>
+            <a:bodyPr wrap="square" rtlCol="0">
+              <a:spAutoFit/>
+            </a:bodyPr>
+            <a:lstStyle/>
+            <a:p>
+              <a:r>
+                <a:rPr lang="en-GB" sz="2000" b="0" dirty="0">
+                  <a:solidFill>
+                    <a:schemeClr val="bg1"/>
+                  </a:solidFill>
+                </a:rPr>
+                <a:t>Credit: </a:t>
+              </a:r>
+              <a:r>
+                <a:rPr lang="en-GB" sz="2000" b="0" dirty="0" err="1">
+                  <a:solidFill>
+                    <a:schemeClr val="bg1"/>
+                  </a:solidFill>
+                </a:rPr>
+                <a:t>hyperphysics</a:t>
+              </a:r>
+              <a:endParaRPr lang="en-GB" sz="2000" b="0" dirty="0">
+                <a:solidFill>
+                  <a:schemeClr val="bg1"/>
+                </a:solidFill>
+              </a:endParaRPr>
+            </a:p>
+          </p:txBody>
+        </p:sp>
+      </p:grpSp>
       <p:sp>
         <p:nvSpPr>
-          <p:cNvPr id="10" name="TextBox 9">
+          <p:cNvPr id="6" name="TextBox 5">
             <a:extLst>
               <a:ext uri="{FF2B5EF4-FFF2-40B4-BE49-F238E27FC236}">
-                <a16:creationId xmlns:a16="http://schemas.microsoft.com/office/drawing/2014/main" id="{750BF8A4-EA92-4C02-B62B-9C220D81A9AC}"/>
+                <a16:creationId xmlns:a16="http://schemas.microsoft.com/office/drawing/2014/main" id="{E5590BDC-BB5D-4A2D-856D-CFEC43A08A5A}"/>
               </a:ext>
             </a:extLst>
           </p:cNvPr>
@@ -4488,8 +4953,8 @@
         </p:nvSpPr>
         <p:spPr>
           <a:xfrm>
-            <a:off x="4759220" y="5634393"/>
-            <a:ext cx="2664296" cy="400110"/>
+            <a:off x="3638744" y="6298103"/>
+            <a:ext cx="5472608" cy="1200329"/>
           </a:xfrm>
           <a:prstGeom prst="rect">
             <a:avLst/>
@@ -4503,26 +4968,23 @@
           <a:lstStyle/>
           <a:p>
             <a:r>
-              <a:rPr lang="en-GB" sz="2000" b="0" dirty="0">
+              <a:rPr lang="en-GB" sz="1200" b="0" dirty="0">
                 <a:solidFill>
                   <a:schemeClr val="bg1"/>
                 </a:solidFill>
               </a:rPr>
-              <a:t>Credit: </a:t>
-            </a:r>
-            <a:r>
-              <a:rPr lang="en-GB" sz="2000" b="0" dirty="0" err="1">
-                <a:solidFill>
-                  <a:schemeClr val="bg1"/>
-                </a:solidFill>
-              </a:rPr>
-              <a:t>hyperphysics</a:t>
-            </a:r>
-            <a:endParaRPr lang="en-GB" sz="2000" b="0" dirty="0">
+              <a:t>University Physics with modern physics, Young, Freedman and Ford, pages 328-330. </a:t>
+            </a:r>
+          </a:p>
+          <a:p>
+            <a:endParaRPr lang="en-GB" sz="2000" dirty="0">
               <a:solidFill>
                 <a:schemeClr val="bg1"/>
               </a:solidFill>
             </a:endParaRPr>
+          </a:p>
+          <a:p>
+            <a:endParaRPr lang="en-GB" dirty="0"/>
           </a:p>
         </p:txBody>
       </p:sp>
@@ -4574,7 +5036,7 @@
         </p:nvSpPr>
         <p:spPr>
           <a:xfrm>
-            <a:off x="396875" y="476672"/>
+            <a:off x="396875" y="260648"/>
             <a:ext cx="7772400" cy="1143000"/>
           </a:xfrm>
         </p:spPr>
@@ -4584,7 +5046,7 @@
           <a:p>
             <a:r>
               <a:rPr lang="en-GB" b="1" dirty="0"/>
-              <a:t>So far</a:t>
+              <a:t>Progress</a:t>
             </a:r>
             <a:endParaRPr lang="en-GB" dirty="0"/>
           </a:p>
@@ -4608,7 +5070,7 @@
         </p:nvSpPr>
         <p:spPr>
           <a:xfrm>
-            <a:off x="396875" y="1844824"/>
+            <a:off x="396875" y="1635696"/>
             <a:ext cx="7772400" cy="3888432"/>
           </a:xfrm>
         </p:spPr>
@@ -4617,75 +5079,57 @@
           <a:lstStyle/>
           <a:p>
             <a:r>
-              <a:rPr lang="en-GB" sz="2400" dirty="0"/>
+              <a:rPr lang="en-GB" sz="2000" dirty="0"/>
               <a:t>Research and design of Faraday Disk</a:t>
             </a:r>
           </a:p>
           <a:p>
-            <a:r>
-              <a:rPr lang="en-GB" sz="2400" dirty="0"/>
+            <a:endParaRPr lang="en-GB" sz="2000" dirty="0"/>
+          </a:p>
+          <a:p>
+            <a:r>
+              <a:rPr lang="en-GB" sz="2000" dirty="0"/>
+              <a:t>Feasibility study</a:t>
+            </a:r>
+          </a:p>
+          <a:p>
+            <a:endParaRPr lang="en-GB" sz="2000" dirty="0"/>
+          </a:p>
+          <a:p>
+            <a:r>
+              <a:rPr lang="en-GB" sz="2000" dirty="0"/>
               <a:t>Redesign and proposal</a:t>
             </a:r>
           </a:p>
           <a:p>
-            <a:r>
-              <a:rPr lang="en-GB" sz="2400" dirty="0"/>
+            <a:endParaRPr lang="en-GB" sz="2000" dirty="0"/>
+          </a:p>
+          <a:p>
+            <a:r>
+              <a:rPr lang="en-GB" sz="2000" dirty="0"/>
               <a:t>Motor design</a:t>
             </a:r>
           </a:p>
           <a:p>
-            <a:r>
-              <a:rPr lang="en-GB" sz="2400" dirty="0"/>
-              <a:t>Code being written to interpret results from the tachometer</a:t>
-            </a:r>
-          </a:p>
-          <a:p>
-            <a:r>
-              <a:rPr lang="en-GB" sz="2400" dirty="0"/>
+            <a:endParaRPr lang="en-GB" sz="2000" dirty="0"/>
+          </a:p>
+          <a:p>
+            <a:r>
+              <a:rPr lang="en-GB" sz="2000" dirty="0"/>
+              <a:t>Writing code</a:t>
+            </a:r>
+          </a:p>
+          <a:p>
+            <a:endParaRPr lang="en-GB" sz="2000" dirty="0"/>
+          </a:p>
+          <a:p>
+            <a:r>
+              <a:rPr lang="en-GB" sz="2000" dirty="0"/>
               <a:t>Magnet analysis</a:t>
             </a:r>
           </a:p>
           <a:p>
             <a:endParaRPr lang="en-GB" dirty="0"/>
-          </a:p>
-        </p:txBody>
-      </p:sp>
-      <p:sp>
-        <p:nvSpPr>
-          <p:cNvPr id="4" name="TextBox 3">
-            <a:extLst>
-              <a:ext uri="{FF2B5EF4-FFF2-40B4-BE49-F238E27FC236}">
-                <a16:creationId xmlns:a16="http://schemas.microsoft.com/office/drawing/2014/main" id="{DC30615B-CA85-4204-BED1-1494B813AAB7}"/>
-              </a:ext>
-            </a:extLst>
-          </p:cNvPr>
-          <p:cNvSpPr txBox="1"/>
-          <p:nvPr/>
-        </p:nvSpPr>
-        <p:spPr>
-          <a:xfrm>
-            <a:off x="3851920" y="908720"/>
-            <a:ext cx="3168352" cy="523220"/>
-          </a:xfrm>
-          <a:prstGeom prst="rect">
-            <a:avLst/>
-          </a:prstGeom>
-          <a:noFill/>
-        </p:spPr>
-        <p:txBody>
-          <a:bodyPr wrap="square" rtlCol="0">
-            <a:spAutoFit/>
-          </a:bodyPr>
-          <a:lstStyle/>
-          <a:p>
-            <a:r>
-              <a:rPr lang="en-GB" dirty="0">
-                <a:solidFill>
-                  <a:srgbClr val="FF0000"/>
-                </a:solidFill>
-              </a:rPr>
-              <a:t>Better title</a:t>
-            </a:r>
           </a:p>
         </p:txBody>
       </p:sp>
@@ -4703,201 +5147,6 @@
 </file>
 
 <file path=ppt/slides/slide6.xml><?xml version="1.0" encoding="utf-8"?>
-<p:sld xmlns:a="http://schemas.openxmlformats.org/drawingml/2006/main" xmlns:r="http://schemas.openxmlformats.org/officeDocument/2006/relationships" xmlns:p="http://schemas.openxmlformats.org/presentationml/2006/main">
-  <p:cSld>
-    <p:spTree>
-      <p:nvGrpSpPr>
-        <p:cNvPr id="1" name=""/>
-        <p:cNvGrpSpPr/>
-        <p:nvPr/>
-      </p:nvGrpSpPr>
-      <p:grpSpPr>
-        <a:xfrm>
-          <a:off x="0" y="0"/>
-          <a:ext cx="0" cy="0"/>
-          <a:chOff x="0" y="0"/>
-          <a:chExt cx="0" cy="0"/>
-        </a:xfrm>
-      </p:grpSpPr>
-      <p:sp>
-        <p:nvSpPr>
-          <p:cNvPr id="2" name="Title 1">
-            <a:extLst>
-              <a:ext uri="{FF2B5EF4-FFF2-40B4-BE49-F238E27FC236}">
-                <a16:creationId xmlns:a16="http://schemas.microsoft.com/office/drawing/2014/main" id="{FB8E9D33-A137-4B30-A956-910E9332E368}"/>
-              </a:ext>
-            </a:extLst>
-          </p:cNvPr>
-          <p:cNvSpPr>
-            <a:spLocks noGrp="1"/>
-          </p:cNvSpPr>
-          <p:nvPr>
-            <p:ph type="title"/>
-          </p:nvPr>
-        </p:nvSpPr>
-        <p:spPr>
-          <a:xfrm>
-            <a:off x="396875" y="476672"/>
-            <a:ext cx="7772400" cy="1143000"/>
-          </a:xfrm>
-        </p:spPr>
-        <p:txBody>
-          <a:bodyPr/>
-          <a:lstStyle/>
-          <a:p>
-            <a:r>
-              <a:rPr lang="en-GB" dirty="0"/>
-              <a:t>Plans</a:t>
-            </a:r>
-          </a:p>
-        </p:txBody>
-      </p:sp>
-      <p:sp>
-        <p:nvSpPr>
-          <p:cNvPr id="3" name="Content Placeholder 2">
-            <a:extLst>
-              <a:ext uri="{FF2B5EF4-FFF2-40B4-BE49-F238E27FC236}">
-                <a16:creationId xmlns:a16="http://schemas.microsoft.com/office/drawing/2014/main" id="{08721A7C-3C64-44D4-B50B-30BE60BB241A}"/>
-              </a:ext>
-            </a:extLst>
-          </p:cNvPr>
-          <p:cNvSpPr>
-            <a:spLocks noGrp="1"/>
-          </p:cNvSpPr>
-          <p:nvPr>
-            <p:ph idx="1"/>
-          </p:nvPr>
-        </p:nvSpPr>
-        <p:spPr>
-          <a:xfrm>
-            <a:off x="396875" y="1844824"/>
-            <a:ext cx="7772400" cy="3888432"/>
-          </a:xfrm>
-        </p:spPr>
-        <p:txBody>
-          <a:bodyPr/>
-          <a:lstStyle/>
-          <a:p>
-            <a:r>
-              <a:rPr lang="en-GB" sz="2400" dirty="0"/>
-              <a:t>Currently in workshop having motor fitted</a:t>
-            </a:r>
-          </a:p>
-          <a:p>
-            <a:r>
-              <a:rPr lang="en-GB" sz="2400" dirty="0"/>
-              <a:t>Magnet analysis and attachment</a:t>
-            </a:r>
-          </a:p>
-          <a:p>
-            <a:r>
-              <a:rPr lang="en-GB" sz="2400" dirty="0"/>
-              <a:t>Weeks 9-10: testing</a:t>
-            </a:r>
-          </a:p>
-          <a:p>
-            <a:r>
-              <a:rPr lang="en-GB" sz="2400" dirty="0"/>
-              <a:t>Finishing and report writing</a:t>
-            </a:r>
-          </a:p>
-          <a:p>
-            <a:endParaRPr lang="en-GB" dirty="0"/>
-          </a:p>
-        </p:txBody>
-      </p:sp>
-      <p:sp>
-        <p:nvSpPr>
-          <p:cNvPr id="4" name="TextBox 3">
-            <a:extLst>
-              <a:ext uri="{FF2B5EF4-FFF2-40B4-BE49-F238E27FC236}">
-                <a16:creationId xmlns:a16="http://schemas.microsoft.com/office/drawing/2014/main" id="{349B0572-DF74-4506-BAA8-0D32A13E73BD}"/>
-              </a:ext>
-            </a:extLst>
-          </p:cNvPr>
-          <p:cNvSpPr txBox="1"/>
-          <p:nvPr/>
-        </p:nvSpPr>
-        <p:spPr>
-          <a:xfrm>
-            <a:off x="3851920" y="908720"/>
-            <a:ext cx="3168352" cy="523220"/>
-          </a:xfrm>
-          <a:prstGeom prst="rect">
-            <a:avLst/>
-          </a:prstGeom>
-          <a:noFill/>
-        </p:spPr>
-        <p:txBody>
-          <a:bodyPr wrap="square" rtlCol="0">
-            <a:spAutoFit/>
-          </a:bodyPr>
-          <a:lstStyle/>
-          <a:p>
-            <a:r>
-              <a:rPr lang="en-GB" dirty="0">
-                <a:solidFill>
-                  <a:srgbClr val="FF0000"/>
-                </a:solidFill>
-              </a:rPr>
-              <a:t>Better title</a:t>
-            </a:r>
-          </a:p>
-        </p:txBody>
-      </p:sp>
-      <p:sp>
-        <p:nvSpPr>
-          <p:cNvPr id="5" name="TextBox 4">
-            <a:extLst>
-              <a:ext uri="{FF2B5EF4-FFF2-40B4-BE49-F238E27FC236}">
-                <a16:creationId xmlns:a16="http://schemas.microsoft.com/office/drawing/2014/main" id="{5C22B6AB-8FA5-42AE-9FC1-E5732E28D6E9}"/>
-              </a:ext>
-            </a:extLst>
-          </p:cNvPr>
-          <p:cNvSpPr txBox="1"/>
-          <p:nvPr/>
-        </p:nvSpPr>
-        <p:spPr>
-          <a:xfrm>
-            <a:off x="4572000" y="4725144"/>
-            <a:ext cx="2808312" cy="523220"/>
-          </a:xfrm>
-          <a:prstGeom prst="rect">
-            <a:avLst/>
-          </a:prstGeom>
-          <a:noFill/>
-        </p:spPr>
-        <p:txBody>
-          <a:bodyPr wrap="square" rtlCol="0">
-            <a:spAutoFit/>
-          </a:bodyPr>
-          <a:lstStyle/>
-          <a:p>
-            <a:r>
-              <a:rPr lang="en-GB" dirty="0">
-                <a:solidFill>
-                  <a:srgbClr val="FF0000"/>
-                </a:solidFill>
-              </a:rPr>
-              <a:t>Here or at end?</a:t>
-            </a:r>
-          </a:p>
-        </p:txBody>
-      </p:sp>
-    </p:spTree>
-    <p:extLst>
-      <p:ext uri="{BB962C8B-B14F-4D97-AF65-F5344CB8AC3E}">
-        <p14:creationId xmlns:p14="http://schemas.microsoft.com/office/powerpoint/2010/main" val="1469316267"/>
-      </p:ext>
-    </p:extLst>
-  </p:cSld>
-  <p:clrMapOvr>
-    <a:masterClrMapping/>
-  </p:clrMapOvr>
-</p:sld>
-</file>
-
-<file path=ppt/slides/slide7.xml><?xml version="1.0" encoding="utf-8"?>
 <p:sld xmlns:a="http://schemas.openxmlformats.org/drawingml/2006/main" xmlns:r="http://schemas.openxmlformats.org/officeDocument/2006/relationships" xmlns:p="http://schemas.openxmlformats.org/presentationml/2006/main">
   <p:cSld>
     <p:spTree>
@@ -5024,7 +5273,7 @@
 </p:sld>
 </file>
 
-<file path=ppt/slides/slide8.xml><?xml version="1.0" encoding="utf-8"?>
+<file path=ppt/slides/slide7.xml><?xml version="1.0" encoding="utf-8"?>
 <p:sld xmlns:a="http://schemas.openxmlformats.org/drawingml/2006/main" xmlns:r="http://schemas.openxmlformats.org/officeDocument/2006/relationships" xmlns:p="http://schemas.openxmlformats.org/presentationml/2006/main">
   <p:cSld>
     <p:spTree>
@@ -5180,7 +5429,7 @@
 </p:sld>
 </file>
 
-<file path=ppt/slides/slide9.xml><?xml version="1.0" encoding="utf-8"?>
+<file path=ppt/slides/slide8.xml><?xml version="1.0" encoding="utf-8"?>
 <p:sld xmlns:a="http://schemas.openxmlformats.org/drawingml/2006/main" xmlns:r="http://schemas.openxmlformats.org/officeDocument/2006/relationships" xmlns:p="http://schemas.openxmlformats.org/presentationml/2006/main">
   <p:cSld>
     <p:spTree>
@@ -5304,6 +5553,239 @@
     <p:extLst>
       <p:ext uri="{BB962C8B-B14F-4D97-AF65-F5344CB8AC3E}">
         <p14:creationId xmlns:p14="http://schemas.microsoft.com/office/powerpoint/2010/main" val="185238317"/>
+      </p:ext>
+    </p:extLst>
+  </p:cSld>
+  <p:clrMapOvr>
+    <a:masterClrMapping/>
+  </p:clrMapOvr>
+</p:sld>
+</file>
+
+<file path=ppt/slides/slide9.xml><?xml version="1.0" encoding="utf-8"?>
+<p:sld xmlns:a="http://schemas.openxmlformats.org/drawingml/2006/main" xmlns:r="http://schemas.openxmlformats.org/officeDocument/2006/relationships" xmlns:p="http://schemas.openxmlformats.org/presentationml/2006/main">
+  <p:cSld>
+    <p:spTree>
+      <p:nvGrpSpPr>
+        <p:cNvPr id="1" name=""/>
+        <p:cNvGrpSpPr/>
+        <p:nvPr/>
+      </p:nvGrpSpPr>
+      <p:grpSpPr>
+        <a:xfrm>
+          <a:off x="0" y="0"/>
+          <a:ext cx="0" cy="0"/>
+          <a:chOff x="0" y="0"/>
+          <a:chExt cx="0" cy="0"/>
+        </a:xfrm>
+      </p:grpSpPr>
+      <p:sp>
+        <p:nvSpPr>
+          <p:cNvPr id="2" name="Title 1">
+            <a:extLst>
+              <a:ext uri="{FF2B5EF4-FFF2-40B4-BE49-F238E27FC236}">
+                <a16:creationId xmlns:a16="http://schemas.microsoft.com/office/drawing/2014/main" id="{8337EBD2-590F-42C6-A538-AC8FB8DFF446}"/>
+              </a:ext>
+            </a:extLst>
+          </p:cNvPr>
+          <p:cNvSpPr>
+            <a:spLocks noGrp="1"/>
+          </p:cNvSpPr>
+          <p:nvPr>
+            <p:ph type="title"/>
+          </p:nvPr>
+        </p:nvSpPr>
+        <p:spPr>
+          <a:xfrm>
+            <a:off x="396875" y="197768"/>
+            <a:ext cx="7772400" cy="1143000"/>
+          </a:xfrm>
+        </p:spPr>
+        <p:txBody>
+          <a:bodyPr/>
+          <a:lstStyle/>
+          <a:p>
+            <a:r>
+              <a:rPr lang="en-GB" dirty="0"/>
+              <a:t>FEMM Analysis</a:t>
+            </a:r>
+          </a:p>
+        </p:txBody>
+      </p:sp>
+      <p:sp>
+        <p:nvSpPr>
+          <p:cNvPr id="3" name="Content Placeholder 2">
+            <a:extLst>
+              <a:ext uri="{FF2B5EF4-FFF2-40B4-BE49-F238E27FC236}">
+                <a16:creationId xmlns:a16="http://schemas.microsoft.com/office/drawing/2014/main" id="{0AFA2BE3-EB81-4810-B75C-A388BC23003D}"/>
+              </a:ext>
+            </a:extLst>
+          </p:cNvPr>
+          <p:cNvSpPr>
+            <a:spLocks noGrp="1"/>
+          </p:cNvSpPr>
+          <p:nvPr>
+            <p:ph idx="1"/>
+          </p:nvPr>
+        </p:nvSpPr>
+        <p:spPr>
+          <a:xfrm>
+            <a:off x="369739" y="1465021"/>
+            <a:ext cx="4805461" cy="3908195"/>
+          </a:xfrm>
+        </p:spPr>
+        <p:txBody>
+          <a:bodyPr/>
+          <a:lstStyle/>
+          <a:p>
+            <a:r>
+              <a:rPr lang="en-GB" sz="2000" dirty="0"/>
+              <a:t>Force acting on magnets in model magnetic field: 0.139545±</a:t>
+            </a:r>
+            <a:r>
+              <a:rPr lang="en-GB" sz="2000" dirty="0">
+                <a:cs typeface="Calibri" panose="020F0502020204030204" pitchFamily="34" charset="0"/>
+              </a:rPr>
+              <a:t>0.000001N</a:t>
+            </a:r>
+          </a:p>
+          <a:p>
+            <a:endParaRPr lang="en-GB" sz="2000" dirty="0">
+              <a:cs typeface="Calibri" panose="020F0502020204030204" pitchFamily="34" charset="0"/>
+            </a:endParaRPr>
+          </a:p>
+          <a:p>
+            <a:r>
+              <a:rPr lang="en-GB" sz="2000" dirty="0">
+                <a:cs typeface="Calibri" panose="020F0502020204030204" pitchFamily="34" charset="0"/>
+              </a:rPr>
+              <a:t>Magnetic field strength: 87</a:t>
+            </a:r>
+            <a:r>
+              <a:rPr lang="en-GB" sz="2000" dirty="0"/>
+              <a:t>±1mT</a:t>
+            </a:r>
+          </a:p>
+          <a:p>
+            <a:endParaRPr lang="en-GB" sz="2000" dirty="0"/>
+          </a:p>
+          <a:p>
+            <a:r>
+              <a:rPr lang="en-GB" sz="2000" dirty="0"/>
+              <a:t>Magnetic field strength from </a:t>
+            </a:r>
+            <a:r>
+              <a:rPr lang="en-GB" sz="2000" dirty="0" err="1"/>
+              <a:t>Boit</a:t>
+            </a:r>
+            <a:r>
+              <a:rPr lang="en-GB" sz="2000" dirty="0"/>
+              <a:t>-Savart law: 9mT</a:t>
+            </a:r>
+          </a:p>
+          <a:p>
+            <a:endParaRPr lang="en-GB" sz="2000" dirty="0"/>
+          </a:p>
+          <a:p>
+            <a:r>
+              <a:rPr lang="en-GB" sz="2000" dirty="0"/>
+              <a:t>Magnetic moment of magnets: 20.3±0.2mNmT^-1</a:t>
+            </a:r>
+          </a:p>
+        </p:txBody>
+      </p:sp>
+      <p:pic>
+        <p:nvPicPr>
+          <p:cNvPr id="5" name="Picture 4">
+            <a:extLst>
+              <a:ext uri="{FF2B5EF4-FFF2-40B4-BE49-F238E27FC236}">
+                <a16:creationId xmlns:a16="http://schemas.microsoft.com/office/drawing/2014/main" id="{525A0FD9-ECDD-4335-9530-9BD0A4C5F097}"/>
+              </a:ext>
+            </a:extLst>
+          </p:cNvPr>
+          <p:cNvPicPr>
+            <a:picLocks noChangeAspect="1"/>
+          </p:cNvPicPr>
+          <p:nvPr/>
+        </p:nvPicPr>
+        <p:blipFill>
+          <a:blip r:embed="rId2">
+            <a:extLst>
+              <a:ext uri="{28A0092B-C50C-407E-A947-70E740481C1C}">
+                <a14:useLocalDpi xmlns:a14="http://schemas.microsoft.com/office/drawing/2010/main" val="0"/>
+              </a:ext>
+            </a:extLst>
+          </a:blip>
+          <a:stretch>
+            <a:fillRect/>
+          </a:stretch>
+        </p:blipFill>
+        <p:spPr>
+          <a:xfrm>
+            <a:off x="5175200" y="2339752"/>
+            <a:ext cx="3599061" cy="3269251"/>
+          </a:xfrm>
+          <a:prstGeom prst="rect">
+            <a:avLst/>
+          </a:prstGeom>
+        </p:spPr>
+      </p:pic>
+      <p:sp>
+        <p:nvSpPr>
+          <p:cNvPr id="6" name="TextBox 5">
+            <a:extLst>
+              <a:ext uri="{FF2B5EF4-FFF2-40B4-BE49-F238E27FC236}">
+                <a16:creationId xmlns:a16="http://schemas.microsoft.com/office/drawing/2014/main" id="{4CCF35BA-CB29-4F07-A734-EAC2C9FE4738}"/>
+              </a:ext>
+            </a:extLst>
+          </p:cNvPr>
+          <p:cNvSpPr txBox="1"/>
+          <p:nvPr/>
+        </p:nvSpPr>
+        <p:spPr>
+          <a:xfrm>
+            <a:off x="5175200" y="5824170"/>
+            <a:ext cx="2376264" cy="369332"/>
+          </a:xfrm>
+          <a:prstGeom prst="rect">
+            <a:avLst/>
+          </a:prstGeom>
+          <a:noFill/>
+        </p:spPr>
+        <p:txBody>
+          <a:bodyPr wrap="square" rtlCol="0">
+            <a:spAutoFit/>
+          </a:bodyPr>
+          <a:lstStyle/>
+          <a:p>
+            <a:r>
+              <a:rPr lang="en-GB" sz="1800" b="0" dirty="0">
+                <a:solidFill>
+                  <a:schemeClr val="bg1"/>
+                </a:solidFill>
+              </a:rPr>
+              <a:t>Credit: </a:t>
+            </a:r>
+            <a:r>
+              <a:rPr lang="en-GB" sz="1800" b="0" dirty="0" err="1">
+                <a:solidFill>
+                  <a:schemeClr val="bg1"/>
+                </a:solidFill>
+              </a:rPr>
+              <a:t>hyperphysics</a:t>
+            </a:r>
+            <a:endParaRPr lang="en-GB" sz="1800" b="0" dirty="0">
+              <a:solidFill>
+                <a:schemeClr val="bg1"/>
+              </a:solidFill>
+            </a:endParaRPr>
+          </a:p>
+        </p:txBody>
+      </p:sp>
+    </p:spTree>
+    <p:extLst>
+      <p:ext uri="{BB962C8B-B14F-4D97-AF65-F5344CB8AC3E}">
+        <p14:creationId xmlns:p14="http://schemas.microsoft.com/office/powerpoint/2010/main" val="1356136063"/>
       </p:ext>
     </p:extLst>
   </p:cSld>
@@ -5962,6 +6444,301 @@
         <a:sysClr val="window" lastClr="FFFFFF"/>
       </a:lt1>
       <a:dk2>
+        <a:srgbClr val="44546A"/>
+      </a:dk2>
+      <a:lt2>
+        <a:srgbClr val="E7E6E6"/>
+      </a:lt2>
+      <a:accent1>
+        <a:srgbClr val="4472C4"/>
+      </a:accent1>
+      <a:accent2>
+        <a:srgbClr val="ED7D31"/>
+      </a:accent2>
+      <a:accent3>
+        <a:srgbClr val="A5A5A5"/>
+      </a:accent3>
+      <a:accent4>
+        <a:srgbClr val="FFC000"/>
+      </a:accent4>
+      <a:accent5>
+        <a:srgbClr val="5B9BD5"/>
+      </a:accent5>
+      <a:accent6>
+        <a:srgbClr val="70AD47"/>
+      </a:accent6>
+      <a:hlink>
+        <a:srgbClr val="0563C1"/>
+      </a:hlink>
+      <a:folHlink>
+        <a:srgbClr val="954F72"/>
+      </a:folHlink>
+    </a:clrScheme>
+    <a:fontScheme name="Office">
+      <a:majorFont>
+        <a:latin typeface="Calibri Light" panose="020F0302020204030204"/>
+        <a:ea typeface=""/>
+        <a:cs typeface=""/>
+        <a:font script="Jpan" typeface="游ゴシック Light"/>
+        <a:font script="Hang" typeface="맑은 고딕"/>
+        <a:font script="Hans" typeface="等线 Light"/>
+        <a:font script="Hant" typeface="新細明體"/>
+        <a:font script="Arab" typeface="Times New Roman"/>
+        <a:font script="Hebr" typeface="Times New Roman"/>
+        <a:font script="Thai" typeface="Angsana New"/>
+        <a:font script="Ethi" typeface="Nyala"/>
+        <a:font script="Beng" typeface="Vrinda"/>
+        <a:font script="Gujr" typeface="Shruti"/>
+        <a:font script="Khmr" typeface="MoolBoran"/>
+        <a:font script="Knda" typeface="Tunga"/>
+        <a:font script="Guru" typeface="Raavi"/>
+        <a:font script="Cans" typeface="Euphemia"/>
+        <a:font script="Cher" typeface="Plantagenet Cherokee"/>
+        <a:font script="Yiii" typeface="Microsoft Yi Baiti"/>
+        <a:font script="Tibt" typeface="Microsoft Himalaya"/>
+        <a:font script="Thaa" typeface="MV Boli"/>
+        <a:font script="Deva" typeface="Mangal"/>
+        <a:font script="Telu" typeface="Gautami"/>
+        <a:font script="Taml" typeface="Latha"/>
+        <a:font script="Syrc" typeface="Estrangelo Edessa"/>
+        <a:font script="Orya" typeface="Kalinga"/>
+        <a:font script="Mlym" typeface="Kartika"/>
+        <a:font script="Laoo" typeface="DokChampa"/>
+        <a:font script="Sinh" typeface="Iskoola Pota"/>
+        <a:font script="Mong" typeface="Mongolian Baiti"/>
+        <a:font script="Viet" typeface="Times New Roman"/>
+        <a:font script="Uigh" typeface="Microsoft Uighur"/>
+        <a:font script="Geor" typeface="Sylfaen"/>
+        <a:font script="Armn" typeface="Arial"/>
+        <a:font script="Bugi" typeface="Leelawadee UI"/>
+        <a:font script="Bopo" typeface="Microsoft JhengHei"/>
+        <a:font script="Java" typeface="Javanese Text"/>
+        <a:font script="Lisu" typeface="Segoe UI"/>
+        <a:font script="Mymr" typeface="Myanmar Text"/>
+        <a:font script="Nkoo" typeface="Ebrima"/>
+        <a:font script="Olck" typeface="Nirmala UI"/>
+        <a:font script="Osma" typeface="Ebrima"/>
+        <a:font script="Phag" typeface="Phagspa"/>
+        <a:font script="Syrn" typeface="Estrangelo Edessa"/>
+        <a:font script="Syrj" typeface="Estrangelo Edessa"/>
+        <a:font script="Syre" typeface="Estrangelo Edessa"/>
+        <a:font script="Sora" typeface="Nirmala UI"/>
+        <a:font script="Tale" typeface="Microsoft Tai Le"/>
+        <a:font script="Talu" typeface="Microsoft New Tai Lue"/>
+        <a:font script="Tfng" typeface="Ebrima"/>
+      </a:majorFont>
+      <a:minorFont>
+        <a:latin typeface="Calibri" panose="020F0502020204030204"/>
+        <a:ea typeface=""/>
+        <a:cs typeface=""/>
+        <a:font script="Jpan" typeface="游ゴシック"/>
+        <a:font script="Hang" typeface="맑은 고딕"/>
+        <a:font script="Hans" typeface="等线"/>
+        <a:font script="Hant" typeface="新細明體"/>
+        <a:font script="Arab" typeface="Arial"/>
+        <a:font script="Hebr" typeface="Arial"/>
+        <a:font script="Thai" typeface="Cordia New"/>
+        <a:font script="Ethi" typeface="Nyala"/>
+        <a:font script="Beng" typeface="Vrinda"/>
+        <a:font script="Gujr" typeface="Shruti"/>
+        <a:font script="Khmr" typeface="DaunPenh"/>
+        <a:font script="Knda" typeface="Tunga"/>
+        <a:font script="Guru" typeface="Raavi"/>
+        <a:font script="Cans" typeface="Euphemia"/>
+        <a:font script="Cher" typeface="Plantagenet Cherokee"/>
+        <a:font script="Yiii" typeface="Microsoft Yi Baiti"/>
+        <a:font script="Tibt" typeface="Microsoft Himalaya"/>
+        <a:font script="Thaa" typeface="MV Boli"/>
+        <a:font script="Deva" typeface="Mangal"/>
+        <a:font script="Telu" typeface="Gautami"/>
+        <a:font script="Taml" typeface="Latha"/>
+        <a:font script="Syrc" typeface="Estrangelo Edessa"/>
+        <a:font script="Orya" typeface="Kalinga"/>
+        <a:font script="Mlym" typeface="Kartika"/>
+        <a:font script="Laoo" typeface="DokChampa"/>
+        <a:font script="Sinh" typeface="Iskoola Pota"/>
+        <a:font script="Mong" typeface="Mongolian Baiti"/>
+        <a:font script="Viet" typeface="Arial"/>
+        <a:font script="Uigh" typeface="Microsoft Uighur"/>
+        <a:font script="Geor" typeface="Sylfaen"/>
+        <a:font script="Armn" typeface="Arial"/>
+        <a:font script="Bugi" typeface="Leelawadee UI"/>
+        <a:font script="Bopo" typeface="Microsoft JhengHei"/>
+        <a:font script="Java" typeface="Javanese Text"/>
+        <a:font script="Lisu" typeface="Segoe UI"/>
+        <a:font script="Mymr" typeface="Myanmar Text"/>
+        <a:font script="Nkoo" typeface="Ebrima"/>
+        <a:font script="Olck" typeface="Nirmala UI"/>
+        <a:font script="Osma" typeface="Ebrima"/>
+        <a:font script="Phag" typeface="Phagspa"/>
+        <a:font script="Syrn" typeface="Estrangelo Edessa"/>
+        <a:font script="Syrj" typeface="Estrangelo Edessa"/>
+        <a:font script="Syre" typeface="Estrangelo Edessa"/>
+        <a:font script="Sora" typeface="Nirmala UI"/>
+        <a:font script="Tale" typeface="Microsoft Tai Le"/>
+        <a:font script="Talu" typeface="Microsoft New Tai Lue"/>
+        <a:font script="Tfng" typeface="Ebrima"/>
+      </a:minorFont>
+    </a:fontScheme>
+    <a:fmtScheme name="Office">
+      <a:fillStyleLst>
+        <a:solidFill>
+          <a:schemeClr val="phClr"/>
+        </a:solidFill>
+        <a:gradFill rotWithShape="1">
+          <a:gsLst>
+            <a:gs pos="0">
+              <a:schemeClr val="phClr">
+                <a:lumMod val="110000"/>
+                <a:satMod val="105000"/>
+                <a:tint val="67000"/>
+              </a:schemeClr>
+            </a:gs>
+            <a:gs pos="50000">
+              <a:schemeClr val="phClr">
+                <a:lumMod val="105000"/>
+                <a:satMod val="103000"/>
+                <a:tint val="73000"/>
+              </a:schemeClr>
+            </a:gs>
+            <a:gs pos="100000">
+              <a:schemeClr val="phClr">
+                <a:lumMod val="105000"/>
+                <a:satMod val="109000"/>
+                <a:tint val="81000"/>
+              </a:schemeClr>
+            </a:gs>
+          </a:gsLst>
+          <a:lin ang="5400000" scaled="0"/>
+        </a:gradFill>
+        <a:gradFill rotWithShape="1">
+          <a:gsLst>
+            <a:gs pos="0">
+              <a:schemeClr val="phClr">
+                <a:satMod val="103000"/>
+                <a:lumMod val="102000"/>
+                <a:tint val="94000"/>
+              </a:schemeClr>
+            </a:gs>
+            <a:gs pos="50000">
+              <a:schemeClr val="phClr">
+                <a:satMod val="110000"/>
+                <a:lumMod val="100000"/>
+                <a:shade val="100000"/>
+              </a:schemeClr>
+            </a:gs>
+            <a:gs pos="100000">
+              <a:schemeClr val="phClr">
+                <a:lumMod val="99000"/>
+                <a:satMod val="120000"/>
+                <a:shade val="78000"/>
+              </a:schemeClr>
+            </a:gs>
+          </a:gsLst>
+          <a:lin ang="5400000" scaled="0"/>
+        </a:gradFill>
+      </a:fillStyleLst>
+      <a:lnStyleLst>
+        <a:ln w="6350" cap="flat" cmpd="sng" algn="ctr">
+          <a:solidFill>
+            <a:schemeClr val="phClr"/>
+          </a:solidFill>
+          <a:prstDash val="solid"/>
+          <a:miter lim="800000"/>
+        </a:ln>
+        <a:ln w="12700" cap="flat" cmpd="sng" algn="ctr">
+          <a:solidFill>
+            <a:schemeClr val="phClr"/>
+          </a:solidFill>
+          <a:prstDash val="solid"/>
+          <a:miter lim="800000"/>
+        </a:ln>
+        <a:ln w="19050" cap="flat" cmpd="sng" algn="ctr">
+          <a:solidFill>
+            <a:schemeClr val="phClr"/>
+          </a:solidFill>
+          <a:prstDash val="solid"/>
+          <a:miter lim="800000"/>
+        </a:ln>
+      </a:lnStyleLst>
+      <a:effectStyleLst>
+        <a:effectStyle>
+          <a:effectLst/>
+        </a:effectStyle>
+        <a:effectStyle>
+          <a:effectLst/>
+        </a:effectStyle>
+        <a:effectStyle>
+          <a:effectLst>
+            <a:outerShdw blurRad="57150" dist="19050" dir="5400000" algn="ctr" rotWithShape="0">
+              <a:srgbClr val="000000">
+                <a:alpha val="63000"/>
+              </a:srgbClr>
+            </a:outerShdw>
+          </a:effectLst>
+        </a:effectStyle>
+      </a:effectStyleLst>
+      <a:bgFillStyleLst>
+        <a:solidFill>
+          <a:schemeClr val="phClr"/>
+        </a:solidFill>
+        <a:solidFill>
+          <a:schemeClr val="phClr">
+            <a:tint val="95000"/>
+            <a:satMod val="170000"/>
+          </a:schemeClr>
+        </a:solidFill>
+        <a:gradFill rotWithShape="1">
+          <a:gsLst>
+            <a:gs pos="0">
+              <a:schemeClr val="phClr">
+                <a:tint val="93000"/>
+                <a:satMod val="150000"/>
+                <a:shade val="98000"/>
+                <a:lumMod val="102000"/>
+              </a:schemeClr>
+            </a:gs>
+            <a:gs pos="50000">
+              <a:schemeClr val="phClr">
+                <a:tint val="98000"/>
+                <a:satMod val="130000"/>
+                <a:shade val="90000"/>
+                <a:lumMod val="103000"/>
+              </a:schemeClr>
+            </a:gs>
+            <a:gs pos="100000">
+              <a:schemeClr val="phClr">
+                <a:shade val="63000"/>
+                <a:satMod val="120000"/>
+              </a:schemeClr>
+            </a:gs>
+          </a:gsLst>
+          <a:lin ang="5400000" scaled="0"/>
+        </a:gradFill>
+      </a:bgFillStyleLst>
+    </a:fmtScheme>
+  </a:themeElements>
+  <a:objectDefaults/>
+  <a:extraClrSchemeLst/>
+  <a:extLst>
+    <a:ext uri="{05A4C25C-085E-4340-85A3-A5531E510DB2}">
+      <thm15:themeFamily xmlns:thm15="http://schemas.microsoft.com/office/thememl/2012/main" name="Office Theme" id="{62F939B6-93AF-4DB8-9C6B-D6C7DFDC589F}" vid="{4A3C46E8-61CC-4603-A589-7422A47A8E4A}"/>
+    </a:ext>
+  </a:extLst>
+</a:theme>
+</file>
+
+<file path=ppt/theme/theme3.xml><?xml version="1.0" encoding="utf-8"?>
+<a:theme xmlns:a="http://schemas.openxmlformats.org/drawingml/2006/main" name="Office Theme">
+  <a:themeElements>
+    <a:clrScheme name="Office">
+      <a:dk1>
+        <a:sysClr val="windowText" lastClr="000000"/>
+      </a:dk1>
+      <a:lt1>
+        <a:sysClr val="window" lastClr="FFFFFF"/>
+      </a:lt1>
+      <a:dk2>
         <a:srgbClr val="1F497D"/>
       </a:dk2>
       <a:lt2>

--- a/Project_Presentation.pptx
+++ b/Project_Presentation.pptx
@@ -1961,7 +1961,7 @@
         </p:nvSpPr>
         <p:spPr>
           <a:xfrm>
-            <a:off x="409156" y="447505"/>
+            <a:off x="409156" y="404664"/>
             <a:ext cx="7772400" cy="1143000"/>
           </a:xfrm>
         </p:spPr>
@@ -1996,7 +1996,7 @@
             </p:nvSpPr>
             <p:spPr>
               <a:xfrm>
-                <a:off x="179512" y="1736613"/>
+                <a:off x="179512" y="1556792"/>
                 <a:ext cx="6521235" cy="3888432"/>
               </a:xfrm>
             </p:spPr>
@@ -2056,8 +2056,70 @@
                 </a14:m>
                 <a:r>
                   <a:rPr lang="en-GB" sz="2400" dirty="0"/>
-                  <a:t> of disk and procession</a:t>
+                  <a:t> of disk and procession </a:t>
                 </a:r>
+                <a14:m>
+                  <m:oMath xmlns:m="http://schemas.openxmlformats.org/officeDocument/2006/math">
+                    <m:r>
+                      <m:rPr>
+                        <m:sty m:val="p"/>
+                      </m:rPr>
+                      <a:rPr lang="en-GB"/>
+                      <m:t>Ω</m:t>
+                    </m:r>
+                    <m:r>
+                      <a:rPr lang="en-GB" i="1"/>
+                      <m:t>=</m:t>
+                    </m:r>
+                    <m:f>
+                      <m:fPr>
+                        <m:ctrlPr>
+                          <a:rPr lang="en-GB" i="1"/>
+                        </m:ctrlPr>
+                      </m:fPr>
+                      <m:num>
+                        <m:r>
+                          <a:rPr lang="en-GB" i="1"/>
+                          <m:t>𝜏</m:t>
+                        </m:r>
+                      </m:num>
+                      <m:den>
+                        <m:r>
+                          <a:rPr lang="en-GB" i="1"/>
+                          <m:t>𝐿</m:t>
+                        </m:r>
+                      </m:den>
+                    </m:f>
+                    <m:r>
+                      <a:rPr lang="en-GB" i="1"/>
+                      <m:t>=</m:t>
+                    </m:r>
+                    <m:f>
+                      <m:fPr>
+                        <m:ctrlPr>
+                          <a:rPr lang="en-GB" i="1"/>
+                        </m:ctrlPr>
+                      </m:fPr>
+                      <m:num>
+                        <m:r>
+                          <a:rPr lang="en-GB" i="1"/>
+                          <m:t>𝜏</m:t>
+                        </m:r>
+                      </m:num>
+                      <m:den>
+                        <m:r>
+                          <a:rPr lang="en-GB" i="1"/>
+                          <m:t>𝐼</m:t>
+                        </m:r>
+                        <m:r>
+                          <a:rPr lang="en-GB" i="1"/>
+                          <m:t>𝜔</m:t>
+                        </m:r>
+                      </m:den>
+                    </m:f>
+                  </m:oMath>
+                </a14:m>
+                <a:endParaRPr lang="en-GB" sz="2400" dirty="0"/>
               </a:p>
               <a:p>
                 <a:endParaRPr lang="en-GB" sz="2400" dirty="0"/>
@@ -2107,13 +2169,13 @@
             </p:nvSpPr>
             <p:spPr>
               <a:xfrm>
-                <a:off x="179512" y="1736613"/>
+                <a:off x="179512" y="1556792"/>
                 <a:ext cx="6521235" cy="3888432"/>
               </a:xfrm>
               <a:blipFill>
                 <a:blip r:embed="rId2"/>
                 <a:stretch>
-                  <a:fillRect l="-654" t="-1097" b="-3918"/>
+                  <a:fillRect l="-654" t="-1097" b="-18339"/>
                 </a:stretch>
               </a:blipFill>
             </p:spPr>
@@ -2770,6 +2832,340 @@
           </a:prstGeom>
         </p:spPr>
       </p:pic>
+      <mc:AlternateContent xmlns:mc="http://schemas.openxmlformats.org/markup-compatibility/2006">
+        <mc:Choice xmlns:a14="http://schemas.microsoft.com/office/drawing/2010/main" Requires="a14">
+          <p:sp>
+            <p:nvSpPr>
+              <p:cNvPr id="3" name="TextBox 2">
+                <a:extLst>
+                  <a:ext uri="{FF2B5EF4-FFF2-40B4-BE49-F238E27FC236}">
+                    <a16:creationId xmlns:a16="http://schemas.microsoft.com/office/drawing/2014/main" id="{930C1B91-ED6B-4DCB-9DC6-F4CB19CD5A97}"/>
+                  </a:ext>
+                </a:extLst>
+              </p:cNvPr>
+              <p:cNvSpPr txBox="1"/>
+              <p:nvPr/>
+            </p:nvSpPr>
+            <p:spPr>
+              <a:xfrm>
+                <a:off x="4854421" y="1916832"/>
+                <a:ext cx="3510000" cy="1518173"/>
+              </a:xfrm>
+              <a:prstGeom prst="rect">
+                <a:avLst/>
+              </a:prstGeom>
+              <a:noFill/>
+            </p:spPr>
+            <p:txBody>
+              <a:bodyPr wrap="none" lIns="0" tIns="0" rIns="0" bIns="0" rtlCol="0">
+                <a:spAutoFit/>
+              </a:bodyPr>
+              <a:lstStyle/>
+              <a:p>
+                <a14:m>
+                  <m:oMathPara xmlns:m="http://schemas.openxmlformats.org/officeDocument/2006/math">
+                    <m:oMathParaPr>
+                      <m:jc m:val="centerGroup"/>
+                    </m:oMathParaPr>
+                    <m:oMath xmlns:m="http://schemas.openxmlformats.org/officeDocument/2006/math">
+                      <m:sSub>
+                        <m:sSubPr>
+                          <m:ctrlPr>
+                            <a:rPr lang="en-GB" b="1" i="1" smtClean="0">
+                              <a:solidFill>
+                                <a:schemeClr val="bg1"/>
+                              </a:solidFill>
+                              <a:latin typeface="Cambria Math" panose="02040503050406030204" pitchFamily="18" charset="0"/>
+                            </a:rPr>
+                          </m:ctrlPr>
+                        </m:sSubPr>
+                        <m:e>
+                          <m:r>
+                            <a:rPr lang="en-GB" b="1" i="1" smtClean="0">
+                              <a:solidFill>
+                                <a:schemeClr val="bg1"/>
+                              </a:solidFill>
+                              <a:latin typeface="Cambria Math" panose="02040503050406030204" pitchFamily="18" charset="0"/>
+                            </a:rPr>
+                            <m:t>𝝉</m:t>
+                          </m:r>
+                        </m:e>
+                        <m:sub>
+                          <m:r>
+                            <a:rPr lang="en-GB" b="1" i="1" smtClean="0">
+                              <a:solidFill>
+                                <a:schemeClr val="bg1"/>
+                              </a:solidFill>
+                              <a:latin typeface="Cambria Math" panose="02040503050406030204" pitchFamily="18" charset="0"/>
+                            </a:rPr>
+                            <m:t>𝒇𝒓𝒊𝒄𝒕𝒊𝒐𝒏𝒂𝒍</m:t>
+                          </m:r>
+                        </m:sub>
+                      </m:sSub>
+                      <m:r>
+                        <a:rPr lang="en-GB" b="1" i="1" smtClean="0">
+                          <a:solidFill>
+                            <a:schemeClr val="bg1"/>
+                          </a:solidFill>
+                          <a:latin typeface="Cambria Math" panose="02040503050406030204" pitchFamily="18" charset="0"/>
+                        </a:rPr>
+                        <m:t>=</m:t>
+                      </m:r>
+                      <m:r>
+                        <a:rPr lang="en-GB" b="1" i="1" smtClean="0">
+                          <a:solidFill>
+                            <a:schemeClr val="bg1"/>
+                          </a:solidFill>
+                          <a:latin typeface="Cambria Math" panose="02040503050406030204" pitchFamily="18" charset="0"/>
+                        </a:rPr>
+                        <m:t>𝒂</m:t>
+                      </m:r>
+                      <m:r>
+                        <a:rPr lang="en-GB" b="1" i="1" smtClean="0">
+                          <a:solidFill>
+                            <a:schemeClr val="bg1"/>
+                          </a:solidFill>
+                          <a:latin typeface="Cambria Math" panose="02040503050406030204" pitchFamily="18" charset="0"/>
+                        </a:rPr>
+                        <m:t>𝝎</m:t>
+                      </m:r>
+                      <m:r>
+                        <a:rPr lang="en-GB" b="1" i="1" smtClean="0">
+                          <a:solidFill>
+                            <a:schemeClr val="bg1"/>
+                          </a:solidFill>
+                          <a:latin typeface="Cambria Math" panose="02040503050406030204" pitchFamily="18" charset="0"/>
+                        </a:rPr>
+                        <m:t>+</m:t>
+                      </m:r>
+                      <m:r>
+                        <a:rPr lang="en-GB" b="1" i="1" smtClean="0">
+                          <a:solidFill>
+                            <a:schemeClr val="bg1"/>
+                          </a:solidFill>
+                          <a:latin typeface="Cambria Math" panose="02040503050406030204" pitchFamily="18" charset="0"/>
+                        </a:rPr>
+                        <m:t>𝒃</m:t>
+                      </m:r>
+                    </m:oMath>
+                  </m:oMathPara>
+                </a14:m>
+                <a:endParaRPr lang="en-GB" b="1" dirty="0">
+                  <a:solidFill>
+                    <a:schemeClr val="bg1"/>
+                  </a:solidFill>
+                </a:endParaRPr>
+              </a:p>
+              <a:p>
+                <a14:m>
+                  <m:oMathPara xmlns:m="http://schemas.openxmlformats.org/officeDocument/2006/math">
+                    <m:oMathParaPr>
+                      <m:jc m:val="centerGroup"/>
+                    </m:oMathParaPr>
+                    <m:oMath xmlns:m="http://schemas.openxmlformats.org/officeDocument/2006/math">
+                      <m:r>
+                        <a:rPr lang="en-GB" sz="2000" b="1" i="1" smtClean="0">
+                          <a:solidFill>
+                            <a:schemeClr val="bg1"/>
+                          </a:solidFill>
+                          <a:latin typeface="Cambria Math" panose="02040503050406030204" pitchFamily="18" charset="0"/>
+                        </a:rPr>
+                        <m:t>𝒃</m:t>
+                      </m:r>
+                      <m:r>
+                        <a:rPr lang="en-GB" sz="2000" b="1" i="1" smtClean="0">
+                          <a:solidFill>
+                            <a:schemeClr val="bg1"/>
+                          </a:solidFill>
+                          <a:latin typeface="Cambria Math" panose="02040503050406030204" pitchFamily="18" charset="0"/>
+                        </a:rPr>
+                        <m:t>−</m:t>
+                      </m:r>
+                      <m:r>
+                        <a:rPr lang="en-GB" sz="2000" b="1" i="1" smtClean="0">
+                          <a:solidFill>
+                            <a:schemeClr val="bg1"/>
+                          </a:solidFill>
+                          <a:latin typeface="Cambria Math" panose="02040503050406030204" pitchFamily="18" charset="0"/>
+                        </a:rPr>
+                        <m:t>𝒅𝒓𝒚</m:t>
+                      </m:r>
+                      <m:r>
+                        <a:rPr lang="en-GB" sz="2000" b="1" i="1" smtClean="0">
+                          <a:solidFill>
+                            <a:schemeClr val="bg1"/>
+                          </a:solidFill>
+                          <a:latin typeface="Cambria Math" panose="02040503050406030204" pitchFamily="18" charset="0"/>
+                        </a:rPr>
+                        <m:t> </m:t>
+                      </m:r>
+                      <m:r>
+                        <a:rPr lang="en-GB" sz="2000" b="1" i="1" smtClean="0">
+                          <a:solidFill>
+                            <a:schemeClr val="bg1"/>
+                          </a:solidFill>
+                          <a:latin typeface="Cambria Math" panose="02040503050406030204" pitchFamily="18" charset="0"/>
+                        </a:rPr>
+                        <m:t>𝒇𝒓𝒊𝒄𝒕𝒊𝒐𝒏</m:t>
+                      </m:r>
+                      <m:r>
+                        <a:rPr lang="en-GB" sz="2000" b="1" i="1" smtClean="0">
+                          <a:solidFill>
+                            <a:schemeClr val="bg1"/>
+                          </a:solidFill>
+                          <a:latin typeface="Cambria Math" panose="02040503050406030204" pitchFamily="18" charset="0"/>
+                        </a:rPr>
+                        <m:t> </m:t>
+                      </m:r>
+                      <m:r>
+                        <a:rPr lang="en-GB" sz="2000" b="1" i="1" smtClean="0">
+                          <a:solidFill>
+                            <a:schemeClr val="bg1"/>
+                          </a:solidFill>
+                          <a:latin typeface="Cambria Math" panose="02040503050406030204" pitchFamily="18" charset="0"/>
+                        </a:rPr>
+                        <m:t>𝒕𝒆𝒓𝒎</m:t>
+                      </m:r>
+                    </m:oMath>
+                  </m:oMathPara>
+                </a14:m>
+                <a:endParaRPr lang="en-GB" sz="2000" b="1" i="1" dirty="0">
+                  <a:solidFill>
+                    <a:schemeClr val="bg1"/>
+                  </a:solidFill>
+                  <a:latin typeface="Cambria Math" panose="02040503050406030204" pitchFamily="18" charset="0"/>
+                </a:endParaRPr>
+              </a:p>
+              <a:p>
+                <a14:m>
+                  <m:oMathPara xmlns:m="http://schemas.openxmlformats.org/officeDocument/2006/math">
+                    <m:oMathParaPr>
+                      <m:jc m:val="centerGroup"/>
+                    </m:oMathParaPr>
+                    <m:oMath xmlns:m="http://schemas.openxmlformats.org/officeDocument/2006/math">
+                      <m:r>
+                        <a:rPr lang="en-GB" sz="2000" b="1" i="1" smtClean="0">
+                          <a:solidFill>
+                            <a:schemeClr val="bg1"/>
+                          </a:solidFill>
+                          <a:latin typeface="Cambria Math" panose="02040503050406030204" pitchFamily="18" charset="0"/>
+                        </a:rPr>
+                        <m:t>𝒂</m:t>
+                      </m:r>
+                      <m:r>
+                        <a:rPr lang="en-GB" sz="2000" b="1" i="1" smtClean="0">
+                          <a:solidFill>
+                            <a:schemeClr val="bg1"/>
+                          </a:solidFill>
+                          <a:latin typeface="Cambria Math" panose="02040503050406030204" pitchFamily="18" charset="0"/>
+                        </a:rPr>
+                        <m:t>−</m:t>
+                      </m:r>
+                      <m:r>
+                        <a:rPr lang="en-GB" sz="2000" b="1" i="1" smtClean="0">
+                          <a:solidFill>
+                            <a:schemeClr val="bg1"/>
+                          </a:solidFill>
+                          <a:latin typeface="Cambria Math" panose="02040503050406030204" pitchFamily="18" charset="0"/>
+                        </a:rPr>
+                        <m:t>𝒇𝒍𝒖𝒊𝒅</m:t>
+                      </m:r>
+                      <m:r>
+                        <a:rPr lang="en-GB" sz="2000" b="1" i="1" smtClean="0">
+                          <a:solidFill>
+                            <a:schemeClr val="bg1"/>
+                          </a:solidFill>
+                          <a:latin typeface="Cambria Math" panose="02040503050406030204" pitchFamily="18" charset="0"/>
+                        </a:rPr>
+                        <m:t> </m:t>
+                      </m:r>
+                      <m:r>
+                        <a:rPr lang="en-GB" sz="2000" b="1" i="1" smtClean="0">
+                          <a:solidFill>
+                            <a:schemeClr val="bg1"/>
+                          </a:solidFill>
+                          <a:latin typeface="Cambria Math" panose="02040503050406030204" pitchFamily="18" charset="0"/>
+                        </a:rPr>
+                        <m:t>𝒅𝒓𝒂𝒈</m:t>
+                      </m:r>
+                      <m:r>
+                        <a:rPr lang="en-GB" sz="2000" b="1" i="1" smtClean="0">
+                          <a:solidFill>
+                            <a:schemeClr val="bg1"/>
+                          </a:solidFill>
+                          <a:latin typeface="Cambria Math" panose="02040503050406030204" pitchFamily="18" charset="0"/>
+                        </a:rPr>
+                        <m:t> </m:t>
+                      </m:r>
+                      <m:r>
+                        <a:rPr lang="en-GB" sz="2000" b="1" i="1" smtClean="0">
+                          <a:solidFill>
+                            <a:schemeClr val="bg1"/>
+                          </a:solidFill>
+                          <a:latin typeface="Cambria Math" panose="02040503050406030204" pitchFamily="18" charset="0"/>
+                        </a:rPr>
+                        <m:t>𝒕𝒆𝒓𝒎</m:t>
+                      </m:r>
+                    </m:oMath>
+                  </m:oMathPara>
+                </a14:m>
+                <a:endParaRPr lang="en-GB" sz="2000" b="1" dirty="0">
+                  <a:solidFill>
+                    <a:schemeClr val="bg1"/>
+                  </a:solidFill>
+                </a:endParaRPr>
+              </a:p>
+              <a:p>
+                <a:endParaRPr lang="en-GB" dirty="0"/>
+              </a:p>
+            </p:txBody>
+          </p:sp>
+        </mc:Choice>
+        <mc:Fallback>
+          <p:sp>
+            <p:nvSpPr>
+              <p:cNvPr id="3" name="TextBox 2">
+                <a:extLst>
+                  <a:ext uri="{FF2B5EF4-FFF2-40B4-BE49-F238E27FC236}">
+                    <a16:creationId xmlns:a16="http://schemas.microsoft.com/office/drawing/2014/main" id="{930C1B91-ED6B-4DCB-9DC6-F4CB19CD5A97}"/>
+                  </a:ext>
+                </a:extLst>
+              </p:cNvPr>
+              <p:cNvSpPr txBox="1">
+                <a:spLocks noRot="1" noChangeAspect="1" noMove="1" noResize="1" noEditPoints="1" noAdjustHandles="1" noChangeArrowheads="1" noChangeShapeType="1" noTextEdit="1"/>
+              </p:cNvSpPr>
+              <p:nvPr/>
+            </p:nvSpPr>
+            <p:spPr>
+              <a:xfrm>
+                <a:off x="4854421" y="1916832"/>
+                <a:ext cx="3510000" cy="1518173"/>
+              </a:xfrm>
+              <a:prstGeom prst="rect">
+                <a:avLst/>
+              </a:prstGeom>
+              <a:blipFill>
+                <a:blip r:embed="rId4"/>
+                <a:stretch>
+                  <a:fillRect/>
+                </a:stretch>
+              </a:blipFill>
+            </p:spPr>
+            <p:txBody>
+              <a:bodyPr/>
+              <a:lstStyle/>
+              <a:p>
+                <a:r>
+                  <a:rPr lang="en-GB">
+                    <a:noFill/>
+                  </a:rPr>
+                  <a:t> </a:t>
+                </a:r>
+              </a:p>
+            </p:txBody>
+          </p:sp>
+        </mc:Fallback>
+      </mc:AlternateContent>
     </p:spTree>
     <p:extLst>
       <p:ext uri="{BB962C8B-B14F-4D97-AF65-F5344CB8AC3E}">
@@ -4702,13 +5098,44 @@
                       </m:num>
                       <m:den>
                         <m:r>
-                          <a:rPr lang="en-GB" i="1">
+                          <a:rPr lang="en-GB" b="0" i="1" smtClean="0">
+                            <a:latin typeface="Cambria Math" panose="02040503050406030204" pitchFamily="18" charset="0"/>
+                          </a:rPr>
+                          <m:t>𝐿</m:t>
+                        </m:r>
+                      </m:den>
+                    </m:f>
+                    <m:r>
+                      <a:rPr lang="en-GB" b="0" i="1" smtClean="0">
+                        <a:latin typeface="Cambria Math" panose="02040503050406030204" pitchFamily="18" charset="0"/>
+                      </a:rPr>
+                      <m:t>=</m:t>
+                    </m:r>
+                    <m:f>
+                      <m:fPr>
+                        <m:ctrlPr>
+                          <a:rPr lang="en-GB" b="0" i="1" smtClean="0">
+                            <a:latin typeface="Cambria Math" panose="02040503050406030204" pitchFamily="18" charset="0"/>
+                          </a:rPr>
+                        </m:ctrlPr>
+                      </m:fPr>
+                      <m:num>
+                        <m:r>
+                          <a:rPr lang="en-GB" b="0" i="1" smtClean="0">
+                            <a:latin typeface="Cambria Math" panose="02040503050406030204" pitchFamily="18" charset="0"/>
+                          </a:rPr>
+                          <m:t>𝜏</m:t>
+                        </m:r>
+                      </m:num>
+                      <m:den>
+                        <m:r>
+                          <a:rPr lang="en-GB" b="0" i="1" smtClean="0">
                             <a:latin typeface="Cambria Math" panose="02040503050406030204" pitchFamily="18" charset="0"/>
                           </a:rPr>
                           <m:t>𝐼</m:t>
                         </m:r>
                         <m:r>
-                          <a:rPr lang="en-GB" i="1">
+                          <a:rPr lang="en-GB" b="0" i="1" smtClean="0">
                             <a:latin typeface="Cambria Math" panose="02040503050406030204" pitchFamily="18" charset="0"/>
                           </a:rPr>
                           <m:t>𝜔</m:t>

--- a/Project_Presentation.pptx
+++ b/Project_Presentation.pptx
@@ -1970,14 +1970,18 @@
           <a:lstStyle/>
           <a:p>
             <a:r>
+              <a:rPr lang="en-GB" b="1" dirty="0"/>
+              <a:t>Method</a:t>
+            </a:r>
+            <a:r>
               <a:rPr lang="en-GB" dirty="0"/>
-              <a:t>Method - Tachometer</a:t>
+              <a:t> - Tachometer</a:t>
             </a:r>
           </a:p>
         </p:txBody>
       </p:sp>
-      <mc:AlternateContent xmlns:mc="http://schemas.openxmlformats.org/markup-compatibility/2006">
-        <mc:Choice xmlns:a14="http://schemas.microsoft.com/office/drawing/2010/main" Requires="a14">
+      <mc:AlternateContent xmlns:mc="http://schemas.openxmlformats.org/markup-compatibility/2006" xmlns:a14="http://schemas.microsoft.com/office/drawing/2010/main">
+        <mc:Choice Requires="a14">
           <p:sp>
             <p:nvSpPr>
               <p:cNvPr id="3" name="Content Placeholder 2">
@@ -2064,55 +2068,75 @@
                       <m:rPr>
                         <m:sty m:val="p"/>
                       </m:rPr>
-                      <a:rPr lang="en-GB"/>
+                      <a:rPr lang="en-GB">
+                        <a:latin typeface="Cambria Math" panose="02040503050406030204" pitchFamily="18" charset="0"/>
+                      </a:rPr>
                       <m:t>Ω</m:t>
                     </m:r>
                     <m:r>
-                      <a:rPr lang="en-GB" i="1"/>
+                      <a:rPr lang="en-GB" i="1">
+                        <a:latin typeface="Cambria Math" panose="02040503050406030204" pitchFamily="18" charset="0"/>
+                      </a:rPr>
                       <m:t>=</m:t>
                     </m:r>
                     <m:f>
                       <m:fPr>
                         <m:ctrlPr>
-                          <a:rPr lang="en-GB" i="1"/>
+                          <a:rPr lang="en-GB" i="1">
+                            <a:latin typeface="Cambria Math" panose="02040503050406030204" pitchFamily="18" charset="0"/>
+                          </a:rPr>
                         </m:ctrlPr>
                       </m:fPr>
                       <m:num>
                         <m:r>
-                          <a:rPr lang="en-GB" i="1"/>
+                          <a:rPr lang="en-GB" i="1">
+                            <a:latin typeface="Cambria Math" panose="02040503050406030204" pitchFamily="18" charset="0"/>
+                          </a:rPr>
                           <m:t>𝜏</m:t>
                         </m:r>
                       </m:num>
                       <m:den>
                         <m:r>
-                          <a:rPr lang="en-GB" i="1"/>
+                          <a:rPr lang="en-GB" i="1">
+                            <a:latin typeface="Cambria Math" panose="02040503050406030204" pitchFamily="18" charset="0"/>
+                          </a:rPr>
                           <m:t>𝐿</m:t>
                         </m:r>
                       </m:den>
                     </m:f>
                     <m:r>
-                      <a:rPr lang="en-GB" i="1"/>
+                      <a:rPr lang="en-GB" i="1">
+                        <a:latin typeface="Cambria Math" panose="02040503050406030204" pitchFamily="18" charset="0"/>
+                      </a:rPr>
                       <m:t>=</m:t>
                     </m:r>
                     <m:f>
                       <m:fPr>
                         <m:ctrlPr>
-                          <a:rPr lang="en-GB" i="1"/>
+                          <a:rPr lang="en-GB" i="1">
+                            <a:latin typeface="Cambria Math" panose="02040503050406030204" pitchFamily="18" charset="0"/>
+                          </a:rPr>
                         </m:ctrlPr>
                       </m:fPr>
                       <m:num>
                         <m:r>
-                          <a:rPr lang="en-GB" i="1"/>
+                          <a:rPr lang="en-GB" i="1">
+                            <a:latin typeface="Cambria Math" panose="02040503050406030204" pitchFamily="18" charset="0"/>
+                          </a:rPr>
                           <m:t>𝜏</m:t>
                         </m:r>
                       </m:num>
                       <m:den>
                         <m:r>
-                          <a:rPr lang="en-GB" i="1"/>
+                          <a:rPr lang="en-GB" i="1">
+                            <a:latin typeface="Cambria Math" panose="02040503050406030204" pitchFamily="18" charset="0"/>
+                          </a:rPr>
                           <m:t>𝐼</m:t>
                         </m:r>
                         <m:r>
-                          <a:rPr lang="en-GB" i="1"/>
+                          <a:rPr lang="en-GB" i="1">
+                            <a:latin typeface="Cambria Math" panose="02040503050406030204" pitchFamily="18" charset="0"/>
+                          </a:rPr>
                           <m:t>𝜔</m:t>
                         </m:r>
                       </m:den>
@@ -2150,7 +2174,7 @@
             </p:txBody>
           </p:sp>
         </mc:Choice>
-        <mc:Fallback>
+        <mc:Fallback xmlns="">
           <p:sp>
             <p:nvSpPr>
               <p:cNvPr id="3" name="Content Placeholder 2">
@@ -2202,7 +2226,7 @@
         </p:nvGrpSpPr>
         <p:grpSpPr>
           <a:xfrm>
-            <a:off x="6183119" y="2348880"/>
+            <a:off x="6183119" y="1772816"/>
             <a:ext cx="2781369" cy="3888432"/>
             <a:chOff x="5148064" y="812648"/>
             <a:chExt cx="3148156" cy="4400162"/>
@@ -2635,8 +2659,8 @@
         </p:nvSpPr>
         <p:spPr>
           <a:xfrm>
-            <a:off x="6424304" y="6350395"/>
-            <a:ext cx="2552481" cy="369332"/>
+            <a:off x="6208472" y="5670376"/>
+            <a:ext cx="3059224" cy="923330"/>
           </a:xfrm>
           <a:prstGeom prst="rect">
             <a:avLst/>
@@ -2655,47 +2679,15 @@
                   <a:schemeClr val="bg1"/>
                 </a:solidFill>
               </a:rPr>
-              <a:t>Credit: manual</a:t>
-            </a:r>
-          </a:p>
-        </p:txBody>
-      </p:sp>
-      <p:sp>
-        <p:nvSpPr>
-          <p:cNvPr id="6" name="TextBox 5">
-            <a:extLst>
-              <a:ext uri="{FF2B5EF4-FFF2-40B4-BE49-F238E27FC236}">
-                <a16:creationId xmlns:a16="http://schemas.microsoft.com/office/drawing/2014/main" id="{247A9D34-809B-4A19-8867-7C9EE042922D}"/>
-              </a:ext>
-            </a:extLst>
-          </p:cNvPr>
-          <p:cNvSpPr txBox="1"/>
-          <p:nvPr/>
-        </p:nvSpPr>
-        <p:spPr>
-          <a:xfrm>
-            <a:off x="5868144" y="692696"/>
-            <a:ext cx="1832401" cy="523220"/>
-          </a:xfrm>
-          <a:prstGeom prst="rect">
-            <a:avLst/>
-          </a:prstGeom>
-          <a:noFill/>
-        </p:spPr>
-        <p:txBody>
-          <a:bodyPr wrap="square" rtlCol="0">
-            <a:spAutoFit/>
-          </a:bodyPr>
-          <a:lstStyle/>
-          <a:p>
-            <a:r>
-              <a:rPr lang="en-GB" dirty="0">
-                <a:solidFill>
-                  <a:srgbClr val="FF0000"/>
-                </a:solidFill>
-              </a:rPr>
-              <a:t>Fix credit</a:t>
-            </a:r>
+              <a:t>Credit: Tachometer instruction manual. </a:t>
+            </a:r>
+          </a:p>
+          <a:p>
+            <a:endParaRPr lang="en-GB" sz="1800" b="0" dirty="0">
+              <a:solidFill>
+                <a:schemeClr val="bg1"/>
+              </a:solidFill>
+            </a:endParaRPr>
           </a:p>
         </p:txBody>
       </p:sp>
@@ -2862,6 +2854,7 @@
               </a:bodyPr>
               <a:lstStyle/>
               <a:p>
+                <a:pPr/>
                 <a14:m>
                   <m:oMathPara xmlns:m="http://schemas.openxmlformats.org/officeDocument/2006/math">
                     <m:oMathParaPr>
@@ -2871,7 +2864,7 @@
                       <m:sSub>
                         <m:sSubPr>
                           <m:ctrlPr>
-                            <a:rPr lang="en-GB" b="1" i="1" smtClean="0">
+                            <a:rPr lang="en-GB" b="0" i="1" smtClean="0">
                               <a:solidFill>
                                 <a:schemeClr val="bg1"/>
                               </a:solidFill>
@@ -2881,29 +2874,29 @@
                         </m:sSubPr>
                         <m:e>
                           <m:r>
-                            <a:rPr lang="en-GB" b="1" i="1" smtClean="0">
+                            <a:rPr lang="en-GB" b="0" i="1" smtClean="0">
                               <a:solidFill>
                                 <a:schemeClr val="bg1"/>
                               </a:solidFill>
                               <a:latin typeface="Cambria Math" panose="02040503050406030204" pitchFamily="18" charset="0"/>
                             </a:rPr>
-                            <m:t>𝝉</m:t>
+                            <m:t>𝜏</m:t>
                           </m:r>
                         </m:e>
                         <m:sub>
                           <m:r>
-                            <a:rPr lang="en-GB" b="1" i="1" smtClean="0">
+                            <a:rPr lang="en-GB" b="0" i="1" smtClean="0">
                               <a:solidFill>
                                 <a:schemeClr val="bg1"/>
                               </a:solidFill>
                               <a:latin typeface="Cambria Math" panose="02040503050406030204" pitchFamily="18" charset="0"/>
                             </a:rPr>
-                            <m:t>𝒇𝒓𝒊𝒄𝒕𝒊𝒐𝒏𝒂𝒍</m:t>
+                            <m:t>𝑓𝑟𝑖𝑐𝑡𝑖𝑜𝑛𝑎𝑙</m:t>
                           </m:r>
                         </m:sub>
                       </m:sSub>
                       <m:r>
-                        <a:rPr lang="en-GB" b="1" i="1" smtClean="0">
+                        <a:rPr lang="en-GB" b="0" i="1" smtClean="0">
                           <a:solidFill>
                             <a:schemeClr val="bg1"/>
                           </a:solidFill>
@@ -2912,25 +2905,25 @@
                         <m:t>=</m:t>
                       </m:r>
                       <m:r>
-                        <a:rPr lang="en-GB" b="1" i="1" smtClean="0">
+                        <a:rPr lang="en-GB" b="0" i="1" smtClean="0">
                           <a:solidFill>
                             <a:schemeClr val="bg1"/>
                           </a:solidFill>
                           <a:latin typeface="Cambria Math" panose="02040503050406030204" pitchFamily="18" charset="0"/>
                         </a:rPr>
-                        <m:t>𝒂</m:t>
+                        <m:t>𝑎</m:t>
                       </m:r>
                       <m:r>
-                        <a:rPr lang="en-GB" b="1" i="1" smtClean="0">
+                        <a:rPr lang="en-GB" b="0" i="1" smtClean="0">
                           <a:solidFill>
                             <a:schemeClr val="bg1"/>
                           </a:solidFill>
                           <a:latin typeface="Cambria Math" panose="02040503050406030204" pitchFamily="18" charset="0"/>
                         </a:rPr>
-                        <m:t>𝝎</m:t>
+                        <m:t>𝜔</m:t>
                       </m:r>
                       <m:r>
-                        <a:rPr lang="en-GB" b="1" i="1" smtClean="0">
+                        <a:rPr lang="en-GB" b="0" i="1" smtClean="0">
                           <a:solidFill>
                             <a:schemeClr val="bg1"/>
                           </a:solidFill>
@@ -2939,24 +2932,25 @@
                         <m:t>+</m:t>
                       </m:r>
                       <m:r>
-                        <a:rPr lang="en-GB" b="1" i="1" smtClean="0">
+                        <a:rPr lang="en-GB" b="0" i="1" smtClean="0">
                           <a:solidFill>
                             <a:schemeClr val="bg1"/>
                           </a:solidFill>
                           <a:latin typeface="Cambria Math" panose="02040503050406030204" pitchFamily="18" charset="0"/>
                         </a:rPr>
-                        <m:t>𝒃</m:t>
+                        <m:t>𝑏</m:t>
                       </m:r>
                     </m:oMath>
                   </m:oMathPara>
                 </a14:m>
-                <a:endParaRPr lang="en-GB" b="1" dirty="0">
+                <a:endParaRPr lang="en-GB" b="0" dirty="0">
                   <a:solidFill>
                     <a:schemeClr val="bg1"/>
                   </a:solidFill>
                 </a:endParaRPr>
               </a:p>
               <a:p>
+                <a:pPr/>
                 <a14:m>
                   <m:oMathPara xmlns:m="http://schemas.openxmlformats.org/officeDocument/2006/math">
                     <m:oMathParaPr>
@@ -2964,16 +2958,16 @@
                     </m:oMathParaPr>
                     <m:oMath xmlns:m="http://schemas.openxmlformats.org/officeDocument/2006/math">
                       <m:r>
-                        <a:rPr lang="en-GB" sz="2000" b="1" i="1" smtClean="0">
+                        <a:rPr lang="en-GB" sz="2000" b="0" i="1" smtClean="0">
                           <a:solidFill>
                             <a:schemeClr val="bg1"/>
                           </a:solidFill>
                           <a:latin typeface="Cambria Math" panose="02040503050406030204" pitchFamily="18" charset="0"/>
                         </a:rPr>
-                        <m:t>𝒃</m:t>
+                        <m:t>𝑏</m:t>
                       </m:r>
                       <m:r>
-                        <a:rPr lang="en-GB" sz="2000" b="1" i="1" smtClean="0">
+                        <a:rPr lang="en-GB" sz="2000" b="0" i="1" smtClean="0">
                           <a:solidFill>
                             <a:schemeClr val="bg1"/>
                           </a:solidFill>
@@ -2982,16 +2976,16 @@
                         <m:t>−</m:t>
                       </m:r>
                       <m:r>
-                        <a:rPr lang="en-GB" sz="2000" b="1" i="1" smtClean="0">
+                        <a:rPr lang="en-GB" sz="2000" b="0" i="1" smtClean="0">
                           <a:solidFill>
                             <a:schemeClr val="bg1"/>
                           </a:solidFill>
                           <a:latin typeface="Cambria Math" panose="02040503050406030204" pitchFamily="18" charset="0"/>
                         </a:rPr>
-                        <m:t>𝒅𝒓𝒚</m:t>
+                        <m:t>𝑑𝑟𝑦</m:t>
                       </m:r>
                       <m:r>
-                        <a:rPr lang="en-GB" sz="2000" b="1" i="1" smtClean="0">
+                        <a:rPr lang="en-GB" sz="2000" b="0" i="1" smtClean="0">
                           <a:solidFill>
                             <a:schemeClr val="bg1"/>
                           </a:solidFill>
@@ -3000,16 +2994,16 @@
                         <m:t> </m:t>
                       </m:r>
                       <m:r>
-                        <a:rPr lang="en-GB" sz="2000" b="1" i="1" smtClean="0">
+                        <a:rPr lang="en-GB" sz="2000" b="0" i="1" smtClean="0">
                           <a:solidFill>
                             <a:schemeClr val="bg1"/>
                           </a:solidFill>
                           <a:latin typeface="Cambria Math" panose="02040503050406030204" pitchFamily="18" charset="0"/>
                         </a:rPr>
-                        <m:t>𝒇𝒓𝒊𝒄𝒕𝒊𝒐𝒏</m:t>
+                        <m:t>𝑓𝑟𝑖𝑐𝑡𝑖𝑜𝑛</m:t>
                       </m:r>
                       <m:r>
-                        <a:rPr lang="en-GB" sz="2000" b="1" i="1" smtClean="0">
+                        <a:rPr lang="en-GB" sz="2000" b="0" i="1" smtClean="0">
                           <a:solidFill>
                             <a:schemeClr val="bg1"/>
                           </a:solidFill>
@@ -3018,18 +3012,18 @@
                         <m:t> </m:t>
                       </m:r>
                       <m:r>
-                        <a:rPr lang="en-GB" sz="2000" b="1" i="1" smtClean="0">
+                        <a:rPr lang="en-GB" sz="2000" b="0" i="1" smtClean="0">
                           <a:solidFill>
                             <a:schemeClr val="bg1"/>
                           </a:solidFill>
                           <a:latin typeface="Cambria Math" panose="02040503050406030204" pitchFamily="18" charset="0"/>
                         </a:rPr>
-                        <m:t>𝒕𝒆𝒓𝒎</m:t>
+                        <m:t>𝑡𝑒𝑟𝑚</m:t>
                       </m:r>
                     </m:oMath>
                   </m:oMathPara>
                 </a14:m>
-                <a:endParaRPr lang="en-GB" sz="2000" b="1" i="1" dirty="0">
+                <a:endParaRPr lang="en-GB" sz="2000" b="0" i="1" dirty="0">
                   <a:solidFill>
                     <a:schemeClr val="bg1"/>
                   </a:solidFill>
@@ -3037,6 +3031,7 @@
                 </a:endParaRPr>
               </a:p>
               <a:p>
+                <a:pPr/>
                 <a14:m>
                   <m:oMathPara xmlns:m="http://schemas.openxmlformats.org/officeDocument/2006/math">
                     <m:oMathParaPr>
@@ -3044,16 +3039,16 @@
                     </m:oMathParaPr>
                     <m:oMath xmlns:m="http://schemas.openxmlformats.org/officeDocument/2006/math">
                       <m:r>
-                        <a:rPr lang="en-GB" sz="2000" b="1" i="1" smtClean="0">
+                        <a:rPr lang="en-GB" sz="2000" b="0" i="1" smtClean="0">
                           <a:solidFill>
                             <a:schemeClr val="bg1"/>
                           </a:solidFill>
                           <a:latin typeface="Cambria Math" panose="02040503050406030204" pitchFamily="18" charset="0"/>
                         </a:rPr>
-                        <m:t>𝒂</m:t>
+                        <m:t>𝑎</m:t>
                       </m:r>
                       <m:r>
-                        <a:rPr lang="en-GB" sz="2000" b="1" i="1" smtClean="0">
+                        <a:rPr lang="en-GB" sz="2000" b="0" i="1" smtClean="0">
                           <a:solidFill>
                             <a:schemeClr val="bg1"/>
                           </a:solidFill>
@@ -3062,16 +3057,16 @@
                         <m:t>−</m:t>
                       </m:r>
                       <m:r>
-                        <a:rPr lang="en-GB" sz="2000" b="1" i="1" smtClean="0">
+                        <a:rPr lang="en-GB" sz="2000" b="0" i="1" smtClean="0">
                           <a:solidFill>
                             <a:schemeClr val="bg1"/>
                           </a:solidFill>
                           <a:latin typeface="Cambria Math" panose="02040503050406030204" pitchFamily="18" charset="0"/>
                         </a:rPr>
-                        <m:t>𝒇𝒍𝒖𝒊𝒅</m:t>
+                        <m:t>𝑓𝑙𝑢𝑖𝑑</m:t>
                       </m:r>
                       <m:r>
-                        <a:rPr lang="en-GB" sz="2000" b="1" i="1" smtClean="0">
+                        <a:rPr lang="en-GB" sz="2000" b="0" i="1" smtClean="0">
                           <a:solidFill>
                             <a:schemeClr val="bg1"/>
                           </a:solidFill>
@@ -3080,16 +3075,16 @@
                         <m:t> </m:t>
                       </m:r>
                       <m:r>
-                        <a:rPr lang="en-GB" sz="2000" b="1" i="1" smtClean="0">
+                        <a:rPr lang="en-GB" sz="2000" b="0" i="1" smtClean="0">
                           <a:solidFill>
                             <a:schemeClr val="bg1"/>
                           </a:solidFill>
                           <a:latin typeface="Cambria Math" panose="02040503050406030204" pitchFamily="18" charset="0"/>
                         </a:rPr>
-                        <m:t>𝒅𝒓𝒂𝒈</m:t>
+                        <m:t>𝑑𝑟𝑎𝑔</m:t>
                       </m:r>
                       <m:r>
-                        <a:rPr lang="en-GB" sz="2000" b="1" i="1" smtClean="0">
+                        <a:rPr lang="en-GB" sz="2000" b="0" i="1" smtClean="0">
                           <a:solidFill>
                             <a:schemeClr val="bg1"/>
                           </a:solidFill>
@@ -3098,18 +3093,18 @@
                         <m:t> </m:t>
                       </m:r>
                       <m:r>
-                        <a:rPr lang="en-GB" sz="2000" b="1" i="1" smtClean="0">
+                        <a:rPr lang="en-GB" sz="2000" b="0" i="1" smtClean="0">
                           <a:solidFill>
                             <a:schemeClr val="bg1"/>
                           </a:solidFill>
                           <a:latin typeface="Cambria Math" panose="02040503050406030204" pitchFamily="18" charset="0"/>
                         </a:rPr>
-                        <m:t>𝒕𝒆𝒓𝒎</m:t>
+                        <m:t>𝑡𝑒𝑟𝑚</m:t>
                       </m:r>
                     </m:oMath>
                   </m:oMathPara>
                 </a14:m>
-                <a:endParaRPr lang="en-GB" sz="2000" b="1" dirty="0">
+                <a:endParaRPr lang="en-GB" sz="2000" b="0" dirty="0">
                   <a:solidFill>
                     <a:schemeClr val="bg1"/>
                   </a:solidFill>
@@ -4110,7 +4105,7 @@
           <a:lstStyle/>
           <a:p>
             <a:r>
-              <a:rPr lang="en-GB" dirty="0"/>
+              <a:rPr lang="en-GB" b="1" dirty="0"/>
               <a:t>Future Developments</a:t>
             </a:r>
           </a:p>
@@ -4359,20 +4354,20 @@
           <a:p>
             <a:r>
               <a:rPr lang="en-GB" sz="2000" dirty="0"/>
-              <a:t>Digital photo tachometer, model: RM-1501, instruction manual, RS Components UK, 2000. </a:t>
+              <a:t>Digital photo tachometer, model: RM-1501, instruction manual , 2000, RS Components UK. </a:t>
             </a:r>
             <a:endParaRPr lang="en-GB" sz="2400" dirty="0"/>
           </a:p>
           <a:p>
             <a:r>
               <a:rPr lang="en-GB" sz="2000" dirty="0"/>
-              <a:t>A gyroscope as a way of modelling atomic transitions, project suggestion, Birmingham University School of Physics and Astronomy, 2015. </a:t>
+              <a:t>A gyroscope as a way of modelling atomic transitions, project suggestion, 2015, Birmingham University School of Physics and Astronomy. </a:t>
             </a:r>
           </a:p>
           <a:p>
             <a:r>
               <a:rPr lang="en-GB" sz="2000" dirty="0"/>
-              <a:t>Bloch, Felix (Oct 1946). "Nuclear induction". </a:t>
+              <a:t>Nuclear induction, Bloch and Felix, Oct 1946, </a:t>
             </a:r>
             <a:r>
               <a:rPr lang="en-GB" sz="2000" i="1" dirty="0"/>
@@ -4452,7 +4447,7 @@
           <a:lstStyle/>
           <a:p>
             <a:r>
-              <a:rPr lang="en-GB" dirty="0"/>
+              <a:rPr lang="en-GB" b="1" dirty="0"/>
               <a:t>Bibliography</a:t>
             </a:r>
           </a:p>
@@ -4698,9 +4693,20 @@
           <a:p>
             <a:r>
               <a:rPr lang="en-GB" sz="3600" b="1" dirty="0"/>
-              <a:t>Theory – Bloch Sphere as a Cold Atom</a:t>
-            </a:r>
-            <a:endParaRPr lang="en-GB" sz="3600" dirty="0"/>
+              <a:t>Theory </a:t>
+            </a:r>
+            <a:r>
+              <a:rPr lang="en-GB" sz="3600" dirty="0"/>
+              <a:t>–</a:t>
+            </a:r>
+            <a:r>
+              <a:rPr lang="en-GB" sz="3600" b="1" dirty="0"/>
+              <a:t> </a:t>
+            </a:r>
+            <a:r>
+              <a:rPr lang="en-GB" sz="3600" dirty="0"/>
+              <a:t>Bloch Sphere as a Cold Atom</a:t>
+            </a:r>
           </a:p>
         </p:txBody>
       </p:sp>
@@ -4722,8 +4728,8 @@
         </p:nvSpPr>
         <p:spPr>
           <a:xfrm>
-            <a:off x="396875" y="1628800"/>
-            <a:ext cx="7772400" cy="4292898"/>
+            <a:off x="396875" y="1872406"/>
+            <a:ext cx="5471269" cy="4292898"/>
           </a:xfrm>
         </p:spPr>
         <p:txBody>
@@ -4731,104 +4737,29 @@
           <a:lstStyle/>
           <a:p>
             <a:r>
-              <a:rPr lang="en-GB" sz="2000" dirty="0"/>
+              <a:rPr lang="en-GB" sz="2400" dirty="0"/>
               <a:t>A cold atom is a quantum system</a:t>
             </a:r>
           </a:p>
           <a:p>
-            <a:endParaRPr lang="en-GB" sz="2000" dirty="0"/>
-          </a:p>
-          <a:p>
-            <a:r>
-              <a:rPr lang="en-GB" sz="2000" dirty="0"/>
-              <a:t>A cold atom can be represented by the Bloch Sphere model</a:t>
-            </a:r>
-          </a:p>
-          <a:p>
-            <a:endParaRPr lang="en-GB" sz="2000" dirty="0"/>
-          </a:p>
-          <a:p>
-            <a:r>
-              <a:rPr lang="en-GB" sz="2000" dirty="0"/>
-              <a:t>A Bloch Sphere is a geometrical representation of a two state quantum mechanical system.</a:t>
-            </a:r>
-          </a:p>
-          <a:p>
-            <a:endParaRPr lang="en-GB" sz="2000" dirty="0"/>
-          </a:p>
-          <a:p>
-            <a:r>
-              <a:rPr lang="en-GB" sz="2000" dirty="0"/>
+            <a:endParaRPr lang="en-GB" sz="2400" dirty="0"/>
+          </a:p>
+          <a:p>
+            <a:r>
+              <a:rPr lang="en-GB" sz="2400" dirty="0"/>
+              <a:t>It can be represented with the Bloch Sphere model</a:t>
+            </a:r>
+          </a:p>
+          <a:p>
+            <a:pPr marL="0" indent="0">
+              <a:buNone/>
+            </a:pPr>
+            <a:endParaRPr lang="en-GB" sz="2400" dirty="0"/>
+          </a:p>
+          <a:p>
+            <a:r>
+              <a:rPr lang="en-GB" sz="2400" dirty="0"/>
               <a:t>Gyroscope is a good model of a cold atom</a:t>
-            </a:r>
-          </a:p>
-          <a:p>
-            <a:pPr lvl="1"/>
-            <a:r>
-              <a:rPr lang="en-GB" sz="2000" dirty="0"/>
-              <a:t>Inner disk spin represents the intrinsic spin of the cold atom</a:t>
-            </a:r>
-          </a:p>
-          <a:p>
-            <a:pPr lvl="1"/>
-            <a:r>
-              <a:rPr lang="en-GB" sz="2000" dirty="0"/>
-              <a:t>The procession is equivalent to the procession of the cold atom when it’s magnetic moment interacts with an external field.</a:t>
-            </a:r>
-          </a:p>
-        </p:txBody>
-      </p:sp>
-      <p:sp>
-        <p:nvSpPr>
-          <p:cNvPr id="2" name="TextBox 1">
-            <a:extLst>
-              <a:ext uri="{FF2B5EF4-FFF2-40B4-BE49-F238E27FC236}">
-                <a16:creationId xmlns:a16="http://schemas.microsoft.com/office/drawing/2014/main" id="{DB424717-736B-4AF9-BE0E-481A09213BA3}"/>
-              </a:ext>
-            </a:extLst>
-          </p:cNvPr>
-          <p:cNvSpPr txBox="1"/>
-          <p:nvPr/>
-        </p:nvSpPr>
-        <p:spPr>
-          <a:xfrm>
-            <a:off x="5288954" y="936302"/>
-            <a:ext cx="3603525" cy="1200329"/>
-          </a:xfrm>
-          <a:prstGeom prst="rect">
-            <a:avLst/>
-          </a:prstGeom>
-          <a:noFill/>
-        </p:spPr>
-        <p:txBody>
-          <a:bodyPr wrap="square" rtlCol="0">
-            <a:spAutoFit/>
-          </a:bodyPr>
-          <a:lstStyle/>
-          <a:p>
-            <a:r>
-              <a:rPr lang="en-GB" sz="2400" dirty="0">
-                <a:solidFill>
-                  <a:srgbClr val="FF0000"/>
-                </a:solidFill>
-              </a:rPr>
-              <a:t>Sort reference, make more concise, </a:t>
-            </a:r>
-            <a:r>
-              <a:rPr lang="en-GB" sz="2400" dirty="0" err="1">
-                <a:solidFill>
-                  <a:srgbClr val="FF0000"/>
-                </a:solidFill>
-              </a:rPr>
-              <a:t>bloch</a:t>
-            </a:r>
-            <a:r>
-              <a:rPr lang="en-GB" sz="2400" dirty="0">
-                <a:solidFill>
-                  <a:srgbClr val="FF0000"/>
-                </a:solidFill>
-              </a:rPr>
-              <a:t> sphere pic Ed’s [5]</a:t>
             </a:r>
           </a:p>
         </p:txBody>
@@ -4877,7 +4808,7 @@
                   <a:schemeClr val="bg1"/>
                 </a:solidFill>
               </a:rPr>
-              <a:t>Bloch, Felix (Oct 1946). "Nuclear induction". </a:t>
+              <a:t>Nuclear induction, Bloch and Felix, Oct 1946, </a:t>
             </a:r>
             <a:r>
               <a:rPr lang="en-GB" sz="1400" b="0" i="1" dirty="0">
@@ -4893,11 +4824,107 @@
                   <a:schemeClr val="bg1"/>
                 </a:solidFill>
               </a:rPr>
-              <a:t>. 70 (7-8): 460–474.</a:t>
+              <a:t>. 70 (7-8): 460–474. </a:t>
             </a:r>
           </a:p>
         </p:txBody>
       </p:sp>
+      <p:grpSp>
+        <p:nvGrpSpPr>
+          <p:cNvPr id="9" name="Group 8">
+            <a:extLst>
+              <a:ext uri="{FF2B5EF4-FFF2-40B4-BE49-F238E27FC236}">
+                <a16:creationId xmlns:a16="http://schemas.microsoft.com/office/drawing/2014/main" id="{A8992117-8E35-4429-A242-8EC31AA6E134}"/>
+              </a:ext>
+            </a:extLst>
+          </p:cNvPr>
+          <p:cNvGrpSpPr/>
+          <p:nvPr/>
+        </p:nvGrpSpPr>
+        <p:grpSpPr>
+          <a:xfrm>
+            <a:off x="5652120" y="2204864"/>
+            <a:ext cx="3502774" cy="3252557"/>
+            <a:chOff x="5652120" y="2464899"/>
+            <a:chExt cx="3502774" cy="3252557"/>
+          </a:xfrm>
+        </p:grpSpPr>
+        <p:pic>
+          <p:nvPicPr>
+            <p:cNvPr id="7" name="Picture 6">
+              <a:extLst>
+                <a:ext uri="{FF2B5EF4-FFF2-40B4-BE49-F238E27FC236}">
+                  <a16:creationId xmlns:a16="http://schemas.microsoft.com/office/drawing/2014/main" id="{AE84FC0C-5ABD-4166-91C1-C689D0AE5F83}"/>
+                </a:ext>
+              </a:extLst>
+            </p:cNvPr>
+            <p:cNvPicPr>
+              <a:picLocks noChangeAspect="1"/>
+            </p:cNvPicPr>
+            <p:nvPr/>
+          </p:nvPicPr>
+          <p:blipFill>
+            <a:blip r:embed="rId2">
+              <a:extLst>
+                <a:ext uri="{28A0092B-C50C-407E-A947-70E740481C1C}">
+                  <a14:useLocalDpi xmlns:a14="http://schemas.microsoft.com/office/drawing/2010/main" val="0"/>
+                </a:ext>
+              </a:extLst>
+            </a:blip>
+            <a:stretch>
+              <a:fillRect/>
+            </a:stretch>
+          </p:blipFill>
+          <p:spPr>
+            <a:xfrm>
+              <a:off x="5749746" y="2464899"/>
+              <a:ext cx="3142733" cy="2853109"/>
+            </a:xfrm>
+            <a:prstGeom prst="rect">
+              <a:avLst/>
+            </a:prstGeom>
+          </p:spPr>
+        </p:pic>
+        <p:sp>
+          <p:nvSpPr>
+            <p:cNvPr id="8" name="TextBox 7">
+              <a:extLst>
+                <a:ext uri="{FF2B5EF4-FFF2-40B4-BE49-F238E27FC236}">
+                  <a16:creationId xmlns:a16="http://schemas.microsoft.com/office/drawing/2014/main" id="{B866EF2A-6774-42DA-9A28-E1EC50C1E23B}"/>
+                </a:ext>
+              </a:extLst>
+            </p:cNvPr>
+            <p:cNvSpPr txBox="1"/>
+            <p:nvPr/>
+          </p:nvSpPr>
+          <p:spPr>
+            <a:xfrm>
+              <a:off x="5652120" y="5317346"/>
+              <a:ext cx="3502774" cy="400110"/>
+            </a:xfrm>
+            <a:prstGeom prst="rect">
+              <a:avLst/>
+            </a:prstGeom>
+            <a:noFill/>
+          </p:spPr>
+          <p:txBody>
+            <a:bodyPr wrap="square" rtlCol="0">
+              <a:spAutoFit/>
+            </a:bodyPr>
+            <a:lstStyle/>
+            <a:p>
+              <a:r>
+                <a:rPr lang="en-GB" sz="2000" b="0" dirty="0">
+                  <a:solidFill>
+                    <a:schemeClr val="bg1"/>
+                  </a:solidFill>
+                </a:rPr>
+                <a:t>Credit: Wikimedia commons</a:t>
+              </a:r>
+            </a:p>
+          </p:txBody>
+        </p:sp>
+      </p:grpSp>
     </p:spTree>
     <p:extLst>
       <p:ext uri="{BB962C8B-B14F-4D97-AF65-F5344CB8AC3E}">
@@ -4950,14 +4977,18 @@
           <a:lstStyle/>
           <a:p>
             <a:r>
+              <a:rPr lang="en-GB" b="1" dirty="0"/>
+              <a:t>Theory</a:t>
+            </a:r>
+            <a:r>
               <a:rPr lang="en-GB" dirty="0"/>
-              <a:t>Theory – Gyroscopic Motion</a:t>
+              <a:t> – Gyroscopic Motion</a:t>
             </a:r>
           </a:p>
         </p:txBody>
       </p:sp>
-      <mc:AlternateContent xmlns:mc="http://schemas.openxmlformats.org/markup-compatibility/2006">
-        <mc:Choice xmlns:a14="http://schemas.microsoft.com/office/drawing/2010/main" Requires="a14">
+      <mc:AlternateContent xmlns:mc="http://schemas.openxmlformats.org/markup-compatibility/2006" xmlns:a14="http://schemas.microsoft.com/office/drawing/2010/main">
+        <mc:Choice Requires="a14">
           <p:sp>
             <p:nvSpPr>
               <p:cNvPr id="3" name="Content Placeholder 2">
@@ -5217,7 +5248,7 @@
             </p:txBody>
           </p:sp>
         </mc:Choice>
-        <mc:Fallback>
+        <mc:Fallback xmlns="">
           <p:sp>
             <p:nvSpPr>
               <p:cNvPr id="3" name="Content Placeholder 2">
@@ -5617,10 +5648,10 @@
           <a:lstStyle/>
           <a:p>
             <a:r>
-              <a:rPr lang="en-US" dirty="0"/>
+              <a:rPr lang="en-US" b="1" dirty="0"/>
               <a:t>Feasibility studies</a:t>
             </a:r>
-            <a:endParaRPr lang="en-GB" dirty="0"/>
+            <a:endParaRPr lang="en-GB" b="1" dirty="0"/>
           </a:p>
         </p:txBody>
       </p:sp>
@@ -5664,7 +5695,7 @@
           <a:p>
             <a:r>
               <a:rPr lang="en-US" sz="2400" dirty="0"/>
-              <a:t>Driving with electromagnetism and small conducting magnets</a:t>
+              <a:t>Faraday disk with small conducting magnets</a:t>
             </a:r>
           </a:p>
           <a:p>

--- a/Project_Presentation.pptx
+++ b/Project_Presentation.pptx
@@ -291,7 +291,7 @@
               <a:pPr>
                 <a:defRPr/>
               </a:pPr>
-              <a:t>2/21/2018</a:t>
+              <a:t>2/22/2018</a:t>
             </a:fld>
             <a:endParaRPr lang="en-US" altLang="en-US"/>
           </a:p>
@@ -480,7 +480,7 @@
           <a:p>
             <a:fld id="{8FA74C69-B7AE-4566-AFE3-85307AA69DBA}" type="datetimeFigureOut">
               <a:rPr lang="en-GB" smtClean="0"/>
-              <a:t>21/02/2018</a:t>
+              <a:t>22/02/2018</a:t>
             </a:fld>
             <a:endParaRPr lang="en-GB"/>
           </a:p>
@@ -2824,8 +2824,8 @@
           </a:prstGeom>
         </p:spPr>
       </p:pic>
-      <mc:AlternateContent xmlns:mc="http://schemas.openxmlformats.org/markup-compatibility/2006">
-        <mc:Choice xmlns:a14="http://schemas.microsoft.com/office/drawing/2010/main" Requires="a14">
+      <mc:AlternateContent xmlns:mc="http://schemas.openxmlformats.org/markup-compatibility/2006" xmlns:a14="http://schemas.microsoft.com/office/drawing/2010/main">
+        <mc:Choice Requires="a14">
           <p:sp>
             <p:nvSpPr>
               <p:cNvPr id="3" name="TextBox 2">
@@ -3116,7 +3116,7 @@
             </p:txBody>
           </p:sp>
         </mc:Choice>
-        <mc:Fallback>
+        <mc:Fallback xmlns="">
           <p:sp>
             <p:nvSpPr>
               <p:cNvPr id="3" name="TextBox 2">
@@ -6098,13 +6098,13 @@
           <a:p>
             <a:r>
               <a:rPr lang="en-GB" sz="2000" dirty="0"/>
-              <a:t>Force acting on magnets in model magnetic field: 0.139545±</a:t>
+              <a:t>Force acting on magnets in model magnetic field: 0.14N (0.139545±</a:t>
             </a:r>
             <a:r>
               <a:rPr lang="en-GB" sz="2000" dirty="0">
                 <a:cs typeface="Calibri" panose="020F0502020204030204" pitchFamily="34" charset="0"/>
               </a:rPr>
-              <a:t>0.000001N</a:t>
+              <a:t>0.000001N)</a:t>
             </a:r>
           </a:p>
           <a:p>
